--- a/Material/IETF120 side meeting intro.pptx
+++ b/Material/IETF120 side meeting intro.pptx
@@ -5,13 +5,14 @@
     <p:sldMasterId id="2147483648" r:id="rId1"/>
   </p:sldMasterIdLst>
   <p:notesMasterIdLst>
-    <p:notesMasterId r:id="rId6"/>
+    <p:notesMasterId r:id="rId7"/>
   </p:notesMasterIdLst>
   <p:sldIdLst>
     <p:sldId id="351" r:id="rId2"/>
     <p:sldId id="345" r:id="rId3"/>
     <p:sldId id="346" r:id="rId4"/>
-    <p:sldId id="347" r:id="rId5"/>
+    <p:sldId id="352" r:id="rId5"/>
+    <p:sldId id="347" r:id="rId6"/>
   </p:sldIdLst>
   <p:sldSz cx="12192000" cy="6858000"/>
   <p:notesSz cx="6858000" cy="9144000"/>
@@ -118,6 +119,7 @@
             <p14:sldId id="351"/>
             <p14:sldId id="345"/>
             <p14:sldId id="346"/>
+            <p14:sldId id="352"/>
             <p14:sldId id="347"/>
           </p14:sldIdLst>
         </p14:section>
@@ -212,7 +214,7 @@
           <a:p>
             <a:fld id="{8E9276A9-F8EA-4524-A57D-AC15174C1E8D}" type="datetimeFigureOut">
               <a:rPr lang="zh-CN" altLang="en-US" smtClean="0"/>
-              <a:t>2024/7/19</a:t>
+              <a:t>2024/7/25</a:t>
             </a:fld>
             <a:endParaRPr lang="zh-CN" altLang="en-US"/>
           </a:p>
@@ -554,20 +556,6 @@
               </a:solidFill>
             </a:endParaRPr>
           </a:p>
-          <a:p>
-            <a:pPr marL="890196" lvl="1" indent="0" defTabSz="1779679">
-              <a:spcAft>
-                <a:spcPts val="1200"/>
-              </a:spcAft>
-              <a:buFont typeface="Wingdings" panose="05000000000000000000" pitchFamily="2" charset="2"/>
-              <a:buNone/>
-            </a:pPr>
-            <a:endParaRPr lang="en-US" sz="2800" dirty="0">
-              <a:solidFill>
-                <a:srgbClr val="1D1D1A"/>
-              </a:solidFill>
-            </a:endParaRPr>
-          </a:p>
         </p:txBody>
       </p:sp>
       <p:sp>
@@ -607,6 +595,196 @@
 </file>
 
 <file path=ppt/notesSlides/notesSlide2.xml><?xml version="1.0" encoding="utf-8"?>
+<p:notes xmlns:a="http://schemas.openxmlformats.org/drawingml/2006/main" xmlns:r="http://schemas.openxmlformats.org/officeDocument/2006/relationships" xmlns:p="http://schemas.openxmlformats.org/presentationml/2006/main">
+  <p:cSld>
+    <p:spTree>
+      <p:nvGrpSpPr>
+        <p:cNvPr id="1" name=""/>
+        <p:cNvGrpSpPr/>
+        <p:nvPr/>
+      </p:nvGrpSpPr>
+      <p:grpSpPr>
+        <a:xfrm>
+          <a:off x="0" y="0"/>
+          <a:ext cx="0" cy="0"/>
+          <a:chOff x="0" y="0"/>
+          <a:chExt cx="0" cy="0"/>
+        </a:xfrm>
+      </p:grpSpPr>
+      <p:sp>
+        <p:nvSpPr>
+          <p:cNvPr id="2" name="Slide Image Placeholder 1"/>
+          <p:cNvSpPr>
+            <a:spLocks noGrp="1" noRot="1" noChangeAspect="1"/>
+          </p:cNvSpPr>
+          <p:nvPr>
+            <p:ph type="sldImg"/>
+          </p:nvPr>
+        </p:nvSpPr>
+        <p:spPr/>
+      </p:sp>
+      <p:sp>
+        <p:nvSpPr>
+          <p:cNvPr id="3" name="Notes Placeholder 2"/>
+          <p:cNvSpPr>
+            <a:spLocks noGrp="1"/>
+          </p:cNvSpPr>
+          <p:nvPr>
+            <p:ph type="body" idx="1"/>
+          </p:nvPr>
+        </p:nvSpPr>
+        <p:spPr/>
+        <p:txBody>
+          <a:bodyPr/>
+          <a:lstStyle/>
+          <a:p>
+            <a:pPr marL="890196" lvl="1" indent="0" defTabSz="1779679">
+              <a:spcAft>
+                <a:spcPts val="1200"/>
+              </a:spcAft>
+              <a:buFont typeface="Wingdings" panose="05000000000000000000" pitchFamily="2" charset="2"/>
+              <a:buNone/>
+            </a:pPr>
+            <a:endParaRPr lang="en-US" sz="2800" dirty="0">
+              <a:solidFill>
+                <a:srgbClr val="1D1D1A"/>
+              </a:solidFill>
+            </a:endParaRPr>
+          </a:p>
+        </p:txBody>
+      </p:sp>
+      <p:sp>
+        <p:nvSpPr>
+          <p:cNvPr id="4" name="Slide Number Placeholder 3"/>
+          <p:cNvSpPr>
+            <a:spLocks noGrp="1"/>
+          </p:cNvSpPr>
+          <p:nvPr>
+            <p:ph type="sldNum" sz="quarter" idx="5"/>
+          </p:nvPr>
+        </p:nvSpPr>
+        <p:spPr/>
+        <p:txBody>
+          <a:bodyPr/>
+          <a:lstStyle/>
+          <a:p>
+            <a:fld id="{814E3FA4-70BC-4709-9C87-D20BF4DEA2E8}" type="slidenum">
+              <a:rPr lang="zh-CN" altLang="en-US" smtClean="0"/>
+              <a:t>3</a:t>
+            </a:fld>
+            <a:endParaRPr lang="zh-CN" altLang="en-US"/>
+          </a:p>
+        </p:txBody>
+      </p:sp>
+    </p:spTree>
+    <p:extLst>
+      <p:ext uri="{BB962C8B-B14F-4D97-AF65-F5344CB8AC3E}">
+        <p14:creationId xmlns:p14="http://schemas.microsoft.com/office/powerpoint/2010/main" val="3339793055"/>
+      </p:ext>
+    </p:extLst>
+  </p:cSld>
+  <p:clrMapOvr>
+    <a:masterClrMapping/>
+  </p:clrMapOvr>
+</p:notes>
+</file>
+
+<file path=ppt/notesSlides/notesSlide3.xml><?xml version="1.0" encoding="utf-8"?>
+<p:notes xmlns:a="http://schemas.openxmlformats.org/drawingml/2006/main" xmlns:r="http://schemas.openxmlformats.org/officeDocument/2006/relationships" xmlns:p="http://schemas.openxmlformats.org/presentationml/2006/main">
+  <p:cSld>
+    <p:spTree>
+      <p:nvGrpSpPr>
+        <p:cNvPr id="1" name=""/>
+        <p:cNvGrpSpPr/>
+        <p:nvPr/>
+      </p:nvGrpSpPr>
+      <p:grpSpPr>
+        <a:xfrm>
+          <a:off x="0" y="0"/>
+          <a:ext cx="0" cy="0"/>
+          <a:chOff x="0" y="0"/>
+          <a:chExt cx="0" cy="0"/>
+        </a:xfrm>
+      </p:grpSpPr>
+      <p:sp>
+        <p:nvSpPr>
+          <p:cNvPr id="2" name="Slide Image Placeholder 1"/>
+          <p:cNvSpPr>
+            <a:spLocks noGrp="1" noRot="1" noChangeAspect="1"/>
+          </p:cNvSpPr>
+          <p:nvPr>
+            <p:ph type="sldImg"/>
+          </p:nvPr>
+        </p:nvSpPr>
+        <p:spPr/>
+      </p:sp>
+      <p:sp>
+        <p:nvSpPr>
+          <p:cNvPr id="3" name="Notes Placeholder 2"/>
+          <p:cNvSpPr>
+            <a:spLocks noGrp="1"/>
+          </p:cNvSpPr>
+          <p:nvPr>
+            <p:ph type="body" idx="1"/>
+          </p:nvPr>
+        </p:nvSpPr>
+        <p:spPr/>
+        <p:txBody>
+          <a:bodyPr/>
+          <a:lstStyle/>
+          <a:p>
+            <a:pPr marL="890196" lvl="1" indent="0" defTabSz="1779679">
+              <a:spcAft>
+                <a:spcPts val="1200"/>
+              </a:spcAft>
+              <a:buFont typeface="Wingdings" panose="05000000000000000000" pitchFamily="2" charset="2"/>
+              <a:buNone/>
+            </a:pPr>
+            <a:endParaRPr lang="en-US" sz="2800" dirty="0">
+              <a:solidFill>
+                <a:srgbClr val="1D1D1A"/>
+              </a:solidFill>
+            </a:endParaRPr>
+          </a:p>
+        </p:txBody>
+      </p:sp>
+      <p:sp>
+        <p:nvSpPr>
+          <p:cNvPr id="4" name="Slide Number Placeholder 3"/>
+          <p:cNvSpPr>
+            <a:spLocks noGrp="1"/>
+          </p:cNvSpPr>
+          <p:nvPr>
+            <p:ph type="sldNum" sz="quarter" idx="5"/>
+          </p:nvPr>
+        </p:nvSpPr>
+        <p:spPr/>
+        <p:txBody>
+          <a:bodyPr/>
+          <a:lstStyle/>
+          <a:p>
+            <a:fld id="{814E3FA4-70BC-4709-9C87-D20BF4DEA2E8}" type="slidenum">
+              <a:rPr lang="zh-CN" altLang="en-US" smtClean="0"/>
+              <a:t>4</a:t>
+            </a:fld>
+            <a:endParaRPr lang="zh-CN" altLang="en-US"/>
+          </a:p>
+        </p:txBody>
+      </p:sp>
+    </p:spTree>
+    <p:extLst>
+      <p:ext uri="{BB962C8B-B14F-4D97-AF65-F5344CB8AC3E}">
+        <p14:creationId xmlns:p14="http://schemas.microsoft.com/office/powerpoint/2010/main" val="1570010767"/>
+      </p:ext>
+    </p:extLst>
+  </p:cSld>
+  <p:clrMapOvr>
+    <a:masterClrMapping/>
+  </p:clrMapOvr>
+</p:notes>
+</file>
+
+<file path=ppt/notesSlides/notesSlide4.xml><?xml version="1.0" encoding="utf-8"?>
 <p:notes xmlns:a="http://schemas.openxmlformats.org/drawingml/2006/main" xmlns:r="http://schemas.openxmlformats.org/officeDocument/2006/relationships" xmlns:p="http://schemas.openxmlformats.org/presentationml/2006/main">
   <p:cSld>
     <p:spTree>
@@ -714,134 +892,7 @@
           <a:p>
             <a:fld id="{814E3FA4-70BC-4709-9C87-D20BF4DEA2E8}" type="slidenum">
               <a:rPr lang="zh-CN" altLang="en-US" smtClean="0"/>
-              <a:t>3</a:t>
-            </a:fld>
-            <a:endParaRPr lang="zh-CN" altLang="en-US"/>
-          </a:p>
-        </p:txBody>
-      </p:sp>
-    </p:spTree>
-    <p:extLst>
-      <p:ext uri="{BB962C8B-B14F-4D97-AF65-F5344CB8AC3E}">
-        <p14:creationId xmlns:p14="http://schemas.microsoft.com/office/powerpoint/2010/main" val="3339793055"/>
-      </p:ext>
-    </p:extLst>
-  </p:cSld>
-  <p:clrMapOvr>
-    <a:masterClrMapping/>
-  </p:clrMapOvr>
-</p:notes>
-</file>
-
-<file path=ppt/notesSlides/notesSlide3.xml><?xml version="1.0" encoding="utf-8"?>
-<p:notes xmlns:a="http://schemas.openxmlformats.org/drawingml/2006/main" xmlns:r="http://schemas.openxmlformats.org/officeDocument/2006/relationships" xmlns:p="http://schemas.openxmlformats.org/presentationml/2006/main">
-  <p:cSld>
-    <p:spTree>
-      <p:nvGrpSpPr>
-        <p:cNvPr id="1" name=""/>
-        <p:cNvGrpSpPr/>
-        <p:nvPr/>
-      </p:nvGrpSpPr>
-      <p:grpSpPr>
-        <a:xfrm>
-          <a:off x="0" y="0"/>
-          <a:ext cx="0" cy="0"/>
-          <a:chOff x="0" y="0"/>
-          <a:chExt cx="0" cy="0"/>
-        </a:xfrm>
-      </p:grpSpPr>
-      <p:sp>
-        <p:nvSpPr>
-          <p:cNvPr id="2" name="Slide Image Placeholder 1"/>
-          <p:cNvSpPr>
-            <a:spLocks noGrp="1" noRot="1" noChangeAspect="1"/>
-          </p:cNvSpPr>
-          <p:nvPr>
-            <p:ph type="sldImg"/>
-          </p:nvPr>
-        </p:nvSpPr>
-        <p:spPr/>
-      </p:sp>
-      <p:sp>
-        <p:nvSpPr>
-          <p:cNvPr id="3" name="Notes Placeholder 2"/>
-          <p:cNvSpPr>
-            <a:spLocks noGrp="1"/>
-          </p:cNvSpPr>
-          <p:nvPr>
-            <p:ph type="body" idx="1"/>
-          </p:nvPr>
-        </p:nvSpPr>
-        <p:spPr/>
-        <p:txBody>
-          <a:bodyPr/>
-          <a:lstStyle/>
-          <a:p>
-            <a:pPr marL="890196" marR="0" lvl="1" indent="0" algn="l" defTabSz="1779679" rtl="0" eaLnBrk="1" fontAlgn="auto" latinLnBrk="0" hangingPunct="1">
-              <a:lnSpc>
-                <a:spcPct val="100000"/>
-              </a:lnSpc>
-              <a:spcBef>
-                <a:spcPts val="0"/>
-              </a:spcBef>
-              <a:spcAft>
-                <a:spcPts val="1200"/>
-              </a:spcAft>
-              <a:buClrTx/>
-              <a:buSzTx/>
-              <a:buFont typeface="Wingdings" panose="05000000000000000000" pitchFamily="2" charset="2"/>
-              <a:buNone/>
-              <a:tabLst/>
-              <a:defRPr/>
-            </a:pPr>
-            <a:r>
-              <a:rPr lang="en-US" sz="2800" dirty="0">
-                <a:solidFill>
-                  <a:srgbClr val="1D1D1A"/>
-                </a:solidFill>
-              </a:rPr>
-              <a:t>One single DC site may be limited to 10 thousand GPUs due to the environment restrictions, e.g., power supply, floor area, and cooling technologies.</a:t>
-            </a:r>
-            <a:endParaRPr lang="en-US" sz="3600" dirty="0">
-              <a:solidFill>
-                <a:srgbClr val="1D1D1A"/>
-              </a:solidFill>
-            </a:endParaRPr>
-          </a:p>
-          <a:p>
-            <a:pPr marL="890196" lvl="1" indent="0" defTabSz="1779679">
-              <a:spcAft>
-                <a:spcPts val="1200"/>
-              </a:spcAft>
-              <a:buFont typeface="Wingdings" panose="05000000000000000000" pitchFamily="2" charset="2"/>
-              <a:buNone/>
-            </a:pPr>
-            <a:endParaRPr lang="en-US" sz="2800" dirty="0">
-              <a:solidFill>
-                <a:srgbClr val="1D1D1A"/>
-              </a:solidFill>
-            </a:endParaRPr>
-          </a:p>
-        </p:txBody>
-      </p:sp>
-      <p:sp>
-        <p:nvSpPr>
-          <p:cNvPr id="4" name="Slide Number Placeholder 3"/>
-          <p:cNvSpPr>
-            <a:spLocks noGrp="1"/>
-          </p:cNvSpPr>
-          <p:nvPr>
-            <p:ph type="sldNum" sz="quarter" idx="5"/>
-          </p:nvPr>
-        </p:nvSpPr>
-        <p:spPr/>
-        <p:txBody>
-          <a:bodyPr/>
-          <a:lstStyle/>
-          <a:p>
-            <a:fld id="{814E3FA4-70BC-4709-9C87-D20BF4DEA2E8}" type="slidenum">
-              <a:rPr lang="zh-CN" altLang="en-US" smtClean="0"/>
-              <a:t>4</a:t>
+              <a:t>5</a:t>
             </a:fld>
             <a:endParaRPr lang="zh-CN" altLang="en-US"/>
           </a:p>
@@ -6618,7 +6669,7 @@
   <p:clrMapOvr>
     <a:masterClrMapping/>
   </p:clrMapOvr>
-  <p:extLst mod="1">
+  <p:extLst>
     <p:ext uri="{DCECCB84-F9BA-43D5-87BE-67443E8EF086}">
       <p15:sldGuideLst xmlns:p15="http://schemas.microsoft.com/office/powerpoint/2012/main">
         <p15:guide id="1" pos="3842">
@@ -7279,11 +7330,28 @@
           <a:bodyPr/>
           <a:lstStyle/>
           <a:p>
+            <a:pPr>
+              <a:lnSpc>
+                <a:spcPct val="100000"/>
+              </a:lnSpc>
+            </a:pPr>
             <a:r>
               <a:rPr lang="en-US" altLang="zh-CN" dirty="0"/>
               <a:t>Limitations of Single DCs</a:t>
             </a:r>
-            <a:endParaRPr lang="zh-CN" altLang="en-US" dirty="0"/>
+            <a:endParaRPr lang="en-DE" altLang="zh-CN" dirty="0"/>
+          </a:p>
+          <a:p>
+            <a:pPr>
+              <a:lnSpc>
+                <a:spcPct val="100000"/>
+              </a:lnSpc>
+            </a:pPr>
+            <a:r>
+              <a:rPr lang="en-DE" altLang="zh-CN" sz="1800" dirty="0"/>
+              <a:t>Phenomenal Growth in Demand</a:t>
+            </a:r>
+            <a:endParaRPr lang="zh-CN" altLang="en-US" sz="1800" dirty="0"/>
           </a:p>
         </p:txBody>
       </p:sp>
@@ -8250,11 +8318,28 @@
           <a:bodyPr/>
           <a:lstStyle/>
           <a:p>
+            <a:pPr>
+              <a:lnSpc>
+                <a:spcPct val="100000"/>
+              </a:lnSpc>
+            </a:pPr>
             <a:r>
               <a:rPr lang="en-US" altLang="zh-CN" dirty="0"/>
               <a:t>Inter-DC AI Challenges</a:t>
             </a:r>
-            <a:endParaRPr lang="zh-CN" altLang="en-US" dirty="0"/>
+            <a:endParaRPr lang="en-DE" altLang="zh-CN" dirty="0"/>
+          </a:p>
+          <a:p>
+            <a:pPr>
+              <a:lnSpc>
+                <a:spcPct val="100000"/>
+              </a:lnSpc>
+            </a:pPr>
+            <a:r>
+              <a:rPr lang="en-DE" altLang="zh-CN" sz="1800" dirty="0"/>
+              <a:t>Heterogeneity, Dynamicity, and Contention</a:t>
+            </a:r>
+            <a:endParaRPr lang="zh-CN" altLang="en-US" sz="1800" dirty="0"/>
           </a:p>
         </p:txBody>
       </p:sp>
@@ -8400,9 +8485,10 @@
               <a:buChar char="•"/>
             </a:pPr>
             <a:r>
-              <a:rPr lang="en-US" sz="2000" dirty="0"/>
-              <a:t>Bandwidth</a:t>
+              <a:rPr lang="en-DE" sz="2000" dirty="0"/>
+              <a:t>Connectivity Impairments</a:t>
             </a:r>
+            <a:endParaRPr lang="en-US" sz="2000" dirty="0"/>
           </a:p>
           <a:p>
             <a:pPr marL="742950" lvl="1" indent="-285750">
@@ -8413,17 +8499,54 @@
               <a:buChar char="•"/>
             </a:pPr>
             <a:r>
+              <a:rPr lang="en-DE" dirty="0"/>
+              <a:t>Far smaller</a:t>
+            </a:r>
+            <a:r>
               <a:rPr lang="en-US" dirty="0"/>
-              <a:t>The bandwidth across DC sites is </a:t>
+              <a:t> </a:t>
             </a:r>
             <a:r>
               <a:rPr lang="en-US" b="1" dirty="0"/>
-              <a:t>far smaller </a:t>
+              <a:t>bandwidth</a:t>
+            </a:r>
+            <a:r>
+              <a:rPr lang="en-DE" dirty="0"/>
+              <a:t> and far higher </a:t>
+            </a:r>
+            <a:r>
+              <a:rPr lang="en-DE" b="1" dirty="0"/>
+              <a:t>latency</a:t>
+            </a:r>
+            <a:r>
+              <a:rPr lang="en-DE" dirty="0"/>
+              <a:t>/jitter</a:t>
             </a:r>
             <a:r>
               <a:rPr lang="en-US" dirty="0"/>
-              <a:t>than the intra-DC bandwidth, usually not sufficient to support LLM training</a:t>
+              <a:t> across DC </a:t>
             </a:r>
+            <a:r>
+              <a:rPr lang="en-DE" dirty="0"/>
+              <a:t>t</a:t>
+            </a:r>
+            <a:r>
+              <a:rPr lang="en-US" dirty="0" err="1"/>
+              <a:t>han</a:t>
+            </a:r>
+            <a:r>
+              <a:rPr lang="en-US" dirty="0"/>
+              <a:t> </a:t>
+            </a:r>
+            <a:r>
+              <a:rPr lang="en-DE" dirty="0"/>
+              <a:t>within single DC, </a:t>
+            </a:r>
+            <a:r>
+              <a:rPr lang="en-US" dirty="0"/>
+              <a:t>usually not sufficient to support LLM training</a:t>
+            </a:r>
+            <a:endParaRPr lang="en-DE" dirty="0"/>
           </a:p>
           <a:p>
             <a:pPr marL="285750" indent="-285750">
@@ -8434,8 +8557,12 @@
               <a:buChar char="•"/>
             </a:pPr>
             <a:r>
+              <a:rPr lang="en-US" sz="2000"/>
+              <a:t>Heterogeneous </a:t>
+            </a:r>
+            <a:r>
               <a:rPr lang="en-US" sz="2000" dirty="0"/>
-              <a:t>Heterogeneous hardware</a:t>
+              <a:t>hardware</a:t>
             </a:r>
           </a:p>
           <a:p>
@@ -13745,6 +13872,6173 @@
           <a:bodyPr/>
           <a:lstStyle/>
           <a:p>
+            <a:pPr>
+              <a:lnSpc>
+                <a:spcPct val="100000"/>
+              </a:lnSpc>
+            </a:pPr>
+            <a:r>
+              <a:rPr lang="en-US" altLang="zh-CN" dirty="0"/>
+              <a:t>Inter-DC </a:t>
+            </a:r>
+            <a:r>
+              <a:rPr lang="en-DE" altLang="zh-CN" dirty="0"/>
+              <a:t>Networking</a:t>
+            </a:r>
+            <a:r>
+              <a:rPr lang="en-US" altLang="zh-CN" dirty="0"/>
+              <a:t> Challenges</a:t>
+            </a:r>
+            <a:endParaRPr lang="en-DE" altLang="zh-CN" dirty="0"/>
+          </a:p>
+          <a:p>
+            <a:pPr>
+              <a:lnSpc>
+                <a:spcPct val="100000"/>
+              </a:lnSpc>
+            </a:pPr>
+            <a:r>
+              <a:rPr lang="en-DE" altLang="zh-CN" sz="1800" dirty="0"/>
+              <a:t>Between a Rock and a Hard Place</a:t>
+            </a:r>
+            <a:endParaRPr lang="zh-CN" altLang="en-US" sz="1800" dirty="0"/>
+          </a:p>
+        </p:txBody>
+      </p:sp>
+      <p:sp>
+        <p:nvSpPr>
+          <p:cNvPr id="4" name="Rectangle 1"/>
+          <p:cNvSpPr>
+            <a:spLocks noChangeArrowheads="1"/>
+          </p:cNvSpPr>
+          <p:nvPr/>
+        </p:nvSpPr>
+        <p:spPr bwMode="auto">
+          <a:xfrm>
+            <a:off x="1" y="-244989"/>
+            <a:ext cx="65" cy="949677"/>
+          </a:xfrm>
+          <a:prstGeom prst="rect">
+            <a:avLst/>
+          </a:prstGeom>
+          <a:solidFill>
+            <a:srgbClr val="FFFDF5"/>
+          </a:solidFill>
+          <a:ln>
+            <a:noFill/>
+          </a:ln>
+          <a:effectLst/>
+          <a:extLst>
+            <a:ext uri="{91240B29-F687-4F45-9708-019B960494DF}">
+              <a14:hiddenLine xmlns:a14="http://schemas.microsoft.com/office/drawing/2010/main" w="9525">
+                <a:solidFill>
+                  <a:schemeClr val="tx1"/>
+                </a:solidFill>
+                <a:miter lim="800000"/>
+                <a:headEnd/>
+                <a:tailEnd/>
+              </a14:hiddenLine>
+            </a:ext>
+            <a:ext uri="{AF507438-7753-43E0-B8FC-AC1667EBCBE1}">
+              <a14:hiddenEffects xmlns:a14="http://schemas.microsoft.com/office/drawing/2010/main">
+                <a:effectLst>
+                  <a:outerShdw dist="35921" dir="2700000" algn="ctr" rotWithShape="0">
+                    <a:schemeClr val="bg2"/>
+                  </a:outerShdw>
+                </a:effectLst>
+              </a14:hiddenEffects>
+            </a:ext>
+          </a:extLst>
+        </p:spPr>
+        <p:txBody>
+          <a:bodyPr vert="horz" wrap="none" lIns="0" tIns="0" rIns="0" bIns="666280" numCol="1" anchor="ctr" anchorCtr="0" compatLnSpc="1">
+            <a:prstTxWarp prst="textNoShape">
+              <a:avLst/>
+            </a:prstTxWarp>
+            <a:spAutoFit/>
+          </a:bodyPr>
+          <a:lstStyle/>
+          <a:p>
+            <a:pPr defTabSz="914034" eaLnBrk="0" fontAlgn="base" hangingPunct="0">
+              <a:spcBef>
+                <a:spcPct val="0"/>
+              </a:spcBef>
+              <a:spcAft>
+                <a:spcPct val="0"/>
+              </a:spcAft>
+            </a:pPr>
+            <a:endParaRPr lang="zh-CN" altLang="zh-CN" sz="1799" dirty="0">
+              <a:latin typeface="Arial" panose="020B0604020202020204" pitchFamily="34" charset="0"/>
+            </a:endParaRPr>
+          </a:p>
+        </p:txBody>
+      </p:sp>
+      <p:sp>
+        <p:nvSpPr>
+          <p:cNvPr id="2" name="TextBox 1">
+            <a:extLst>
+              <a:ext uri="{FF2B5EF4-FFF2-40B4-BE49-F238E27FC236}">
+                <a16:creationId xmlns:a16="http://schemas.microsoft.com/office/drawing/2014/main" id="{7208CBDD-4CA3-42A4-A682-15116768F68A}"/>
+              </a:ext>
+            </a:extLst>
+          </p:cNvPr>
+          <p:cNvSpPr txBox="1"/>
+          <p:nvPr/>
+        </p:nvSpPr>
+        <p:spPr>
+          <a:xfrm>
+            <a:off x="726664" y="1196932"/>
+            <a:ext cx="7809707" cy="4661276"/>
+          </a:xfrm>
+          <a:prstGeom prst="rect">
+            <a:avLst/>
+          </a:prstGeom>
+          <a:noFill/>
+        </p:spPr>
+        <p:txBody>
+          <a:bodyPr wrap="square" rtlCol="0">
+            <a:spAutoFit/>
+          </a:bodyPr>
+          <a:lstStyle/>
+          <a:p>
+            <a:pPr>
+              <a:lnSpc>
+                <a:spcPct val="150000"/>
+              </a:lnSpc>
+            </a:pPr>
+            <a:r>
+              <a:rPr lang="en-DE" sz="2000" dirty="0"/>
+              <a:t>Provide (very) </a:t>
+            </a:r>
+            <a:r>
+              <a:rPr lang="en-DE" sz="2000" b="1" dirty="0"/>
+              <a:t>fat pipes </a:t>
+            </a:r>
+            <a:r>
+              <a:rPr lang="en-DE" sz="2000" dirty="0"/>
+              <a:t>between </a:t>
+            </a:r>
+            <a:r>
+              <a:rPr lang="en-DE" sz="2000" dirty="0" err="1"/>
+              <a:t>DCs</a:t>
+            </a:r>
+            <a:r>
+              <a:rPr lang="en-DE" sz="2000" dirty="0"/>
+              <a:t> that </a:t>
+            </a:r>
+          </a:p>
+          <a:p>
+            <a:pPr marL="285750" indent="-285750">
+              <a:lnSpc>
+                <a:spcPct val="150000"/>
+              </a:lnSpc>
+              <a:buFont typeface="Arial" panose="020B0604020202020204" pitchFamily="34" charset="0"/>
+              <a:buChar char="•"/>
+            </a:pPr>
+            <a:r>
+              <a:rPr lang="en-DE" sz="2000" dirty="0"/>
+              <a:t>Maximize </a:t>
+            </a:r>
+            <a:r>
+              <a:rPr lang="en-DE" sz="2000" b="1" dirty="0"/>
+              <a:t>return of investment </a:t>
+            </a:r>
+            <a:r>
+              <a:rPr lang="en-DE" sz="2000" dirty="0"/>
+              <a:t>into inter-DC interconnect</a:t>
+            </a:r>
+            <a:br>
+              <a:rPr lang="en-DE" sz="2000" dirty="0"/>
+            </a:br>
+            <a:r>
+              <a:rPr lang="en-DE" sz="2000" dirty="0"/>
+              <a:t>-&gt; provide highest possible utilization at lowest possible resource costs</a:t>
+            </a:r>
+          </a:p>
+          <a:p>
+            <a:pPr marL="285750" indent="-285750">
+              <a:lnSpc>
+                <a:spcPct val="150000"/>
+              </a:lnSpc>
+              <a:buFont typeface="Arial" panose="020B0604020202020204" pitchFamily="34" charset="0"/>
+              <a:buChar char="•"/>
+            </a:pPr>
+            <a:r>
+              <a:rPr lang="en-DE" sz="2000" dirty="0"/>
+              <a:t>AND provide </a:t>
+            </a:r>
+            <a:r>
+              <a:rPr lang="en-DE" sz="2000" b="1" dirty="0"/>
+              <a:t>best possible performance </a:t>
+            </a:r>
+            <a:r>
+              <a:rPr lang="en-DE" sz="2000" dirty="0"/>
+              <a:t>for AI training</a:t>
+            </a:r>
+            <a:br>
+              <a:rPr lang="en-DE" sz="2000" dirty="0"/>
+            </a:br>
+            <a:r>
+              <a:rPr lang="en-DE" sz="2000" dirty="0"/>
+              <a:t>-&gt; minimize (worker) flow completion time</a:t>
+            </a:r>
+          </a:p>
+          <a:p>
+            <a:pPr>
+              <a:lnSpc>
+                <a:spcPct val="150000"/>
+              </a:lnSpc>
+            </a:pPr>
+            <a:r>
+              <a:rPr lang="en-DE" sz="2000" dirty="0"/>
+              <a:t>While</a:t>
+            </a:r>
+          </a:p>
+          <a:p>
+            <a:pPr marL="342900" indent="-342900">
+              <a:lnSpc>
+                <a:spcPct val="150000"/>
+              </a:lnSpc>
+              <a:buFont typeface="Arial" panose="020B0604020202020204" pitchFamily="34" charset="0"/>
+              <a:buChar char="•"/>
+            </a:pPr>
+            <a:r>
+              <a:rPr lang="en-DE" sz="2000" dirty="0"/>
+              <a:t>Knowing little to nothing of the underlying transport networks</a:t>
+            </a:r>
+          </a:p>
+          <a:p>
+            <a:pPr>
+              <a:lnSpc>
+                <a:spcPct val="150000"/>
+              </a:lnSpc>
+            </a:pPr>
+            <a:endParaRPr lang="en-DE" sz="2000" dirty="0"/>
+          </a:p>
+          <a:p>
+            <a:pPr>
+              <a:lnSpc>
+                <a:spcPct val="150000"/>
+              </a:lnSpc>
+            </a:pPr>
+            <a:r>
+              <a:rPr lang="en-DE" sz="2000" u="sng" dirty="0"/>
+              <a:t>To make matters worse:</a:t>
+            </a:r>
+            <a:r>
+              <a:rPr lang="en-DE" sz="2000" dirty="0"/>
+              <a:t> support minimizing the </a:t>
+            </a:r>
+            <a:r>
+              <a:rPr lang="en-DE" sz="2000" b="1" dirty="0"/>
+              <a:t>costs for inferencing</a:t>
+            </a:r>
+            <a:r>
+              <a:rPr lang="en-DE" sz="2000" dirty="0"/>
+              <a:t> </a:t>
+            </a:r>
+            <a:br>
+              <a:rPr lang="en-DE" sz="2000" dirty="0"/>
+            </a:br>
+            <a:r>
+              <a:rPr lang="en-DE" sz="2000" dirty="0"/>
+              <a:t>-&gt; e.g</a:t>
+            </a:r>
+            <a:r>
+              <a:rPr lang="en-DE" sz="2000"/>
+              <a:t>., optimal </a:t>
+            </a:r>
+            <a:r>
+              <a:rPr lang="en-DE" sz="2000" dirty="0"/>
+              <a:t>batching of inference requests</a:t>
+            </a:r>
+          </a:p>
+        </p:txBody>
+      </p:sp>
+      <p:grpSp>
+        <p:nvGrpSpPr>
+          <p:cNvPr id="104" name="组合 322">
+            <a:extLst>
+              <a:ext uri="{FF2B5EF4-FFF2-40B4-BE49-F238E27FC236}">
+                <a16:creationId xmlns:a16="http://schemas.microsoft.com/office/drawing/2014/main" id="{8690A5FA-FA97-4E5D-93D3-DA133DB03A7E}"/>
+              </a:ext>
+            </a:extLst>
+          </p:cNvPr>
+          <p:cNvGrpSpPr>
+            <a:grpSpLocks/>
+          </p:cNvGrpSpPr>
+          <p:nvPr/>
+        </p:nvGrpSpPr>
+        <p:grpSpPr bwMode="auto">
+          <a:xfrm>
+            <a:off x="8987237" y="2047414"/>
+            <a:ext cx="1341626" cy="657669"/>
+            <a:chOff x="2998788" y="2351088"/>
+            <a:chExt cx="630238" cy="646113"/>
+          </a:xfrm>
+        </p:grpSpPr>
+        <p:sp>
+          <p:nvSpPr>
+            <p:cNvPr id="191" name="Freeform 228">
+              <a:extLst>
+                <a:ext uri="{FF2B5EF4-FFF2-40B4-BE49-F238E27FC236}">
+                  <a16:creationId xmlns:a16="http://schemas.microsoft.com/office/drawing/2014/main" id="{79534D9C-0338-48C5-A3D1-F75CC6BD8F88}"/>
+                </a:ext>
+              </a:extLst>
+            </p:cNvPr>
+            <p:cNvSpPr>
+              <a:spLocks/>
+            </p:cNvSpPr>
+            <p:nvPr/>
+          </p:nvSpPr>
+          <p:spPr bwMode="auto">
+            <a:xfrm>
+              <a:off x="3089275" y="2441575"/>
+              <a:ext cx="133350" cy="131763"/>
+            </a:xfrm>
+            <a:custGeom>
+              <a:avLst/>
+              <a:gdLst>
+                <a:gd name="T0" fmla="*/ 2147483646 w 316"/>
+                <a:gd name="T1" fmla="*/ 2147483646 h 313"/>
+                <a:gd name="T2" fmla="*/ 2147483646 w 316"/>
+                <a:gd name="T3" fmla="*/ 2147483646 h 313"/>
+                <a:gd name="T4" fmla="*/ 2147483646 w 316"/>
+                <a:gd name="T5" fmla="*/ 2147483646 h 313"/>
+                <a:gd name="T6" fmla="*/ 2147483646 w 316"/>
+                <a:gd name="T7" fmla="*/ 2147483646 h 313"/>
+                <a:gd name="T8" fmla="*/ 2147483646 w 316"/>
+                <a:gd name="T9" fmla="*/ 2147483646 h 313"/>
+                <a:gd name="T10" fmla="*/ 2147483646 w 316"/>
+                <a:gd name="T11" fmla="*/ 2147483646 h 313"/>
+                <a:gd name="T12" fmla="*/ 2147483646 w 316"/>
+                <a:gd name="T13" fmla="*/ 2147483646 h 313"/>
+                <a:gd name="T14" fmla="*/ 2147483646 w 316"/>
+                <a:gd name="T15" fmla="*/ 2147483646 h 313"/>
+                <a:gd name="T16" fmla="*/ 2147483646 w 316"/>
+                <a:gd name="T17" fmla="*/ 2147483646 h 313"/>
+                <a:gd name="T18" fmla="*/ 0 60000 65536"/>
+                <a:gd name="T19" fmla="*/ 0 60000 65536"/>
+                <a:gd name="T20" fmla="*/ 0 60000 65536"/>
+                <a:gd name="T21" fmla="*/ 0 60000 65536"/>
+                <a:gd name="T22" fmla="*/ 0 60000 65536"/>
+                <a:gd name="T23" fmla="*/ 0 60000 65536"/>
+                <a:gd name="T24" fmla="*/ 0 60000 65536"/>
+                <a:gd name="T25" fmla="*/ 0 60000 65536"/>
+                <a:gd name="T26" fmla="*/ 0 60000 65536"/>
+                <a:gd name="T27" fmla="*/ 0 w 316"/>
+                <a:gd name="T28" fmla="*/ 0 h 313"/>
+                <a:gd name="T29" fmla="*/ 316 w 316"/>
+                <a:gd name="T30" fmla="*/ 313 h 313"/>
+              </a:gdLst>
+              <a:ahLst/>
+              <a:cxnLst>
+                <a:cxn ang="T18">
+                  <a:pos x="T0" y="T1"/>
+                </a:cxn>
+                <a:cxn ang="T19">
+                  <a:pos x="T2" y="T3"/>
+                </a:cxn>
+                <a:cxn ang="T20">
+                  <a:pos x="T4" y="T5"/>
+                </a:cxn>
+                <a:cxn ang="T21">
+                  <a:pos x="T6" y="T7"/>
+                </a:cxn>
+                <a:cxn ang="T22">
+                  <a:pos x="T8" y="T9"/>
+                </a:cxn>
+                <a:cxn ang="T23">
+                  <a:pos x="T10" y="T11"/>
+                </a:cxn>
+                <a:cxn ang="T24">
+                  <a:pos x="T12" y="T13"/>
+                </a:cxn>
+                <a:cxn ang="T25">
+                  <a:pos x="T14" y="T15"/>
+                </a:cxn>
+                <a:cxn ang="T26">
+                  <a:pos x="T16" y="T17"/>
+                </a:cxn>
+              </a:cxnLst>
+              <a:rect l="T27" t="T28" r="T29" b="T30"/>
+              <a:pathLst>
+                <a:path w="316" h="313">
+                  <a:moveTo>
+                    <a:pt x="279" y="313"/>
+                  </a:moveTo>
+                  <a:lnTo>
+                    <a:pt x="279" y="313"/>
+                  </a:lnTo>
+                  <a:cubicBezTo>
+                    <a:pt x="271" y="313"/>
+                    <a:pt x="262" y="309"/>
+                    <a:pt x="256" y="303"/>
+                  </a:cubicBezTo>
+                  <a:lnTo>
+                    <a:pt x="13" y="60"/>
+                  </a:lnTo>
+                  <a:cubicBezTo>
+                    <a:pt x="0" y="47"/>
+                    <a:pt x="0" y="26"/>
+                    <a:pt x="13" y="13"/>
+                  </a:cubicBezTo>
+                  <a:cubicBezTo>
+                    <a:pt x="26" y="0"/>
+                    <a:pt x="47" y="0"/>
+                    <a:pt x="60" y="13"/>
+                  </a:cubicBezTo>
+                  <a:lnTo>
+                    <a:pt x="303" y="256"/>
+                  </a:lnTo>
+                  <a:cubicBezTo>
+                    <a:pt x="316" y="269"/>
+                    <a:pt x="316" y="290"/>
+                    <a:pt x="303" y="303"/>
+                  </a:cubicBezTo>
+                  <a:cubicBezTo>
+                    <a:pt x="296" y="309"/>
+                    <a:pt x="288" y="313"/>
+                    <a:pt x="279" y="313"/>
+                  </a:cubicBezTo>
+                  <a:close/>
+                </a:path>
+              </a:pathLst>
+            </a:custGeom>
+            <a:solidFill>
+              <a:srgbClr val="474747"/>
+            </a:solidFill>
+            <a:ln w="0">
+              <a:solidFill>
+                <a:srgbClr val="000000"/>
+              </a:solidFill>
+              <a:round/>
+              <a:headEnd/>
+              <a:tailEnd/>
+            </a:ln>
+          </p:spPr>
+          <p:txBody>
+            <a:bodyPr/>
+            <a:lstStyle/>
+            <a:p>
+              <a:endParaRPr lang="zh-CN" altLang="en-US" sz="1200">
+                <a:ln w="0"/>
+                <a:solidFill>
+                  <a:schemeClr val="accent1"/>
+                </a:solidFill>
+                <a:effectLst>
+                  <a:outerShdw blurRad="38100" dist="25400" dir="5400000" algn="ctr" rotWithShape="0">
+                    <a:srgbClr val="6E747A">
+                      <a:alpha val="43000"/>
+                    </a:srgbClr>
+                  </a:outerShdw>
+                </a:effectLst>
+              </a:endParaRPr>
+            </a:p>
+          </p:txBody>
+        </p:sp>
+        <p:sp>
+          <p:nvSpPr>
+            <p:cNvPr id="192" name="Freeform 229">
+              <a:extLst>
+                <a:ext uri="{FF2B5EF4-FFF2-40B4-BE49-F238E27FC236}">
+                  <a16:creationId xmlns:a16="http://schemas.microsoft.com/office/drawing/2014/main" id="{8A0E8DBF-37AD-4034-A341-9A324EDD09FE}"/>
+                </a:ext>
+              </a:extLst>
+            </p:cNvPr>
+            <p:cNvSpPr>
+              <a:spLocks/>
+            </p:cNvSpPr>
+            <p:nvPr/>
+          </p:nvSpPr>
+          <p:spPr bwMode="auto">
+            <a:xfrm>
+              <a:off x="3089275" y="2759075"/>
+              <a:ext cx="131763" cy="130175"/>
+            </a:xfrm>
+            <a:custGeom>
+              <a:avLst/>
+              <a:gdLst>
+                <a:gd name="T0" fmla="*/ 2147483646 w 316"/>
+                <a:gd name="T1" fmla="*/ 2147483646 h 313"/>
+                <a:gd name="T2" fmla="*/ 2147483646 w 316"/>
+                <a:gd name="T3" fmla="*/ 2147483646 h 313"/>
+                <a:gd name="T4" fmla="*/ 2147483646 w 316"/>
+                <a:gd name="T5" fmla="*/ 2147483646 h 313"/>
+                <a:gd name="T6" fmla="*/ 2147483646 w 316"/>
+                <a:gd name="T7" fmla="*/ 2147483646 h 313"/>
+                <a:gd name="T8" fmla="*/ 2147483646 w 316"/>
+                <a:gd name="T9" fmla="*/ 2147483646 h 313"/>
+                <a:gd name="T10" fmla="*/ 2147483646 w 316"/>
+                <a:gd name="T11" fmla="*/ 2147483646 h 313"/>
+                <a:gd name="T12" fmla="*/ 2147483646 w 316"/>
+                <a:gd name="T13" fmla="*/ 2147483646 h 313"/>
+                <a:gd name="T14" fmla="*/ 2147483646 w 316"/>
+                <a:gd name="T15" fmla="*/ 2147483646 h 313"/>
+                <a:gd name="T16" fmla="*/ 2147483646 w 316"/>
+                <a:gd name="T17" fmla="*/ 2147483646 h 313"/>
+                <a:gd name="T18" fmla="*/ 0 60000 65536"/>
+                <a:gd name="T19" fmla="*/ 0 60000 65536"/>
+                <a:gd name="T20" fmla="*/ 0 60000 65536"/>
+                <a:gd name="T21" fmla="*/ 0 60000 65536"/>
+                <a:gd name="T22" fmla="*/ 0 60000 65536"/>
+                <a:gd name="T23" fmla="*/ 0 60000 65536"/>
+                <a:gd name="T24" fmla="*/ 0 60000 65536"/>
+                <a:gd name="T25" fmla="*/ 0 60000 65536"/>
+                <a:gd name="T26" fmla="*/ 0 60000 65536"/>
+                <a:gd name="T27" fmla="*/ 0 w 316"/>
+                <a:gd name="T28" fmla="*/ 0 h 313"/>
+                <a:gd name="T29" fmla="*/ 316 w 316"/>
+                <a:gd name="T30" fmla="*/ 313 h 313"/>
+              </a:gdLst>
+              <a:ahLst/>
+              <a:cxnLst>
+                <a:cxn ang="T18">
+                  <a:pos x="T0" y="T1"/>
+                </a:cxn>
+                <a:cxn ang="T19">
+                  <a:pos x="T2" y="T3"/>
+                </a:cxn>
+                <a:cxn ang="T20">
+                  <a:pos x="T4" y="T5"/>
+                </a:cxn>
+                <a:cxn ang="T21">
+                  <a:pos x="T6" y="T7"/>
+                </a:cxn>
+                <a:cxn ang="T22">
+                  <a:pos x="T8" y="T9"/>
+                </a:cxn>
+                <a:cxn ang="T23">
+                  <a:pos x="T10" y="T11"/>
+                </a:cxn>
+                <a:cxn ang="T24">
+                  <a:pos x="T12" y="T13"/>
+                </a:cxn>
+                <a:cxn ang="T25">
+                  <a:pos x="T14" y="T15"/>
+                </a:cxn>
+                <a:cxn ang="T26">
+                  <a:pos x="T16" y="T17"/>
+                </a:cxn>
+              </a:cxnLst>
+              <a:rect l="T27" t="T28" r="T29" b="T30"/>
+              <a:pathLst>
+                <a:path w="316" h="313">
+                  <a:moveTo>
+                    <a:pt x="36" y="313"/>
+                  </a:moveTo>
+                  <a:lnTo>
+                    <a:pt x="36" y="313"/>
+                  </a:lnTo>
+                  <a:cubicBezTo>
+                    <a:pt x="28" y="313"/>
+                    <a:pt x="19" y="309"/>
+                    <a:pt x="13" y="303"/>
+                  </a:cubicBezTo>
+                  <a:cubicBezTo>
+                    <a:pt x="0" y="290"/>
+                    <a:pt x="0" y="269"/>
+                    <a:pt x="13" y="256"/>
+                  </a:cubicBezTo>
+                  <a:lnTo>
+                    <a:pt x="256" y="13"/>
+                  </a:lnTo>
+                  <a:cubicBezTo>
+                    <a:pt x="269" y="0"/>
+                    <a:pt x="290" y="0"/>
+                    <a:pt x="303" y="13"/>
+                  </a:cubicBezTo>
+                  <a:cubicBezTo>
+                    <a:pt x="316" y="26"/>
+                    <a:pt x="316" y="47"/>
+                    <a:pt x="303" y="60"/>
+                  </a:cubicBezTo>
+                  <a:lnTo>
+                    <a:pt x="60" y="303"/>
+                  </a:lnTo>
+                  <a:cubicBezTo>
+                    <a:pt x="53" y="309"/>
+                    <a:pt x="45" y="313"/>
+                    <a:pt x="36" y="313"/>
+                  </a:cubicBezTo>
+                  <a:close/>
+                </a:path>
+              </a:pathLst>
+            </a:custGeom>
+            <a:solidFill>
+              <a:srgbClr val="474747"/>
+            </a:solidFill>
+            <a:ln w="0">
+              <a:solidFill>
+                <a:srgbClr val="000000"/>
+              </a:solidFill>
+              <a:round/>
+              <a:headEnd/>
+              <a:tailEnd/>
+            </a:ln>
+          </p:spPr>
+          <p:txBody>
+            <a:bodyPr/>
+            <a:lstStyle/>
+            <a:p>
+              <a:endParaRPr lang="zh-CN" altLang="en-US" sz="1200">
+                <a:ln w="0"/>
+                <a:solidFill>
+                  <a:schemeClr val="accent1"/>
+                </a:solidFill>
+                <a:effectLst>
+                  <a:outerShdw blurRad="38100" dist="25400" dir="5400000" algn="ctr" rotWithShape="0">
+                    <a:srgbClr val="6E747A">
+                      <a:alpha val="43000"/>
+                    </a:srgbClr>
+                  </a:outerShdw>
+                </a:effectLst>
+              </a:endParaRPr>
+            </a:p>
+          </p:txBody>
+        </p:sp>
+        <p:sp>
+          <p:nvSpPr>
+            <p:cNvPr id="193" name="Freeform 230">
+              <a:extLst>
+                <a:ext uri="{FF2B5EF4-FFF2-40B4-BE49-F238E27FC236}">
+                  <a16:creationId xmlns:a16="http://schemas.microsoft.com/office/drawing/2014/main" id="{578F3C06-0DDC-488E-A342-F0E970F64696}"/>
+                </a:ext>
+              </a:extLst>
+            </p:cNvPr>
+            <p:cNvSpPr>
+              <a:spLocks/>
+            </p:cNvSpPr>
+            <p:nvPr/>
+          </p:nvSpPr>
+          <p:spPr bwMode="auto">
+            <a:xfrm>
+              <a:off x="3233738" y="2587625"/>
+              <a:ext cx="158750" cy="158750"/>
+            </a:xfrm>
+            <a:custGeom>
+              <a:avLst/>
+              <a:gdLst>
+                <a:gd name="T0" fmla="*/ 2147483646 w 379"/>
+                <a:gd name="T1" fmla="*/ 2147483646 h 379"/>
+                <a:gd name="T2" fmla="*/ 2147483646 w 379"/>
+                <a:gd name="T3" fmla="*/ 2147483646 h 379"/>
+                <a:gd name="T4" fmla="*/ 2147483646 w 379"/>
+                <a:gd name="T5" fmla="*/ 2147483646 h 379"/>
+                <a:gd name="T6" fmla="*/ 2147483646 w 379"/>
+                <a:gd name="T7" fmla="*/ 2147483646 h 379"/>
+                <a:gd name="T8" fmla="*/ 2147483646 w 379"/>
+                <a:gd name="T9" fmla="*/ 2147483646 h 379"/>
+                <a:gd name="T10" fmla="*/ 2147483646 w 379"/>
+                <a:gd name="T11" fmla="*/ 2147483646 h 379"/>
+                <a:gd name="T12" fmla="*/ 0 60000 65536"/>
+                <a:gd name="T13" fmla="*/ 0 60000 65536"/>
+                <a:gd name="T14" fmla="*/ 0 60000 65536"/>
+                <a:gd name="T15" fmla="*/ 0 60000 65536"/>
+                <a:gd name="T16" fmla="*/ 0 60000 65536"/>
+                <a:gd name="T17" fmla="*/ 0 60000 65536"/>
+                <a:gd name="T18" fmla="*/ 0 w 379"/>
+                <a:gd name="T19" fmla="*/ 0 h 379"/>
+                <a:gd name="T20" fmla="*/ 379 w 379"/>
+                <a:gd name="T21" fmla="*/ 379 h 379"/>
+              </a:gdLst>
+              <a:ahLst/>
+              <a:cxnLst>
+                <a:cxn ang="T12">
+                  <a:pos x="T0" y="T1"/>
+                </a:cxn>
+                <a:cxn ang="T13">
+                  <a:pos x="T2" y="T3"/>
+                </a:cxn>
+                <a:cxn ang="T14">
+                  <a:pos x="T4" y="T5"/>
+                </a:cxn>
+                <a:cxn ang="T15">
+                  <a:pos x="T6" y="T7"/>
+                </a:cxn>
+                <a:cxn ang="T16">
+                  <a:pos x="T8" y="T9"/>
+                </a:cxn>
+                <a:cxn ang="T17">
+                  <a:pos x="T10" y="T11"/>
+                </a:cxn>
+              </a:cxnLst>
+              <a:rect l="T18" t="T19" r="T20" b="T21"/>
+              <a:pathLst>
+                <a:path w="379" h="379">
+                  <a:moveTo>
+                    <a:pt x="312" y="68"/>
+                  </a:moveTo>
+                  <a:lnTo>
+                    <a:pt x="312" y="68"/>
+                  </a:lnTo>
+                  <a:cubicBezTo>
+                    <a:pt x="379" y="135"/>
+                    <a:pt x="379" y="244"/>
+                    <a:pt x="312" y="312"/>
+                  </a:cubicBezTo>
+                  <a:cubicBezTo>
+                    <a:pt x="244" y="379"/>
+                    <a:pt x="135" y="379"/>
+                    <a:pt x="68" y="312"/>
+                  </a:cubicBezTo>
+                  <a:cubicBezTo>
+                    <a:pt x="0" y="244"/>
+                    <a:pt x="0" y="135"/>
+                    <a:pt x="68" y="68"/>
+                  </a:cubicBezTo>
+                  <a:cubicBezTo>
+                    <a:pt x="135" y="0"/>
+                    <a:pt x="244" y="0"/>
+                    <a:pt x="312" y="68"/>
+                  </a:cubicBezTo>
+                  <a:close/>
+                </a:path>
+              </a:pathLst>
+            </a:custGeom>
+            <a:solidFill>
+              <a:srgbClr val="474747"/>
+            </a:solidFill>
+            <a:ln w="0">
+              <a:solidFill>
+                <a:srgbClr val="000000"/>
+              </a:solidFill>
+              <a:round/>
+              <a:headEnd/>
+              <a:tailEnd/>
+            </a:ln>
+          </p:spPr>
+          <p:txBody>
+            <a:bodyPr/>
+            <a:lstStyle/>
+            <a:p>
+              <a:endParaRPr lang="zh-CN" altLang="en-US" sz="1200">
+                <a:ln w="0"/>
+                <a:solidFill>
+                  <a:schemeClr val="accent1"/>
+                </a:solidFill>
+                <a:effectLst>
+                  <a:outerShdw blurRad="38100" dist="25400" dir="5400000" algn="ctr" rotWithShape="0">
+                    <a:srgbClr val="6E747A">
+                      <a:alpha val="43000"/>
+                    </a:srgbClr>
+                  </a:outerShdw>
+                </a:effectLst>
+              </a:endParaRPr>
+            </a:p>
+          </p:txBody>
+        </p:sp>
+        <p:sp>
+          <p:nvSpPr>
+            <p:cNvPr id="194" name="Freeform 231">
+              <a:extLst>
+                <a:ext uri="{FF2B5EF4-FFF2-40B4-BE49-F238E27FC236}">
+                  <a16:creationId xmlns:a16="http://schemas.microsoft.com/office/drawing/2014/main" id="{C41C85ED-6EC1-4378-A88E-12C96E844872}"/>
+                </a:ext>
+              </a:extLst>
+            </p:cNvPr>
+            <p:cNvSpPr>
+              <a:spLocks/>
+            </p:cNvSpPr>
+            <p:nvPr/>
+          </p:nvSpPr>
+          <p:spPr bwMode="auto">
+            <a:xfrm>
+              <a:off x="3128963" y="2733675"/>
+              <a:ext cx="115888" cy="115888"/>
+            </a:xfrm>
+            <a:custGeom>
+              <a:avLst/>
+              <a:gdLst>
+                <a:gd name="T0" fmla="*/ 0 w 277"/>
+                <a:gd name="T1" fmla="*/ 2147483646 h 276"/>
+                <a:gd name="T2" fmla="*/ 0 w 277"/>
+                <a:gd name="T3" fmla="*/ 2147483646 h 276"/>
+                <a:gd name="T4" fmla="*/ 2147483646 w 277"/>
+                <a:gd name="T5" fmla="*/ 0 h 276"/>
+                <a:gd name="T6" fmla="*/ 2147483646 w 277"/>
+                <a:gd name="T7" fmla="*/ 2147483646 h 276"/>
+                <a:gd name="T8" fmla="*/ 0 w 277"/>
+                <a:gd name="T9" fmla="*/ 2147483646 h 276"/>
+                <a:gd name="T10" fmla="*/ 0 60000 65536"/>
+                <a:gd name="T11" fmla="*/ 0 60000 65536"/>
+                <a:gd name="T12" fmla="*/ 0 60000 65536"/>
+                <a:gd name="T13" fmla="*/ 0 60000 65536"/>
+                <a:gd name="T14" fmla="*/ 0 60000 65536"/>
+                <a:gd name="T15" fmla="*/ 0 w 277"/>
+                <a:gd name="T16" fmla="*/ 0 h 276"/>
+                <a:gd name="T17" fmla="*/ 277 w 277"/>
+                <a:gd name="T18" fmla="*/ 276 h 276"/>
+              </a:gdLst>
+              <a:ahLst/>
+              <a:cxnLst>
+                <a:cxn ang="T10">
+                  <a:pos x="T0" y="T1"/>
+                </a:cxn>
+                <a:cxn ang="T11">
+                  <a:pos x="T2" y="T3"/>
+                </a:cxn>
+                <a:cxn ang="T12">
+                  <a:pos x="T4" y="T5"/>
+                </a:cxn>
+                <a:cxn ang="T13">
+                  <a:pos x="T6" y="T7"/>
+                </a:cxn>
+                <a:cxn ang="T14">
+                  <a:pos x="T8" y="T9"/>
+                </a:cxn>
+              </a:cxnLst>
+              <a:rect l="T15" t="T16" r="T17" b="T18"/>
+              <a:pathLst>
+                <a:path w="277" h="276">
+                  <a:moveTo>
+                    <a:pt x="0" y="17"/>
+                  </a:moveTo>
+                  <a:lnTo>
+                    <a:pt x="0" y="17"/>
+                  </a:lnTo>
+                  <a:lnTo>
+                    <a:pt x="277" y="0"/>
+                  </a:lnTo>
+                  <a:lnTo>
+                    <a:pt x="260" y="276"/>
+                  </a:lnTo>
+                  <a:lnTo>
+                    <a:pt x="0" y="17"/>
+                  </a:lnTo>
+                  <a:close/>
+                </a:path>
+              </a:pathLst>
+            </a:custGeom>
+            <a:solidFill>
+              <a:srgbClr val="474747"/>
+            </a:solidFill>
+            <a:ln w="0">
+              <a:solidFill>
+                <a:srgbClr val="000000"/>
+              </a:solidFill>
+              <a:round/>
+              <a:headEnd/>
+              <a:tailEnd/>
+            </a:ln>
+          </p:spPr>
+          <p:txBody>
+            <a:bodyPr/>
+            <a:lstStyle/>
+            <a:p>
+              <a:endParaRPr lang="zh-CN" altLang="en-US" sz="1200">
+                <a:ln w="0"/>
+                <a:solidFill>
+                  <a:schemeClr val="accent1"/>
+                </a:solidFill>
+                <a:effectLst>
+                  <a:outerShdw blurRad="38100" dist="25400" dir="5400000" algn="ctr" rotWithShape="0">
+                    <a:srgbClr val="6E747A">
+                      <a:alpha val="43000"/>
+                    </a:srgbClr>
+                  </a:outerShdw>
+                </a:effectLst>
+              </a:endParaRPr>
+            </a:p>
+          </p:txBody>
+        </p:sp>
+        <p:sp>
+          <p:nvSpPr>
+            <p:cNvPr id="195" name="Freeform 232">
+              <a:extLst>
+                <a:ext uri="{FF2B5EF4-FFF2-40B4-BE49-F238E27FC236}">
+                  <a16:creationId xmlns:a16="http://schemas.microsoft.com/office/drawing/2014/main" id="{BD66614F-2EB2-4CFD-8238-5B50A421CB83}"/>
+                </a:ext>
+              </a:extLst>
+            </p:cNvPr>
+            <p:cNvSpPr>
+              <a:spLocks/>
+            </p:cNvSpPr>
+            <p:nvPr/>
+          </p:nvSpPr>
+          <p:spPr bwMode="auto">
+            <a:xfrm>
+              <a:off x="3405188" y="2441575"/>
+              <a:ext cx="131763" cy="131763"/>
+            </a:xfrm>
+            <a:custGeom>
+              <a:avLst/>
+              <a:gdLst>
+                <a:gd name="T0" fmla="*/ 2147483646 w 316"/>
+                <a:gd name="T1" fmla="*/ 2147483646 h 313"/>
+                <a:gd name="T2" fmla="*/ 2147483646 w 316"/>
+                <a:gd name="T3" fmla="*/ 2147483646 h 313"/>
+                <a:gd name="T4" fmla="*/ 2147483646 w 316"/>
+                <a:gd name="T5" fmla="*/ 2147483646 h 313"/>
+                <a:gd name="T6" fmla="*/ 2147483646 w 316"/>
+                <a:gd name="T7" fmla="*/ 2147483646 h 313"/>
+                <a:gd name="T8" fmla="*/ 2147483646 w 316"/>
+                <a:gd name="T9" fmla="*/ 2147483646 h 313"/>
+                <a:gd name="T10" fmla="*/ 2147483646 w 316"/>
+                <a:gd name="T11" fmla="*/ 2147483646 h 313"/>
+                <a:gd name="T12" fmla="*/ 2147483646 w 316"/>
+                <a:gd name="T13" fmla="*/ 2147483646 h 313"/>
+                <a:gd name="T14" fmla="*/ 2147483646 w 316"/>
+                <a:gd name="T15" fmla="*/ 2147483646 h 313"/>
+                <a:gd name="T16" fmla="*/ 2147483646 w 316"/>
+                <a:gd name="T17" fmla="*/ 2147483646 h 313"/>
+                <a:gd name="T18" fmla="*/ 0 60000 65536"/>
+                <a:gd name="T19" fmla="*/ 0 60000 65536"/>
+                <a:gd name="T20" fmla="*/ 0 60000 65536"/>
+                <a:gd name="T21" fmla="*/ 0 60000 65536"/>
+                <a:gd name="T22" fmla="*/ 0 60000 65536"/>
+                <a:gd name="T23" fmla="*/ 0 60000 65536"/>
+                <a:gd name="T24" fmla="*/ 0 60000 65536"/>
+                <a:gd name="T25" fmla="*/ 0 60000 65536"/>
+                <a:gd name="T26" fmla="*/ 0 60000 65536"/>
+                <a:gd name="T27" fmla="*/ 0 w 316"/>
+                <a:gd name="T28" fmla="*/ 0 h 313"/>
+                <a:gd name="T29" fmla="*/ 316 w 316"/>
+                <a:gd name="T30" fmla="*/ 313 h 313"/>
+              </a:gdLst>
+              <a:ahLst/>
+              <a:cxnLst>
+                <a:cxn ang="T18">
+                  <a:pos x="T0" y="T1"/>
+                </a:cxn>
+                <a:cxn ang="T19">
+                  <a:pos x="T2" y="T3"/>
+                </a:cxn>
+                <a:cxn ang="T20">
+                  <a:pos x="T4" y="T5"/>
+                </a:cxn>
+                <a:cxn ang="T21">
+                  <a:pos x="T6" y="T7"/>
+                </a:cxn>
+                <a:cxn ang="T22">
+                  <a:pos x="T8" y="T9"/>
+                </a:cxn>
+                <a:cxn ang="T23">
+                  <a:pos x="T10" y="T11"/>
+                </a:cxn>
+                <a:cxn ang="T24">
+                  <a:pos x="T12" y="T13"/>
+                </a:cxn>
+                <a:cxn ang="T25">
+                  <a:pos x="T14" y="T15"/>
+                </a:cxn>
+                <a:cxn ang="T26">
+                  <a:pos x="T16" y="T17"/>
+                </a:cxn>
+              </a:cxnLst>
+              <a:rect l="T27" t="T28" r="T29" b="T30"/>
+              <a:pathLst>
+                <a:path w="316" h="313">
+                  <a:moveTo>
+                    <a:pt x="37" y="313"/>
+                  </a:moveTo>
+                  <a:lnTo>
+                    <a:pt x="37" y="313"/>
+                  </a:lnTo>
+                  <a:cubicBezTo>
+                    <a:pt x="28" y="313"/>
+                    <a:pt x="20" y="310"/>
+                    <a:pt x="13" y="303"/>
+                  </a:cubicBezTo>
+                  <a:cubicBezTo>
+                    <a:pt x="0" y="290"/>
+                    <a:pt x="0" y="269"/>
+                    <a:pt x="13" y="256"/>
+                  </a:cubicBezTo>
+                  <a:lnTo>
+                    <a:pt x="256" y="13"/>
+                  </a:lnTo>
+                  <a:cubicBezTo>
+                    <a:pt x="269" y="0"/>
+                    <a:pt x="290" y="0"/>
+                    <a:pt x="303" y="13"/>
+                  </a:cubicBezTo>
+                  <a:cubicBezTo>
+                    <a:pt x="316" y="26"/>
+                    <a:pt x="316" y="48"/>
+                    <a:pt x="303" y="61"/>
+                  </a:cubicBezTo>
+                  <a:lnTo>
+                    <a:pt x="60" y="303"/>
+                  </a:lnTo>
+                  <a:cubicBezTo>
+                    <a:pt x="54" y="310"/>
+                    <a:pt x="45" y="313"/>
+                    <a:pt x="37" y="313"/>
+                  </a:cubicBezTo>
+                  <a:close/>
+                </a:path>
+              </a:pathLst>
+            </a:custGeom>
+            <a:solidFill>
+              <a:srgbClr val="474747"/>
+            </a:solidFill>
+            <a:ln w="0">
+              <a:solidFill>
+                <a:srgbClr val="000000"/>
+              </a:solidFill>
+              <a:round/>
+              <a:headEnd/>
+              <a:tailEnd/>
+            </a:ln>
+          </p:spPr>
+          <p:txBody>
+            <a:bodyPr/>
+            <a:lstStyle/>
+            <a:p>
+              <a:endParaRPr lang="zh-CN" altLang="en-US" sz="1200">
+                <a:ln w="0"/>
+                <a:solidFill>
+                  <a:schemeClr val="accent1"/>
+                </a:solidFill>
+                <a:effectLst>
+                  <a:outerShdw blurRad="38100" dist="25400" dir="5400000" algn="ctr" rotWithShape="0">
+                    <a:srgbClr val="6E747A">
+                      <a:alpha val="43000"/>
+                    </a:srgbClr>
+                  </a:outerShdw>
+                </a:effectLst>
+              </a:endParaRPr>
+            </a:p>
+          </p:txBody>
+        </p:sp>
+        <p:sp>
+          <p:nvSpPr>
+            <p:cNvPr id="196" name="Freeform 233">
+              <a:extLst>
+                <a:ext uri="{FF2B5EF4-FFF2-40B4-BE49-F238E27FC236}">
+                  <a16:creationId xmlns:a16="http://schemas.microsoft.com/office/drawing/2014/main" id="{5B4FA932-8384-4483-9E78-DC88B3FB702B}"/>
+                </a:ext>
+              </a:extLst>
+            </p:cNvPr>
+            <p:cNvSpPr>
+              <a:spLocks/>
+            </p:cNvSpPr>
+            <p:nvPr/>
+          </p:nvSpPr>
+          <p:spPr bwMode="auto">
+            <a:xfrm>
+              <a:off x="3381375" y="2482850"/>
+              <a:ext cx="115888" cy="115888"/>
+            </a:xfrm>
+            <a:custGeom>
+              <a:avLst/>
+              <a:gdLst>
+                <a:gd name="T0" fmla="*/ 2147483646 w 277"/>
+                <a:gd name="T1" fmla="*/ 0 h 276"/>
+                <a:gd name="T2" fmla="*/ 2147483646 w 277"/>
+                <a:gd name="T3" fmla="*/ 0 h 276"/>
+                <a:gd name="T4" fmla="*/ 0 w 277"/>
+                <a:gd name="T5" fmla="*/ 2147483646 h 276"/>
+                <a:gd name="T6" fmla="*/ 2147483646 w 277"/>
+                <a:gd name="T7" fmla="*/ 2147483646 h 276"/>
+                <a:gd name="T8" fmla="*/ 2147483646 w 277"/>
+                <a:gd name="T9" fmla="*/ 0 h 276"/>
+                <a:gd name="T10" fmla="*/ 0 60000 65536"/>
+                <a:gd name="T11" fmla="*/ 0 60000 65536"/>
+                <a:gd name="T12" fmla="*/ 0 60000 65536"/>
+                <a:gd name="T13" fmla="*/ 0 60000 65536"/>
+                <a:gd name="T14" fmla="*/ 0 60000 65536"/>
+                <a:gd name="T15" fmla="*/ 0 w 277"/>
+                <a:gd name="T16" fmla="*/ 0 h 276"/>
+                <a:gd name="T17" fmla="*/ 277 w 277"/>
+                <a:gd name="T18" fmla="*/ 276 h 276"/>
+              </a:gdLst>
+              <a:ahLst/>
+              <a:cxnLst>
+                <a:cxn ang="T10">
+                  <a:pos x="T0" y="T1"/>
+                </a:cxn>
+                <a:cxn ang="T11">
+                  <a:pos x="T2" y="T3"/>
+                </a:cxn>
+                <a:cxn ang="T12">
+                  <a:pos x="T4" y="T5"/>
+                </a:cxn>
+                <a:cxn ang="T13">
+                  <a:pos x="T6" y="T7"/>
+                </a:cxn>
+                <a:cxn ang="T14">
+                  <a:pos x="T8" y="T9"/>
+                </a:cxn>
+              </a:cxnLst>
+              <a:rect l="T15" t="T16" r="T17" b="T18"/>
+              <a:pathLst>
+                <a:path w="277" h="276">
+                  <a:moveTo>
+                    <a:pt x="17" y="0"/>
+                  </a:moveTo>
+                  <a:lnTo>
+                    <a:pt x="17" y="0"/>
+                  </a:lnTo>
+                  <a:lnTo>
+                    <a:pt x="0" y="276"/>
+                  </a:lnTo>
+                  <a:lnTo>
+                    <a:pt x="277" y="259"/>
+                  </a:lnTo>
+                  <a:lnTo>
+                    <a:pt x="17" y="0"/>
+                  </a:lnTo>
+                  <a:close/>
+                </a:path>
+              </a:pathLst>
+            </a:custGeom>
+            <a:solidFill>
+              <a:srgbClr val="474747"/>
+            </a:solidFill>
+            <a:ln w="0">
+              <a:solidFill>
+                <a:srgbClr val="000000"/>
+              </a:solidFill>
+              <a:round/>
+              <a:headEnd/>
+              <a:tailEnd/>
+            </a:ln>
+          </p:spPr>
+          <p:txBody>
+            <a:bodyPr/>
+            <a:lstStyle/>
+            <a:p>
+              <a:endParaRPr lang="zh-CN" altLang="en-US" sz="1200">
+                <a:ln w="0"/>
+                <a:solidFill>
+                  <a:schemeClr val="accent1"/>
+                </a:solidFill>
+                <a:effectLst>
+                  <a:outerShdw blurRad="38100" dist="25400" dir="5400000" algn="ctr" rotWithShape="0">
+                    <a:srgbClr val="6E747A">
+                      <a:alpha val="43000"/>
+                    </a:srgbClr>
+                  </a:outerShdw>
+                </a:effectLst>
+              </a:endParaRPr>
+            </a:p>
+          </p:txBody>
+        </p:sp>
+        <p:sp>
+          <p:nvSpPr>
+            <p:cNvPr id="197" name="Freeform 234">
+              <a:extLst>
+                <a:ext uri="{FF2B5EF4-FFF2-40B4-BE49-F238E27FC236}">
+                  <a16:creationId xmlns:a16="http://schemas.microsoft.com/office/drawing/2014/main" id="{79C97F45-2F92-482A-8064-E37E10CAFBBB}"/>
+                </a:ext>
+              </a:extLst>
+            </p:cNvPr>
+            <p:cNvSpPr>
+              <a:spLocks/>
+            </p:cNvSpPr>
+            <p:nvPr/>
+          </p:nvSpPr>
+          <p:spPr bwMode="auto">
+            <a:xfrm>
+              <a:off x="3125788" y="2479675"/>
+              <a:ext cx="115888" cy="115888"/>
+            </a:xfrm>
+            <a:custGeom>
+              <a:avLst/>
+              <a:gdLst>
+                <a:gd name="T0" fmla="*/ 2147483646 w 277"/>
+                <a:gd name="T1" fmla="*/ 0 h 277"/>
+                <a:gd name="T2" fmla="*/ 2147483646 w 277"/>
+                <a:gd name="T3" fmla="*/ 0 h 277"/>
+                <a:gd name="T4" fmla="*/ 2147483646 w 277"/>
+                <a:gd name="T5" fmla="*/ 2147483646 h 277"/>
+                <a:gd name="T6" fmla="*/ 0 w 277"/>
+                <a:gd name="T7" fmla="*/ 2147483646 h 277"/>
+                <a:gd name="T8" fmla="*/ 2147483646 w 277"/>
+                <a:gd name="T9" fmla="*/ 0 h 277"/>
+                <a:gd name="T10" fmla="*/ 0 60000 65536"/>
+                <a:gd name="T11" fmla="*/ 0 60000 65536"/>
+                <a:gd name="T12" fmla="*/ 0 60000 65536"/>
+                <a:gd name="T13" fmla="*/ 0 60000 65536"/>
+                <a:gd name="T14" fmla="*/ 0 60000 65536"/>
+                <a:gd name="T15" fmla="*/ 0 w 277"/>
+                <a:gd name="T16" fmla="*/ 0 h 277"/>
+                <a:gd name="T17" fmla="*/ 277 w 277"/>
+                <a:gd name="T18" fmla="*/ 277 h 277"/>
+              </a:gdLst>
+              <a:ahLst/>
+              <a:cxnLst>
+                <a:cxn ang="T10">
+                  <a:pos x="T0" y="T1"/>
+                </a:cxn>
+                <a:cxn ang="T11">
+                  <a:pos x="T2" y="T3"/>
+                </a:cxn>
+                <a:cxn ang="T12">
+                  <a:pos x="T4" y="T5"/>
+                </a:cxn>
+                <a:cxn ang="T13">
+                  <a:pos x="T6" y="T7"/>
+                </a:cxn>
+                <a:cxn ang="T14">
+                  <a:pos x="T8" y="T9"/>
+                </a:cxn>
+              </a:cxnLst>
+              <a:rect l="T15" t="T16" r="T17" b="T18"/>
+              <a:pathLst>
+                <a:path w="277" h="277">
+                  <a:moveTo>
+                    <a:pt x="260" y="0"/>
+                  </a:moveTo>
+                  <a:lnTo>
+                    <a:pt x="260" y="0"/>
+                  </a:lnTo>
+                  <a:lnTo>
+                    <a:pt x="277" y="277"/>
+                  </a:lnTo>
+                  <a:lnTo>
+                    <a:pt x="0" y="260"/>
+                  </a:lnTo>
+                  <a:lnTo>
+                    <a:pt x="260" y="0"/>
+                  </a:lnTo>
+                  <a:close/>
+                </a:path>
+              </a:pathLst>
+            </a:custGeom>
+            <a:solidFill>
+              <a:srgbClr val="474747"/>
+            </a:solidFill>
+            <a:ln w="0">
+              <a:solidFill>
+                <a:srgbClr val="000000"/>
+              </a:solidFill>
+              <a:round/>
+              <a:headEnd/>
+              <a:tailEnd/>
+            </a:ln>
+          </p:spPr>
+          <p:txBody>
+            <a:bodyPr/>
+            <a:lstStyle/>
+            <a:p>
+              <a:endParaRPr lang="zh-CN" altLang="en-US" sz="1200">
+                <a:ln w="0"/>
+                <a:solidFill>
+                  <a:schemeClr val="accent1"/>
+                </a:solidFill>
+                <a:effectLst>
+                  <a:outerShdw blurRad="38100" dist="25400" dir="5400000" algn="ctr" rotWithShape="0">
+                    <a:srgbClr val="6E747A">
+                      <a:alpha val="43000"/>
+                    </a:srgbClr>
+                  </a:outerShdw>
+                </a:effectLst>
+              </a:endParaRPr>
+            </a:p>
+          </p:txBody>
+        </p:sp>
+        <p:sp>
+          <p:nvSpPr>
+            <p:cNvPr id="198" name="Freeform 235">
+              <a:extLst>
+                <a:ext uri="{FF2B5EF4-FFF2-40B4-BE49-F238E27FC236}">
+                  <a16:creationId xmlns:a16="http://schemas.microsoft.com/office/drawing/2014/main" id="{436AC23B-6C4B-4126-9938-A9B3816479C6}"/>
+                </a:ext>
+              </a:extLst>
+            </p:cNvPr>
+            <p:cNvSpPr>
+              <a:spLocks/>
+            </p:cNvSpPr>
+            <p:nvPr/>
+          </p:nvSpPr>
+          <p:spPr bwMode="auto">
+            <a:xfrm>
+              <a:off x="2998788" y="2351088"/>
+              <a:ext cx="630238" cy="630238"/>
+            </a:xfrm>
+            <a:custGeom>
+              <a:avLst/>
+              <a:gdLst>
+                <a:gd name="T0" fmla="*/ 2147483646 w 1503"/>
+                <a:gd name="T1" fmla="*/ 2147483646 h 1503"/>
+                <a:gd name="T2" fmla="*/ 2147483646 w 1503"/>
+                <a:gd name="T3" fmla="*/ 2147483646 h 1503"/>
+                <a:gd name="T4" fmla="*/ 2147483646 w 1503"/>
+                <a:gd name="T5" fmla="*/ 2147483646 h 1503"/>
+                <a:gd name="T6" fmla="*/ 2147483646 w 1503"/>
+                <a:gd name="T7" fmla="*/ 2147483646 h 1503"/>
+                <a:gd name="T8" fmla="*/ 2147483646 w 1503"/>
+                <a:gd name="T9" fmla="*/ 2147483646 h 1503"/>
+                <a:gd name="T10" fmla="*/ 2147483646 w 1503"/>
+                <a:gd name="T11" fmla="*/ 2147483646 h 1503"/>
+                <a:gd name="T12" fmla="*/ 2147483646 w 1503"/>
+                <a:gd name="T13" fmla="*/ 2147483646 h 1503"/>
+                <a:gd name="T14" fmla="*/ 2147483646 w 1503"/>
+                <a:gd name="T15" fmla="*/ 2147483646 h 1503"/>
+                <a:gd name="T16" fmla="*/ 2147483646 w 1503"/>
+                <a:gd name="T17" fmla="*/ 2147483646 h 1503"/>
+                <a:gd name="T18" fmla="*/ 2147483646 w 1503"/>
+                <a:gd name="T19" fmla="*/ 2147483646 h 1503"/>
+                <a:gd name="T20" fmla="*/ 2147483646 w 1503"/>
+                <a:gd name="T21" fmla="*/ 2147483646 h 1503"/>
+                <a:gd name="T22" fmla="*/ 2147483646 w 1503"/>
+                <a:gd name="T23" fmla="*/ 2147483646 h 1503"/>
+                <a:gd name="T24" fmla="*/ 2147483646 w 1503"/>
+                <a:gd name="T25" fmla="*/ 2147483646 h 1503"/>
+                <a:gd name="T26" fmla="*/ 2147483646 w 1503"/>
+                <a:gd name="T27" fmla="*/ 2147483646 h 1503"/>
+                <a:gd name="T28" fmla="*/ 2147483646 w 1503"/>
+                <a:gd name="T29" fmla="*/ 2147483646 h 1503"/>
+                <a:gd name="T30" fmla="*/ 0 w 1503"/>
+                <a:gd name="T31" fmla="*/ 2147483646 h 1503"/>
+                <a:gd name="T32" fmla="*/ 0 w 1503"/>
+                <a:gd name="T33" fmla="*/ 2147483646 h 1503"/>
+                <a:gd name="T34" fmla="*/ 2147483646 w 1503"/>
+                <a:gd name="T35" fmla="*/ 0 h 1503"/>
+                <a:gd name="T36" fmla="*/ 2147483646 w 1503"/>
+                <a:gd name="T37" fmla="*/ 0 h 1503"/>
+                <a:gd name="T38" fmla="*/ 2147483646 w 1503"/>
+                <a:gd name="T39" fmla="*/ 2147483646 h 1503"/>
+                <a:gd name="T40" fmla="*/ 2147483646 w 1503"/>
+                <a:gd name="T41" fmla="*/ 2147483646 h 1503"/>
+                <a:gd name="T42" fmla="*/ 2147483646 w 1503"/>
+                <a:gd name="T43" fmla="*/ 2147483646 h 1503"/>
+                <a:gd name="T44" fmla="*/ 0 60000 65536"/>
+                <a:gd name="T45" fmla="*/ 0 60000 65536"/>
+                <a:gd name="T46" fmla="*/ 0 60000 65536"/>
+                <a:gd name="T47" fmla="*/ 0 60000 65536"/>
+                <a:gd name="T48" fmla="*/ 0 60000 65536"/>
+                <a:gd name="T49" fmla="*/ 0 60000 65536"/>
+                <a:gd name="T50" fmla="*/ 0 60000 65536"/>
+                <a:gd name="T51" fmla="*/ 0 60000 65536"/>
+                <a:gd name="T52" fmla="*/ 0 60000 65536"/>
+                <a:gd name="T53" fmla="*/ 0 60000 65536"/>
+                <a:gd name="T54" fmla="*/ 0 60000 65536"/>
+                <a:gd name="T55" fmla="*/ 0 60000 65536"/>
+                <a:gd name="T56" fmla="*/ 0 60000 65536"/>
+                <a:gd name="T57" fmla="*/ 0 60000 65536"/>
+                <a:gd name="T58" fmla="*/ 0 60000 65536"/>
+                <a:gd name="T59" fmla="*/ 0 60000 65536"/>
+                <a:gd name="T60" fmla="*/ 0 60000 65536"/>
+                <a:gd name="T61" fmla="*/ 0 60000 65536"/>
+                <a:gd name="T62" fmla="*/ 0 60000 65536"/>
+                <a:gd name="T63" fmla="*/ 0 60000 65536"/>
+                <a:gd name="T64" fmla="*/ 0 60000 65536"/>
+                <a:gd name="T65" fmla="*/ 0 60000 65536"/>
+                <a:gd name="T66" fmla="*/ 0 w 1503"/>
+                <a:gd name="T67" fmla="*/ 0 h 1503"/>
+                <a:gd name="T68" fmla="*/ 1503 w 1503"/>
+                <a:gd name="T69" fmla="*/ 1503 h 1503"/>
+              </a:gdLst>
+              <a:ahLst/>
+              <a:cxnLst>
+                <a:cxn ang="T44">
+                  <a:pos x="T0" y="T1"/>
+                </a:cxn>
+                <a:cxn ang="T45">
+                  <a:pos x="T2" y="T3"/>
+                </a:cxn>
+                <a:cxn ang="T46">
+                  <a:pos x="T4" y="T5"/>
+                </a:cxn>
+                <a:cxn ang="T47">
+                  <a:pos x="T6" y="T7"/>
+                </a:cxn>
+                <a:cxn ang="T48">
+                  <a:pos x="T8" y="T9"/>
+                </a:cxn>
+                <a:cxn ang="T49">
+                  <a:pos x="T10" y="T11"/>
+                </a:cxn>
+                <a:cxn ang="T50">
+                  <a:pos x="T12" y="T13"/>
+                </a:cxn>
+                <a:cxn ang="T51">
+                  <a:pos x="T14" y="T15"/>
+                </a:cxn>
+                <a:cxn ang="T52">
+                  <a:pos x="T16" y="T17"/>
+                </a:cxn>
+                <a:cxn ang="T53">
+                  <a:pos x="T18" y="T19"/>
+                </a:cxn>
+                <a:cxn ang="T54">
+                  <a:pos x="T20" y="T21"/>
+                </a:cxn>
+                <a:cxn ang="T55">
+                  <a:pos x="T22" y="T23"/>
+                </a:cxn>
+                <a:cxn ang="T56">
+                  <a:pos x="T24" y="T25"/>
+                </a:cxn>
+                <a:cxn ang="T57">
+                  <a:pos x="T26" y="T27"/>
+                </a:cxn>
+                <a:cxn ang="T58">
+                  <a:pos x="T28" y="T29"/>
+                </a:cxn>
+                <a:cxn ang="T59">
+                  <a:pos x="T30" y="T31"/>
+                </a:cxn>
+                <a:cxn ang="T60">
+                  <a:pos x="T32" y="T33"/>
+                </a:cxn>
+                <a:cxn ang="T61">
+                  <a:pos x="T34" y="T35"/>
+                </a:cxn>
+                <a:cxn ang="T62">
+                  <a:pos x="T36" y="T37"/>
+                </a:cxn>
+                <a:cxn ang="T63">
+                  <a:pos x="T38" y="T39"/>
+                </a:cxn>
+                <a:cxn ang="T64">
+                  <a:pos x="T40" y="T41"/>
+                </a:cxn>
+                <a:cxn ang="T65">
+                  <a:pos x="T42" y="T43"/>
+                </a:cxn>
+              </a:cxnLst>
+              <a:rect l="T66" t="T67" r="T68" b="T69"/>
+              <a:pathLst>
+                <a:path w="1503" h="1503">
+                  <a:moveTo>
+                    <a:pt x="1385" y="1503"/>
+                  </a:moveTo>
+                  <a:lnTo>
+                    <a:pt x="1385" y="1503"/>
+                  </a:lnTo>
+                  <a:lnTo>
+                    <a:pt x="1212" y="1503"/>
+                  </a:lnTo>
+                  <a:lnTo>
+                    <a:pt x="1212" y="1437"/>
+                  </a:lnTo>
+                  <a:lnTo>
+                    <a:pt x="1385" y="1437"/>
+                  </a:lnTo>
+                  <a:cubicBezTo>
+                    <a:pt x="1413" y="1437"/>
+                    <a:pt x="1436" y="1414"/>
+                    <a:pt x="1436" y="1385"/>
+                  </a:cubicBezTo>
+                  <a:lnTo>
+                    <a:pt x="1436" y="118"/>
+                  </a:lnTo>
+                  <a:cubicBezTo>
+                    <a:pt x="1436" y="90"/>
+                    <a:pt x="1413" y="67"/>
+                    <a:pt x="1385" y="67"/>
+                  </a:cubicBezTo>
+                  <a:lnTo>
+                    <a:pt x="118" y="67"/>
+                  </a:lnTo>
+                  <a:cubicBezTo>
+                    <a:pt x="90" y="67"/>
+                    <a:pt x="67" y="90"/>
+                    <a:pt x="67" y="118"/>
+                  </a:cubicBezTo>
+                  <a:lnTo>
+                    <a:pt x="67" y="1385"/>
+                  </a:lnTo>
+                  <a:cubicBezTo>
+                    <a:pt x="67" y="1414"/>
+                    <a:pt x="90" y="1437"/>
+                    <a:pt x="118" y="1437"/>
+                  </a:cubicBezTo>
+                  <a:lnTo>
+                    <a:pt x="1046" y="1437"/>
+                  </a:lnTo>
+                  <a:lnTo>
+                    <a:pt x="1046" y="1503"/>
+                  </a:lnTo>
+                  <a:lnTo>
+                    <a:pt x="118" y="1503"/>
+                  </a:lnTo>
+                  <a:cubicBezTo>
+                    <a:pt x="53" y="1503"/>
+                    <a:pt x="0" y="1450"/>
+                    <a:pt x="0" y="1385"/>
+                  </a:cubicBezTo>
+                  <a:lnTo>
+                    <a:pt x="0" y="118"/>
+                  </a:lnTo>
+                  <a:cubicBezTo>
+                    <a:pt x="0" y="53"/>
+                    <a:pt x="53" y="0"/>
+                    <a:pt x="118" y="0"/>
+                  </a:cubicBezTo>
+                  <a:lnTo>
+                    <a:pt x="1385" y="0"/>
+                  </a:lnTo>
+                  <a:cubicBezTo>
+                    <a:pt x="1450" y="0"/>
+                    <a:pt x="1503" y="53"/>
+                    <a:pt x="1503" y="118"/>
+                  </a:cubicBezTo>
+                  <a:lnTo>
+                    <a:pt x="1503" y="1385"/>
+                  </a:lnTo>
+                  <a:cubicBezTo>
+                    <a:pt x="1503" y="1450"/>
+                    <a:pt x="1450" y="1503"/>
+                    <a:pt x="1385" y="1503"/>
+                  </a:cubicBezTo>
+                  <a:close/>
+                </a:path>
+              </a:pathLst>
+            </a:custGeom>
+            <a:solidFill>
+              <a:srgbClr val="474747"/>
+            </a:solidFill>
+            <a:ln w="0">
+              <a:solidFill>
+                <a:srgbClr val="000000"/>
+              </a:solidFill>
+              <a:round/>
+              <a:headEnd/>
+              <a:tailEnd/>
+            </a:ln>
+          </p:spPr>
+          <p:txBody>
+            <a:bodyPr/>
+            <a:lstStyle/>
+            <a:p>
+              <a:endParaRPr lang="zh-CN" altLang="en-US" sz="1200">
+                <a:ln w="0"/>
+                <a:solidFill>
+                  <a:schemeClr val="accent1"/>
+                </a:solidFill>
+                <a:effectLst>
+                  <a:outerShdw blurRad="38100" dist="25400" dir="5400000" algn="ctr" rotWithShape="0">
+                    <a:srgbClr val="6E747A">
+                      <a:alpha val="43000"/>
+                    </a:srgbClr>
+                  </a:outerShdw>
+                </a:effectLst>
+              </a:endParaRPr>
+            </a:p>
+          </p:txBody>
+        </p:sp>
+        <p:sp>
+          <p:nvSpPr>
+            <p:cNvPr id="199" name="Freeform 236">
+              <a:extLst>
+                <a:ext uri="{FF2B5EF4-FFF2-40B4-BE49-F238E27FC236}">
+                  <a16:creationId xmlns:a16="http://schemas.microsoft.com/office/drawing/2014/main" id="{2065D277-FAF2-4541-AB12-950F19FC4DB4}"/>
+                </a:ext>
+              </a:extLst>
+            </p:cNvPr>
+            <p:cNvSpPr>
+              <a:spLocks/>
+            </p:cNvSpPr>
+            <p:nvPr/>
+          </p:nvSpPr>
+          <p:spPr bwMode="auto">
+            <a:xfrm>
+              <a:off x="3397250" y="2938463"/>
+              <a:ext cx="58738" cy="58738"/>
+            </a:xfrm>
+            <a:custGeom>
+              <a:avLst/>
+              <a:gdLst>
+                <a:gd name="T0" fmla="*/ 2147483646 w 139"/>
+                <a:gd name="T1" fmla="*/ 2147483646 h 139"/>
+                <a:gd name="T2" fmla="*/ 2147483646 w 139"/>
+                <a:gd name="T3" fmla="*/ 2147483646 h 139"/>
+                <a:gd name="T4" fmla="*/ 0 w 139"/>
+                <a:gd name="T5" fmla="*/ 2147483646 h 139"/>
+                <a:gd name="T6" fmla="*/ 2147483646 w 139"/>
+                <a:gd name="T7" fmla="*/ 0 h 139"/>
+                <a:gd name="T8" fmla="*/ 2147483646 w 139"/>
+                <a:gd name="T9" fmla="*/ 2147483646 h 139"/>
+                <a:gd name="T10" fmla="*/ 2147483646 w 139"/>
+                <a:gd name="T11" fmla="*/ 2147483646 h 139"/>
+                <a:gd name="T12" fmla="*/ 0 60000 65536"/>
+                <a:gd name="T13" fmla="*/ 0 60000 65536"/>
+                <a:gd name="T14" fmla="*/ 0 60000 65536"/>
+                <a:gd name="T15" fmla="*/ 0 60000 65536"/>
+                <a:gd name="T16" fmla="*/ 0 60000 65536"/>
+                <a:gd name="T17" fmla="*/ 0 60000 65536"/>
+                <a:gd name="T18" fmla="*/ 0 w 139"/>
+                <a:gd name="T19" fmla="*/ 0 h 139"/>
+                <a:gd name="T20" fmla="*/ 139 w 139"/>
+                <a:gd name="T21" fmla="*/ 139 h 139"/>
+              </a:gdLst>
+              <a:ahLst/>
+              <a:cxnLst>
+                <a:cxn ang="T12">
+                  <a:pos x="T0" y="T1"/>
+                </a:cxn>
+                <a:cxn ang="T13">
+                  <a:pos x="T2" y="T3"/>
+                </a:cxn>
+                <a:cxn ang="T14">
+                  <a:pos x="T4" y="T5"/>
+                </a:cxn>
+                <a:cxn ang="T15">
+                  <a:pos x="T6" y="T7"/>
+                </a:cxn>
+                <a:cxn ang="T16">
+                  <a:pos x="T8" y="T9"/>
+                </a:cxn>
+                <a:cxn ang="T17">
+                  <a:pos x="T10" y="T11"/>
+                </a:cxn>
+              </a:cxnLst>
+              <a:rect l="T18" t="T19" r="T20" b="T21"/>
+              <a:pathLst>
+                <a:path w="139" h="139">
+                  <a:moveTo>
+                    <a:pt x="70" y="139"/>
+                  </a:moveTo>
+                  <a:lnTo>
+                    <a:pt x="70" y="139"/>
+                  </a:lnTo>
+                  <a:cubicBezTo>
+                    <a:pt x="31" y="139"/>
+                    <a:pt x="0" y="108"/>
+                    <a:pt x="0" y="70"/>
+                  </a:cubicBezTo>
+                  <a:cubicBezTo>
+                    <a:pt x="0" y="32"/>
+                    <a:pt x="31" y="0"/>
+                    <a:pt x="70" y="0"/>
+                  </a:cubicBezTo>
+                  <a:cubicBezTo>
+                    <a:pt x="108" y="0"/>
+                    <a:pt x="139" y="32"/>
+                    <a:pt x="139" y="70"/>
+                  </a:cubicBezTo>
+                  <a:cubicBezTo>
+                    <a:pt x="139" y="108"/>
+                    <a:pt x="108" y="139"/>
+                    <a:pt x="70" y="139"/>
+                  </a:cubicBezTo>
+                  <a:close/>
+                </a:path>
+              </a:pathLst>
+            </a:custGeom>
+            <a:solidFill>
+              <a:srgbClr val="474747"/>
+            </a:solidFill>
+            <a:ln w="0">
+              <a:solidFill>
+                <a:srgbClr val="000000"/>
+              </a:solidFill>
+              <a:round/>
+              <a:headEnd/>
+              <a:tailEnd/>
+            </a:ln>
+          </p:spPr>
+          <p:txBody>
+            <a:bodyPr/>
+            <a:lstStyle/>
+            <a:p>
+              <a:endParaRPr lang="zh-CN" altLang="en-US" sz="1200">
+                <a:ln w="0"/>
+                <a:solidFill>
+                  <a:schemeClr val="accent1"/>
+                </a:solidFill>
+                <a:effectLst>
+                  <a:outerShdw blurRad="38100" dist="25400" dir="5400000" algn="ctr" rotWithShape="0">
+                    <a:srgbClr val="6E747A">
+                      <a:alpha val="43000"/>
+                    </a:srgbClr>
+                  </a:outerShdw>
+                </a:effectLst>
+              </a:endParaRPr>
+            </a:p>
+          </p:txBody>
+        </p:sp>
+        <p:sp>
+          <p:nvSpPr>
+            <p:cNvPr id="200" name="Freeform 237">
+              <a:extLst>
+                <a:ext uri="{FF2B5EF4-FFF2-40B4-BE49-F238E27FC236}">
+                  <a16:creationId xmlns:a16="http://schemas.microsoft.com/office/drawing/2014/main" id="{6DF7A664-DF67-4EA8-833B-2128A08AE14D}"/>
+                </a:ext>
+              </a:extLst>
+            </p:cNvPr>
+            <p:cNvSpPr>
+              <a:spLocks/>
+            </p:cNvSpPr>
+            <p:nvPr/>
+          </p:nvSpPr>
+          <p:spPr bwMode="auto">
+            <a:xfrm>
+              <a:off x="3486150" y="2938463"/>
+              <a:ext cx="58738" cy="58738"/>
+            </a:xfrm>
+            <a:custGeom>
+              <a:avLst/>
+              <a:gdLst>
+                <a:gd name="T0" fmla="*/ 2147483646 w 139"/>
+                <a:gd name="T1" fmla="*/ 2147483646 h 139"/>
+                <a:gd name="T2" fmla="*/ 2147483646 w 139"/>
+                <a:gd name="T3" fmla="*/ 2147483646 h 139"/>
+                <a:gd name="T4" fmla="*/ 0 w 139"/>
+                <a:gd name="T5" fmla="*/ 2147483646 h 139"/>
+                <a:gd name="T6" fmla="*/ 2147483646 w 139"/>
+                <a:gd name="T7" fmla="*/ 0 h 139"/>
+                <a:gd name="T8" fmla="*/ 2147483646 w 139"/>
+                <a:gd name="T9" fmla="*/ 2147483646 h 139"/>
+                <a:gd name="T10" fmla="*/ 2147483646 w 139"/>
+                <a:gd name="T11" fmla="*/ 2147483646 h 139"/>
+                <a:gd name="T12" fmla="*/ 0 60000 65536"/>
+                <a:gd name="T13" fmla="*/ 0 60000 65536"/>
+                <a:gd name="T14" fmla="*/ 0 60000 65536"/>
+                <a:gd name="T15" fmla="*/ 0 60000 65536"/>
+                <a:gd name="T16" fmla="*/ 0 60000 65536"/>
+                <a:gd name="T17" fmla="*/ 0 60000 65536"/>
+                <a:gd name="T18" fmla="*/ 0 w 139"/>
+                <a:gd name="T19" fmla="*/ 0 h 139"/>
+                <a:gd name="T20" fmla="*/ 139 w 139"/>
+                <a:gd name="T21" fmla="*/ 139 h 139"/>
+              </a:gdLst>
+              <a:ahLst/>
+              <a:cxnLst>
+                <a:cxn ang="T12">
+                  <a:pos x="T0" y="T1"/>
+                </a:cxn>
+                <a:cxn ang="T13">
+                  <a:pos x="T2" y="T3"/>
+                </a:cxn>
+                <a:cxn ang="T14">
+                  <a:pos x="T4" y="T5"/>
+                </a:cxn>
+                <a:cxn ang="T15">
+                  <a:pos x="T6" y="T7"/>
+                </a:cxn>
+                <a:cxn ang="T16">
+                  <a:pos x="T8" y="T9"/>
+                </a:cxn>
+                <a:cxn ang="T17">
+                  <a:pos x="T10" y="T11"/>
+                </a:cxn>
+              </a:cxnLst>
+              <a:rect l="T18" t="T19" r="T20" b="T21"/>
+              <a:pathLst>
+                <a:path w="139" h="139">
+                  <a:moveTo>
+                    <a:pt x="70" y="139"/>
+                  </a:moveTo>
+                  <a:lnTo>
+                    <a:pt x="70" y="139"/>
+                  </a:lnTo>
+                  <a:cubicBezTo>
+                    <a:pt x="31" y="139"/>
+                    <a:pt x="0" y="108"/>
+                    <a:pt x="0" y="70"/>
+                  </a:cubicBezTo>
+                  <a:cubicBezTo>
+                    <a:pt x="0" y="32"/>
+                    <a:pt x="31" y="0"/>
+                    <a:pt x="70" y="0"/>
+                  </a:cubicBezTo>
+                  <a:cubicBezTo>
+                    <a:pt x="108" y="0"/>
+                    <a:pt x="139" y="32"/>
+                    <a:pt x="139" y="70"/>
+                  </a:cubicBezTo>
+                  <a:cubicBezTo>
+                    <a:pt x="139" y="108"/>
+                    <a:pt x="108" y="139"/>
+                    <a:pt x="70" y="139"/>
+                  </a:cubicBezTo>
+                  <a:close/>
+                </a:path>
+              </a:pathLst>
+            </a:custGeom>
+            <a:solidFill>
+              <a:srgbClr val="474747"/>
+            </a:solidFill>
+            <a:ln w="0">
+              <a:solidFill>
+                <a:srgbClr val="000000"/>
+              </a:solidFill>
+              <a:round/>
+              <a:headEnd/>
+              <a:tailEnd/>
+            </a:ln>
+          </p:spPr>
+          <p:txBody>
+            <a:bodyPr/>
+            <a:lstStyle/>
+            <a:p>
+              <a:endParaRPr lang="zh-CN" altLang="en-US" sz="1200">
+                <a:ln w="0"/>
+                <a:solidFill>
+                  <a:schemeClr val="accent1"/>
+                </a:solidFill>
+                <a:effectLst>
+                  <a:outerShdw blurRad="38100" dist="25400" dir="5400000" algn="ctr" rotWithShape="0">
+                    <a:srgbClr val="6E747A">
+                      <a:alpha val="43000"/>
+                    </a:srgbClr>
+                  </a:outerShdw>
+                </a:effectLst>
+              </a:endParaRPr>
+            </a:p>
+          </p:txBody>
+        </p:sp>
+        <p:sp>
+          <p:nvSpPr>
+            <p:cNvPr id="201" name="Freeform 238">
+              <a:extLst>
+                <a:ext uri="{FF2B5EF4-FFF2-40B4-BE49-F238E27FC236}">
+                  <a16:creationId xmlns:a16="http://schemas.microsoft.com/office/drawing/2014/main" id="{02F4B33D-A670-46ED-B205-B5FF7A49FB87}"/>
+                </a:ext>
+              </a:extLst>
+            </p:cNvPr>
+            <p:cNvSpPr>
+              <a:spLocks/>
+            </p:cNvSpPr>
+            <p:nvPr/>
+          </p:nvSpPr>
+          <p:spPr bwMode="auto">
+            <a:xfrm>
+              <a:off x="3405188" y="2759075"/>
+              <a:ext cx="131763" cy="130175"/>
+            </a:xfrm>
+            <a:custGeom>
+              <a:avLst/>
+              <a:gdLst>
+                <a:gd name="T0" fmla="*/ 2147483646 w 316"/>
+                <a:gd name="T1" fmla="*/ 2147483646 h 313"/>
+                <a:gd name="T2" fmla="*/ 2147483646 w 316"/>
+                <a:gd name="T3" fmla="*/ 2147483646 h 313"/>
+                <a:gd name="T4" fmla="*/ 2147483646 w 316"/>
+                <a:gd name="T5" fmla="*/ 2147483646 h 313"/>
+                <a:gd name="T6" fmla="*/ 2147483646 w 316"/>
+                <a:gd name="T7" fmla="*/ 2147483646 h 313"/>
+                <a:gd name="T8" fmla="*/ 2147483646 w 316"/>
+                <a:gd name="T9" fmla="*/ 2147483646 h 313"/>
+                <a:gd name="T10" fmla="*/ 2147483646 w 316"/>
+                <a:gd name="T11" fmla="*/ 2147483646 h 313"/>
+                <a:gd name="T12" fmla="*/ 2147483646 w 316"/>
+                <a:gd name="T13" fmla="*/ 2147483646 h 313"/>
+                <a:gd name="T14" fmla="*/ 2147483646 w 316"/>
+                <a:gd name="T15" fmla="*/ 2147483646 h 313"/>
+                <a:gd name="T16" fmla="*/ 2147483646 w 316"/>
+                <a:gd name="T17" fmla="*/ 2147483646 h 313"/>
+                <a:gd name="T18" fmla="*/ 0 60000 65536"/>
+                <a:gd name="T19" fmla="*/ 0 60000 65536"/>
+                <a:gd name="T20" fmla="*/ 0 60000 65536"/>
+                <a:gd name="T21" fmla="*/ 0 60000 65536"/>
+                <a:gd name="T22" fmla="*/ 0 60000 65536"/>
+                <a:gd name="T23" fmla="*/ 0 60000 65536"/>
+                <a:gd name="T24" fmla="*/ 0 60000 65536"/>
+                <a:gd name="T25" fmla="*/ 0 60000 65536"/>
+                <a:gd name="T26" fmla="*/ 0 60000 65536"/>
+                <a:gd name="T27" fmla="*/ 0 w 316"/>
+                <a:gd name="T28" fmla="*/ 0 h 313"/>
+                <a:gd name="T29" fmla="*/ 316 w 316"/>
+                <a:gd name="T30" fmla="*/ 313 h 313"/>
+              </a:gdLst>
+              <a:ahLst/>
+              <a:cxnLst>
+                <a:cxn ang="T18">
+                  <a:pos x="T0" y="T1"/>
+                </a:cxn>
+                <a:cxn ang="T19">
+                  <a:pos x="T2" y="T3"/>
+                </a:cxn>
+                <a:cxn ang="T20">
+                  <a:pos x="T4" y="T5"/>
+                </a:cxn>
+                <a:cxn ang="T21">
+                  <a:pos x="T6" y="T7"/>
+                </a:cxn>
+                <a:cxn ang="T22">
+                  <a:pos x="T8" y="T9"/>
+                </a:cxn>
+                <a:cxn ang="T23">
+                  <a:pos x="T10" y="T11"/>
+                </a:cxn>
+                <a:cxn ang="T24">
+                  <a:pos x="T12" y="T13"/>
+                </a:cxn>
+                <a:cxn ang="T25">
+                  <a:pos x="T14" y="T15"/>
+                </a:cxn>
+                <a:cxn ang="T26">
+                  <a:pos x="T16" y="T17"/>
+                </a:cxn>
+              </a:cxnLst>
+              <a:rect l="T27" t="T28" r="T29" b="T30"/>
+              <a:pathLst>
+                <a:path w="316" h="313">
+                  <a:moveTo>
+                    <a:pt x="280" y="313"/>
+                  </a:moveTo>
+                  <a:lnTo>
+                    <a:pt x="280" y="313"/>
+                  </a:lnTo>
+                  <a:cubicBezTo>
+                    <a:pt x="271" y="313"/>
+                    <a:pt x="263" y="309"/>
+                    <a:pt x="256" y="303"/>
+                  </a:cubicBezTo>
+                  <a:lnTo>
+                    <a:pt x="13" y="60"/>
+                  </a:lnTo>
+                  <a:cubicBezTo>
+                    <a:pt x="0" y="47"/>
+                    <a:pt x="0" y="26"/>
+                    <a:pt x="13" y="13"/>
+                  </a:cubicBezTo>
+                  <a:cubicBezTo>
+                    <a:pt x="26" y="0"/>
+                    <a:pt x="47" y="0"/>
+                    <a:pt x="60" y="13"/>
+                  </a:cubicBezTo>
+                  <a:lnTo>
+                    <a:pt x="303" y="256"/>
+                  </a:lnTo>
+                  <a:cubicBezTo>
+                    <a:pt x="316" y="269"/>
+                    <a:pt x="316" y="290"/>
+                    <a:pt x="303" y="303"/>
+                  </a:cubicBezTo>
+                  <a:cubicBezTo>
+                    <a:pt x="297" y="309"/>
+                    <a:pt x="288" y="313"/>
+                    <a:pt x="280" y="313"/>
+                  </a:cubicBezTo>
+                  <a:close/>
+                </a:path>
+              </a:pathLst>
+            </a:custGeom>
+            <a:solidFill>
+              <a:srgbClr val="474747"/>
+            </a:solidFill>
+            <a:ln w="0">
+              <a:solidFill>
+                <a:srgbClr val="000000"/>
+              </a:solidFill>
+              <a:round/>
+              <a:headEnd/>
+              <a:tailEnd/>
+            </a:ln>
+          </p:spPr>
+          <p:txBody>
+            <a:bodyPr/>
+            <a:lstStyle/>
+            <a:p>
+              <a:endParaRPr lang="zh-CN" altLang="en-US" sz="1200">
+                <a:ln w="0"/>
+                <a:solidFill>
+                  <a:schemeClr val="accent1"/>
+                </a:solidFill>
+                <a:effectLst>
+                  <a:outerShdw blurRad="38100" dist="25400" dir="5400000" algn="ctr" rotWithShape="0">
+                    <a:srgbClr val="6E747A">
+                      <a:alpha val="43000"/>
+                    </a:srgbClr>
+                  </a:outerShdw>
+                </a:effectLst>
+              </a:endParaRPr>
+            </a:p>
+          </p:txBody>
+        </p:sp>
+        <p:sp>
+          <p:nvSpPr>
+            <p:cNvPr id="202" name="Freeform 239">
+              <a:extLst>
+                <a:ext uri="{FF2B5EF4-FFF2-40B4-BE49-F238E27FC236}">
+                  <a16:creationId xmlns:a16="http://schemas.microsoft.com/office/drawing/2014/main" id="{02EA5D92-A562-4517-8D49-9793ECD6ED85}"/>
+                </a:ext>
+              </a:extLst>
+            </p:cNvPr>
+            <p:cNvSpPr>
+              <a:spLocks/>
+            </p:cNvSpPr>
+            <p:nvPr/>
+          </p:nvSpPr>
+          <p:spPr bwMode="auto">
+            <a:xfrm>
+              <a:off x="3381375" y="2733675"/>
+              <a:ext cx="115888" cy="115888"/>
+            </a:xfrm>
+            <a:custGeom>
+              <a:avLst/>
+              <a:gdLst>
+                <a:gd name="T0" fmla="*/ 2147483646 w 277"/>
+                <a:gd name="T1" fmla="*/ 2147483646 h 276"/>
+                <a:gd name="T2" fmla="*/ 2147483646 w 277"/>
+                <a:gd name="T3" fmla="*/ 2147483646 h 276"/>
+                <a:gd name="T4" fmla="*/ 0 w 277"/>
+                <a:gd name="T5" fmla="*/ 0 h 276"/>
+                <a:gd name="T6" fmla="*/ 2147483646 w 277"/>
+                <a:gd name="T7" fmla="*/ 2147483646 h 276"/>
+                <a:gd name="T8" fmla="*/ 2147483646 w 277"/>
+                <a:gd name="T9" fmla="*/ 2147483646 h 276"/>
+                <a:gd name="T10" fmla="*/ 0 60000 65536"/>
+                <a:gd name="T11" fmla="*/ 0 60000 65536"/>
+                <a:gd name="T12" fmla="*/ 0 60000 65536"/>
+                <a:gd name="T13" fmla="*/ 0 60000 65536"/>
+                <a:gd name="T14" fmla="*/ 0 60000 65536"/>
+                <a:gd name="T15" fmla="*/ 0 w 277"/>
+                <a:gd name="T16" fmla="*/ 0 h 276"/>
+                <a:gd name="T17" fmla="*/ 277 w 277"/>
+                <a:gd name="T18" fmla="*/ 276 h 276"/>
+              </a:gdLst>
+              <a:ahLst/>
+              <a:cxnLst>
+                <a:cxn ang="T10">
+                  <a:pos x="T0" y="T1"/>
+                </a:cxn>
+                <a:cxn ang="T11">
+                  <a:pos x="T2" y="T3"/>
+                </a:cxn>
+                <a:cxn ang="T12">
+                  <a:pos x="T4" y="T5"/>
+                </a:cxn>
+                <a:cxn ang="T13">
+                  <a:pos x="T6" y="T7"/>
+                </a:cxn>
+                <a:cxn ang="T14">
+                  <a:pos x="T8" y="T9"/>
+                </a:cxn>
+              </a:cxnLst>
+              <a:rect l="T15" t="T16" r="T17" b="T18"/>
+              <a:pathLst>
+                <a:path w="277" h="276">
+                  <a:moveTo>
+                    <a:pt x="277" y="17"/>
+                  </a:moveTo>
+                  <a:lnTo>
+                    <a:pt x="277" y="17"/>
+                  </a:lnTo>
+                  <a:lnTo>
+                    <a:pt x="0" y="0"/>
+                  </a:lnTo>
+                  <a:lnTo>
+                    <a:pt x="17" y="276"/>
+                  </a:lnTo>
+                  <a:lnTo>
+                    <a:pt x="277" y="17"/>
+                  </a:lnTo>
+                  <a:close/>
+                </a:path>
+              </a:pathLst>
+            </a:custGeom>
+            <a:solidFill>
+              <a:srgbClr val="474747"/>
+            </a:solidFill>
+            <a:ln w="0">
+              <a:solidFill>
+                <a:srgbClr val="000000"/>
+              </a:solidFill>
+              <a:round/>
+              <a:headEnd/>
+              <a:tailEnd/>
+            </a:ln>
+          </p:spPr>
+          <p:txBody>
+            <a:bodyPr/>
+            <a:lstStyle/>
+            <a:p>
+              <a:endParaRPr lang="zh-CN" altLang="en-US" sz="1200">
+                <a:ln w="0"/>
+                <a:solidFill>
+                  <a:schemeClr val="accent1"/>
+                </a:solidFill>
+                <a:effectLst>
+                  <a:outerShdw blurRad="38100" dist="25400" dir="5400000" algn="ctr" rotWithShape="0">
+                    <a:srgbClr val="6E747A">
+                      <a:alpha val="43000"/>
+                    </a:srgbClr>
+                  </a:outerShdw>
+                </a:effectLst>
+              </a:endParaRPr>
+            </a:p>
+          </p:txBody>
+        </p:sp>
+      </p:grpSp>
+      <p:grpSp>
+        <p:nvGrpSpPr>
+          <p:cNvPr id="5" name="组合 322">
+            <a:extLst>
+              <a:ext uri="{FF2B5EF4-FFF2-40B4-BE49-F238E27FC236}">
+                <a16:creationId xmlns:a16="http://schemas.microsoft.com/office/drawing/2014/main" id="{82204CA7-D2DF-73B7-DCD7-29612EAB9295}"/>
+              </a:ext>
+            </a:extLst>
+          </p:cNvPr>
+          <p:cNvGrpSpPr>
+            <a:grpSpLocks/>
+          </p:cNvGrpSpPr>
+          <p:nvPr/>
+        </p:nvGrpSpPr>
+        <p:grpSpPr bwMode="auto">
+          <a:xfrm>
+            <a:off x="10783111" y="3275573"/>
+            <a:ext cx="1341626" cy="657669"/>
+            <a:chOff x="2998788" y="2351088"/>
+            <a:chExt cx="630238" cy="646113"/>
+          </a:xfrm>
+        </p:grpSpPr>
+        <p:sp>
+          <p:nvSpPr>
+            <p:cNvPr id="6" name="Freeform 228">
+              <a:extLst>
+                <a:ext uri="{FF2B5EF4-FFF2-40B4-BE49-F238E27FC236}">
+                  <a16:creationId xmlns:a16="http://schemas.microsoft.com/office/drawing/2014/main" id="{D501F4CA-D762-E6FF-FDA5-0C98142644C2}"/>
+                </a:ext>
+              </a:extLst>
+            </p:cNvPr>
+            <p:cNvSpPr>
+              <a:spLocks/>
+            </p:cNvSpPr>
+            <p:nvPr/>
+          </p:nvSpPr>
+          <p:spPr bwMode="auto">
+            <a:xfrm>
+              <a:off x="3089275" y="2441575"/>
+              <a:ext cx="133350" cy="131763"/>
+            </a:xfrm>
+            <a:custGeom>
+              <a:avLst/>
+              <a:gdLst>
+                <a:gd name="T0" fmla="*/ 2147483646 w 316"/>
+                <a:gd name="T1" fmla="*/ 2147483646 h 313"/>
+                <a:gd name="T2" fmla="*/ 2147483646 w 316"/>
+                <a:gd name="T3" fmla="*/ 2147483646 h 313"/>
+                <a:gd name="T4" fmla="*/ 2147483646 w 316"/>
+                <a:gd name="T5" fmla="*/ 2147483646 h 313"/>
+                <a:gd name="T6" fmla="*/ 2147483646 w 316"/>
+                <a:gd name="T7" fmla="*/ 2147483646 h 313"/>
+                <a:gd name="T8" fmla="*/ 2147483646 w 316"/>
+                <a:gd name="T9" fmla="*/ 2147483646 h 313"/>
+                <a:gd name="T10" fmla="*/ 2147483646 w 316"/>
+                <a:gd name="T11" fmla="*/ 2147483646 h 313"/>
+                <a:gd name="T12" fmla="*/ 2147483646 w 316"/>
+                <a:gd name="T13" fmla="*/ 2147483646 h 313"/>
+                <a:gd name="T14" fmla="*/ 2147483646 w 316"/>
+                <a:gd name="T15" fmla="*/ 2147483646 h 313"/>
+                <a:gd name="T16" fmla="*/ 2147483646 w 316"/>
+                <a:gd name="T17" fmla="*/ 2147483646 h 313"/>
+                <a:gd name="T18" fmla="*/ 0 60000 65536"/>
+                <a:gd name="T19" fmla="*/ 0 60000 65536"/>
+                <a:gd name="T20" fmla="*/ 0 60000 65536"/>
+                <a:gd name="T21" fmla="*/ 0 60000 65536"/>
+                <a:gd name="T22" fmla="*/ 0 60000 65536"/>
+                <a:gd name="T23" fmla="*/ 0 60000 65536"/>
+                <a:gd name="T24" fmla="*/ 0 60000 65536"/>
+                <a:gd name="T25" fmla="*/ 0 60000 65536"/>
+                <a:gd name="T26" fmla="*/ 0 60000 65536"/>
+                <a:gd name="T27" fmla="*/ 0 w 316"/>
+                <a:gd name="T28" fmla="*/ 0 h 313"/>
+                <a:gd name="T29" fmla="*/ 316 w 316"/>
+                <a:gd name="T30" fmla="*/ 313 h 313"/>
+              </a:gdLst>
+              <a:ahLst/>
+              <a:cxnLst>
+                <a:cxn ang="T18">
+                  <a:pos x="T0" y="T1"/>
+                </a:cxn>
+                <a:cxn ang="T19">
+                  <a:pos x="T2" y="T3"/>
+                </a:cxn>
+                <a:cxn ang="T20">
+                  <a:pos x="T4" y="T5"/>
+                </a:cxn>
+                <a:cxn ang="T21">
+                  <a:pos x="T6" y="T7"/>
+                </a:cxn>
+                <a:cxn ang="T22">
+                  <a:pos x="T8" y="T9"/>
+                </a:cxn>
+                <a:cxn ang="T23">
+                  <a:pos x="T10" y="T11"/>
+                </a:cxn>
+                <a:cxn ang="T24">
+                  <a:pos x="T12" y="T13"/>
+                </a:cxn>
+                <a:cxn ang="T25">
+                  <a:pos x="T14" y="T15"/>
+                </a:cxn>
+                <a:cxn ang="T26">
+                  <a:pos x="T16" y="T17"/>
+                </a:cxn>
+              </a:cxnLst>
+              <a:rect l="T27" t="T28" r="T29" b="T30"/>
+              <a:pathLst>
+                <a:path w="316" h="313">
+                  <a:moveTo>
+                    <a:pt x="279" y="313"/>
+                  </a:moveTo>
+                  <a:lnTo>
+                    <a:pt x="279" y="313"/>
+                  </a:lnTo>
+                  <a:cubicBezTo>
+                    <a:pt x="271" y="313"/>
+                    <a:pt x="262" y="309"/>
+                    <a:pt x="256" y="303"/>
+                  </a:cubicBezTo>
+                  <a:lnTo>
+                    <a:pt x="13" y="60"/>
+                  </a:lnTo>
+                  <a:cubicBezTo>
+                    <a:pt x="0" y="47"/>
+                    <a:pt x="0" y="26"/>
+                    <a:pt x="13" y="13"/>
+                  </a:cubicBezTo>
+                  <a:cubicBezTo>
+                    <a:pt x="26" y="0"/>
+                    <a:pt x="47" y="0"/>
+                    <a:pt x="60" y="13"/>
+                  </a:cubicBezTo>
+                  <a:lnTo>
+                    <a:pt x="303" y="256"/>
+                  </a:lnTo>
+                  <a:cubicBezTo>
+                    <a:pt x="316" y="269"/>
+                    <a:pt x="316" y="290"/>
+                    <a:pt x="303" y="303"/>
+                  </a:cubicBezTo>
+                  <a:cubicBezTo>
+                    <a:pt x="296" y="309"/>
+                    <a:pt x="288" y="313"/>
+                    <a:pt x="279" y="313"/>
+                  </a:cubicBezTo>
+                  <a:close/>
+                </a:path>
+              </a:pathLst>
+            </a:custGeom>
+            <a:solidFill>
+              <a:srgbClr val="474747"/>
+            </a:solidFill>
+            <a:ln w="0">
+              <a:solidFill>
+                <a:srgbClr val="000000"/>
+              </a:solidFill>
+              <a:round/>
+              <a:headEnd/>
+              <a:tailEnd/>
+            </a:ln>
+          </p:spPr>
+          <p:txBody>
+            <a:bodyPr/>
+            <a:lstStyle/>
+            <a:p>
+              <a:endParaRPr lang="zh-CN" altLang="en-US" sz="1200">
+                <a:ln w="0"/>
+                <a:solidFill>
+                  <a:schemeClr val="accent1"/>
+                </a:solidFill>
+                <a:effectLst>
+                  <a:outerShdw blurRad="38100" dist="25400" dir="5400000" algn="ctr" rotWithShape="0">
+                    <a:srgbClr val="6E747A">
+                      <a:alpha val="43000"/>
+                    </a:srgbClr>
+                  </a:outerShdw>
+                </a:effectLst>
+              </a:endParaRPr>
+            </a:p>
+          </p:txBody>
+        </p:sp>
+        <p:sp>
+          <p:nvSpPr>
+            <p:cNvPr id="7" name="Freeform 229">
+              <a:extLst>
+                <a:ext uri="{FF2B5EF4-FFF2-40B4-BE49-F238E27FC236}">
+                  <a16:creationId xmlns:a16="http://schemas.microsoft.com/office/drawing/2014/main" id="{73261167-AD7A-C76E-3352-1A54718C1AB6}"/>
+                </a:ext>
+              </a:extLst>
+            </p:cNvPr>
+            <p:cNvSpPr>
+              <a:spLocks/>
+            </p:cNvSpPr>
+            <p:nvPr/>
+          </p:nvSpPr>
+          <p:spPr bwMode="auto">
+            <a:xfrm>
+              <a:off x="3089275" y="2759075"/>
+              <a:ext cx="131763" cy="130175"/>
+            </a:xfrm>
+            <a:custGeom>
+              <a:avLst/>
+              <a:gdLst>
+                <a:gd name="T0" fmla="*/ 2147483646 w 316"/>
+                <a:gd name="T1" fmla="*/ 2147483646 h 313"/>
+                <a:gd name="T2" fmla="*/ 2147483646 w 316"/>
+                <a:gd name="T3" fmla="*/ 2147483646 h 313"/>
+                <a:gd name="T4" fmla="*/ 2147483646 w 316"/>
+                <a:gd name="T5" fmla="*/ 2147483646 h 313"/>
+                <a:gd name="T6" fmla="*/ 2147483646 w 316"/>
+                <a:gd name="T7" fmla="*/ 2147483646 h 313"/>
+                <a:gd name="T8" fmla="*/ 2147483646 w 316"/>
+                <a:gd name="T9" fmla="*/ 2147483646 h 313"/>
+                <a:gd name="T10" fmla="*/ 2147483646 w 316"/>
+                <a:gd name="T11" fmla="*/ 2147483646 h 313"/>
+                <a:gd name="T12" fmla="*/ 2147483646 w 316"/>
+                <a:gd name="T13" fmla="*/ 2147483646 h 313"/>
+                <a:gd name="T14" fmla="*/ 2147483646 w 316"/>
+                <a:gd name="T15" fmla="*/ 2147483646 h 313"/>
+                <a:gd name="T16" fmla="*/ 2147483646 w 316"/>
+                <a:gd name="T17" fmla="*/ 2147483646 h 313"/>
+                <a:gd name="T18" fmla="*/ 0 60000 65536"/>
+                <a:gd name="T19" fmla="*/ 0 60000 65536"/>
+                <a:gd name="T20" fmla="*/ 0 60000 65536"/>
+                <a:gd name="T21" fmla="*/ 0 60000 65536"/>
+                <a:gd name="T22" fmla="*/ 0 60000 65536"/>
+                <a:gd name="T23" fmla="*/ 0 60000 65536"/>
+                <a:gd name="T24" fmla="*/ 0 60000 65536"/>
+                <a:gd name="T25" fmla="*/ 0 60000 65536"/>
+                <a:gd name="T26" fmla="*/ 0 60000 65536"/>
+                <a:gd name="T27" fmla="*/ 0 w 316"/>
+                <a:gd name="T28" fmla="*/ 0 h 313"/>
+                <a:gd name="T29" fmla="*/ 316 w 316"/>
+                <a:gd name="T30" fmla="*/ 313 h 313"/>
+              </a:gdLst>
+              <a:ahLst/>
+              <a:cxnLst>
+                <a:cxn ang="T18">
+                  <a:pos x="T0" y="T1"/>
+                </a:cxn>
+                <a:cxn ang="T19">
+                  <a:pos x="T2" y="T3"/>
+                </a:cxn>
+                <a:cxn ang="T20">
+                  <a:pos x="T4" y="T5"/>
+                </a:cxn>
+                <a:cxn ang="T21">
+                  <a:pos x="T6" y="T7"/>
+                </a:cxn>
+                <a:cxn ang="T22">
+                  <a:pos x="T8" y="T9"/>
+                </a:cxn>
+                <a:cxn ang="T23">
+                  <a:pos x="T10" y="T11"/>
+                </a:cxn>
+                <a:cxn ang="T24">
+                  <a:pos x="T12" y="T13"/>
+                </a:cxn>
+                <a:cxn ang="T25">
+                  <a:pos x="T14" y="T15"/>
+                </a:cxn>
+                <a:cxn ang="T26">
+                  <a:pos x="T16" y="T17"/>
+                </a:cxn>
+              </a:cxnLst>
+              <a:rect l="T27" t="T28" r="T29" b="T30"/>
+              <a:pathLst>
+                <a:path w="316" h="313">
+                  <a:moveTo>
+                    <a:pt x="36" y="313"/>
+                  </a:moveTo>
+                  <a:lnTo>
+                    <a:pt x="36" y="313"/>
+                  </a:lnTo>
+                  <a:cubicBezTo>
+                    <a:pt x="28" y="313"/>
+                    <a:pt x="19" y="309"/>
+                    <a:pt x="13" y="303"/>
+                  </a:cubicBezTo>
+                  <a:cubicBezTo>
+                    <a:pt x="0" y="290"/>
+                    <a:pt x="0" y="269"/>
+                    <a:pt x="13" y="256"/>
+                  </a:cubicBezTo>
+                  <a:lnTo>
+                    <a:pt x="256" y="13"/>
+                  </a:lnTo>
+                  <a:cubicBezTo>
+                    <a:pt x="269" y="0"/>
+                    <a:pt x="290" y="0"/>
+                    <a:pt x="303" y="13"/>
+                  </a:cubicBezTo>
+                  <a:cubicBezTo>
+                    <a:pt x="316" y="26"/>
+                    <a:pt x="316" y="47"/>
+                    <a:pt x="303" y="60"/>
+                  </a:cubicBezTo>
+                  <a:lnTo>
+                    <a:pt x="60" y="303"/>
+                  </a:lnTo>
+                  <a:cubicBezTo>
+                    <a:pt x="53" y="309"/>
+                    <a:pt x="45" y="313"/>
+                    <a:pt x="36" y="313"/>
+                  </a:cubicBezTo>
+                  <a:close/>
+                </a:path>
+              </a:pathLst>
+            </a:custGeom>
+            <a:solidFill>
+              <a:srgbClr val="474747"/>
+            </a:solidFill>
+            <a:ln w="0">
+              <a:solidFill>
+                <a:srgbClr val="000000"/>
+              </a:solidFill>
+              <a:round/>
+              <a:headEnd/>
+              <a:tailEnd/>
+            </a:ln>
+          </p:spPr>
+          <p:txBody>
+            <a:bodyPr/>
+            <a:lstStyle/>
+            <a:p>
+              <a:endParaRPr lang="zh-CN" altLang="en-US" sz="1200">
+                <a:ln w="0"/>
+                <a:solidFill>
+                  <a:schemeClr val="accent1"/>
+                </a:solidFill>
+                <a:effectLst>
+                  <a:outerShdw blurRad="38100" dist="25400" dir="5400000" algn="ctr" rotWithShape="0">
+                    <a:srgbClr val="6E747A">
+                      <a:alpha val="43000"/>
+                    </a:srgbClr>
+                  </a:outerShdw>
+                </a:effectLst>
+              </a:endParaRPr>
+            </a:p>
+          </p:txBody>
+        </p:sp>
+        <p:sp>
+          <p:nvSpPr>
+            <p:cNvPr id="8" name="Freeform 230">
+              <a:extLst>
+                <a:ext uri="{FF2B5EF4-FFF2-40B4-BE49-F238E27FC236}">
+                  <a16:creationId xmlns:a16="http://schemas.microsoft.com/office/drawing/2014/main" id="{DC3D6008-CD36-A162-3A3A-171FCBC27A5C}"/>
+                </a:ext>
+              </a:extLst>
+            </p:cNvPr>
+            <p:cNvSpPr>
+              <a:spLocks/>
+            </p:cNvSpPr>
+            <p:nvPr/>
+          </p:nvSpPr>
+          <p:spPr bwMode="auto">
+            <a:xfrm>
+              <a:off x="3233738" y="2587625"/>
+              <a:ext cx="158750" cy="158750"/>
+            </a:xfrm>
+            <a:custGeom>
+              <a:avLst/>
+              <a:gdLst>
+                <a:gd name="T0" fmla="*/ 2147483646 w 379"/>
+                <a:gd name="T1" fmla="*/ 2147483646 h 379"/>
+                <a:gd name="T2" fmla="*/ 2147483646 w 379"/>
+                <a:gd name="T3" fmla="*/ 2147483646 h 379"/>
+                <a:gd name="T4" fmla="*/ 2147483646 w 379"/>
+                <a:gd name="T5" fmla="*/ 2147483646 h 379"/>
+                <a:gd name="T6" fmla="*/ 2147483646 w 379"/>
+                <a:gd name="T7" fmla="*/ 2147483646 h 379"/>
+                <a:gd name="T8" fmla="*/ 2147483646 w 379"/>
+                <a:gd name="T9" fmla="*/ 2147483646 h 379"/>
+                <a:gd name="T10" fmla="*/ 2147483646 w 379"/>
+                <a:gd name="T11" fmla="*/ 2147483646 h 379"/>
+                <a:gd name="T12" fmla="*/ 0 60000 65536"/>
+                <a:gd name="T13" fmla="*/ 0 60000 65536"/>
+                <a:gd name="T14" fmla="*/ 0 60000 65536"/>
+                <a:gd name="T15" fmla="*/ 0 60000 65536"/>
+                <a:gd name="T16" fmla="*/ 0 60000 65536"/>
+                <a:gd name="T17" fmla="*/ 0 60000 65536"/>
+                <a:gd name="T18" fmla="*/ 0 w 379"/>
+                <a:gd name="T19" fmla="*/ 0 h 379"/>
+                <a:gd name="T20" fmla="*/ 379 w 379"/>
+                <a:gd name="T21" fmla="*/ 379 h 379"/>
+              </a:gdLst>
+              <a:ahLst/>
+              <a:cxnLst>
+                <a:cxn ang="T12">
+                  <a:pos x="T0" y="T1"/>
+                </a:cxn>
+                <a:cxn ang="T13">
+                  <a:pos x="T2" y="T3"/>
+                </a:cxn>
+                <a:cxn ang="T14">
+                  <a:pos x="T4" y="T5"/>
+                </a:cxn>
+                <a:cxn ang="T15">
+                  <a:pos x="T6" y="T7"/>
+                </a:cxn>
+                <a:cxn ang="T16">
+                  <a:pos x="T8" y="T9"/>
+                </a:cxn>
+                <a:cxn ang="T17">
+                  <a:pos x="T10" y="T11"/>
+                </a:cxn>
+              </a:cxnLst>
+              <a:rect l="T18" t="T19" r="T20" b="T21"/>
+              <a:pathLst>
+                <a:path w="379" h="379">
+                  <a:moveTo>
+                    <a:pt x="312" y="68"/>
+                  </a:moveTo>
+                  <a:lnTo>
+                    <a:pt x="312" y="68"/>
+                  </a:lnTo>
+                  <a:cubicBezTo>
+                    <a:pt x="379" y="135"/>
+                    <a:pt x="379" y="244"/>
+                    <a:pt x="312" y="312"/>
+                  </a:cubicBezTo>
+                  <a:cubicBezTo>
+                    <a:pt x="244" y="379"/>
+                    <a:pt x="135" y="379"/>
+                    <a:pt x="68" y="312"/>
+                  </a:cubicBezTo>
+                  <a:cubicBezTo>
+                    <a:pt x="0" y="244"/>
+                    <a:pt x="0" y="135"/>
+                    <a:pt x="68" y="68"/>
+                  </a:cubicBezTo>
+                  <a:cubicBezTo>
+                    <a:pt x="135" y="0"/>
+                    <a:pt x="244" y="0"/>
+                    <a:pt x="312" y="68"/>
+                  </a:cubicBezTo>
+                  <a:close/>
+                </a:path>
+              </a:pathLst>
+            </a:custGeom>
+            <a:solidFill>
+              <a:srgbClr val="474747"/>
+            </a:solidFill>
+            <a:ln w="0">
+              <a:solidFill>
+                <a:srgbClr val="000000"/>
+              </a:solidFill>
+              <a:round/>
+              <a:headEnd/>
+              <a:tailEnd/>
+            </a:ln>
+          </p:spPr>
+          <p:txBody>
+            <a:bodyPr/>
+            <a:lstStyle/>
+            <a:p>
+              <a:endParaRPr lang="zh-CN" altLang="en-US" sz="1200">
+                <a:ln w="0"/>
+                <a:solidFill>
+                  <a:schemeClr val="accent1"/>
+                </a:solidFill>
+                <a:effectLst>
+                  <a:outerShdw blurRad="38100" dist="25400" dir="5400000" algn="ctr" rotWithShape="0">
+                    <a:srgbClr val="6E747A">
+                      <a:alpha val="43000"/>
+                    </a:srgbClr>
+                  </a:outerShdw>
+                </a:effectLst>
+              </a:endParaRPr>
+            </a:p>
+          </p:txBody>
+        </p:sp>
+        <p:sp>
+          <p:nvSpPr>
+            <p:cNvPr id="9" name="Freeform 231">
+              <a:extLst>
+                <a:ext uri="{FF2B5EF4-FFF2-40B4-BE49-F238E27FC236}">
+                  <a16:creationId xmlns:a16="http://schemas.microsoft.com/office/drawing/2014/main" id="{A2CF9920-E16D-0FF2-3F53-FD9AF9FBCDA4}"/>
+                </a:ext>
+              </a:extLst>
+            </p:cNvPr>
+            <p:cNvSpPr>
+              <a:spLocks/>
+            </p:cNvSpPr>
+            <p:nvPr/>
+          </p:nvSpPr>
+          <p:spPr bwMode="auto">
+            <a:xfrm>
+              <a:off x="3128963" y="2733675"/>
+              <a:ext cx="115888" cy="115888"/>
+            </a:xfrm>
+            <a:custGeom>
+              <a:avLst/>
+              <a:gdLst>
+                <a:gd name="T0" fmla="*/ 0 w 277"/>
+                <a:gd name="T1" fmla="*/ 2147483646 h 276"/>
+                <a:gd name="T2" fmla="*/ 0 w 277"/>
+                <a:gd name="T3" fmla="*/ 2147483646 h 276"/>
+                <a:gd name="T4" fmla="*/ 2147483646 w 277"/>
+                <a:gd name="T5" fmla="*/ 0 h 276"/>
+                <a:gd name="T6" fmla="*/ 2147483646 w 277"/>
+                <a:gd name="T7" fmla="*/ 2147483646 h 276"/>
+                <a:gd name="T8" fmla="*/ 0 w 277"/>
+                <a:gd name="T9" fmla="*/ 2147483646 h 276"/>
+                <a:gd name="T10" fmla="*/ 0 60000 65536"/>
+                <a:gd name="T11" fmla="*/ 0 60000 65536"/>
+                <a:gd name="T12" fmla="*/ 0 60000 65536"/>
+                <a:gd name="T13" fmla="*/ 0 60000 65536"/>
+                <a:gd name="T14" fmla="*/ 0 60000 65536"/>
+                <a:gd name="T15" fmla="*/ 0 w 277"/>
+                <a:gd name="T16" fmla="*/ 0 h 276"/>
+                <a:gd name="T17" fmla="*/ 277 w 277"/>
+                <a:gd name="T18" fmla="*/ 276 h 276"/>
+              </a:gdLst>
+              <a:ahLst/>
+              <a:cxnLst>
+                <a:cxn ang="T10">
+                  <a:pos x="T0" y="T1"/>
+                </a:cxn>
+                <a:cxn ang="T11">
+                  <a:pos x="T2" y="T3"/>
+                </a:cxn>
+                <a:cxn ang="T12">
+                  <a:pos x="T4" y="T5"/>
+                </a:cxn>
+                <a:cxn ang="T13">
+                  <a:pos x="T6" y="T7"/>
+                </a:cxn>
+                <a:cxn ang="T14">
+                  <a:pos x="T8" y="T9"/>
+                </a:cxn>
+              </a:cxnLst>
+              <a:rect l="T15" t="T16" r="T17" b="T18"/>
+              <a:pathLst>
+                <a:path w="277" h="276">
+                  <a:moveTo>
+                    <a:pt x="0" y="17"/>
+                  </a:moveTo>
+                  <a:lnTo>
+                    <a:pt x="0" y="17"/>
+                  </a:lnTo>
+                  <a:lnTo>
+                    <a:pt x="277" y="0"/>
+                  </a:lnTo>
+                  <a:lnTo>
+                    <a:pt x="260" y="276"/>
+                  </a:lnTo>
+                  <a:lnTo>
+                    <a:pt x="0" y="17"/>
+                  </a:lnTo>
+                  <a:close/>
+                </a:path>
+              </a:pathLst>
+            </a:custGeom>
+            <a:solidFill>
+              <a:srgbClr val="474747"/>
+            </a:solidFill>
+            <a:ln w="0">
+              <a:solidFill>
+                <a:srgbClr val="000000"/>
+              </a:solidFill>
+              <a:round/>
+              <a:headEnd/>
+              <a:tailEnd/>
+            </a:ln>
+          </p:spPr>
+          <p:txBody>
+            <a:bodyPr/>
+            <a:lstStyle/>
+            <a:p>
+              <a:endParaRPr lang="zh-CN" altLang="en-US" sz="1200">
+                <a:ln w="0"/>
+                <a:solidFill>
+                  <a:schemeClr val="accent1"/>
+                </a:solidFill>
+                <a:effectLst>
+                  <a:outerShdw blurRad="38100" dist="25400" dir="5400000" algn="ctr" rotWithShape="0">
+                    <a:srgbClr val="6E747A">
+                      <a:alpha val="43000"/>
+                    </a:srgbClr>
+                  </a:outerShdw>
+                </a:effectLst>
+              </a:endParaRPr>
+            </a:p>
+          </p:txBody>
+        </p:sp>
+        <p:sp>
+          <p:nvSpPr>
+            <p:cNvPr id="10" name="Freeform 232">
+              <a:extLst>
+                <a:ext uri="{FF2B5EF4-FFF2-40B4-BE49-F238E27FC236}">
+                  <a16:creationId xmlns:a16="http://schemas.microsoft.com/office/drawing/2014/main" id="{726CE5D9-78D2-1D83-31C9-42035186FA04}"/>
+                </a:ext>
+              </a:extLst>
+            </p:cNvPr>
+            <p:cNvSpPr>
+              <a:spLocks/>
+            </p:cNvSpPr>
+            <p:nvPr/>
+          </p:nvSpPr>
+          <p:spPr bwMode="auto">
+            <a:xfrm>
+              <a:off x="3405188" y="2441575"/>
+              <a:ext cx="131763" cy="131763"/>
+            </a:xfrm>
+            <a:custGeom>
+              <a:avLst/>
+              <a:gdLst>
+                <a:gd name="T0" fmla="*/ 2147483646 w 316"/>
+                <a:gd name="T1" fmla="*/ 2147483646 h 313"/>
+                <a:gd name="T2" fmla="*/ 2147483646 w 316"/>
+                <a:gd name="T3" fmla="*/ 2147483646 h 313"/>
+                <a:gd name="T4" fmla="*/ 2147483646 w 316"/>
+                <a:gd name="T5" fmla="*/ 2147483646 h 313"/>
+                <a:gd name="T6" fmla="*/ 2147483646 w 316"/>
+                <a:gd name="T7" fmla="*/ 2147483646 h 313"/>
+                <a:gd name="T8" fmla="*/ 2147483646 w 316"/>
+                <a:gd name="T9" fmla="*/ 2147483646 h 313"/>
+                <a:gd name="T10" fmla="*/ 2147483646 w 316"/>
+                <a:gd name="T11" fmla="*/ 2147483646 h 313"/>
+                <a:gd name="T12" fmla="*/ 2147483646 w 316"/>
+                <a:gd name="T13" fmla="*/ 2147483646 h 313"/>
+                <a:gd name="T14" fmla="*/ 2147483646 w 316"/>
+                <a:gd name="T15" fmla="*/ 2147483646 h 313"/>
+                <a:gd name="T16" fmla="*/ 2147483646 w 316"/>
+                <a:gd name="T17" fmla="*/ 2147483646 h 313"/>
+                <a:gd name="T18" fmla="*/ 0 60000 65536"/>
+                <a:gd name="T19" fmla="*/ 0 60000 65536"/>
+                <a:gd name="T20" fmla="*/ 0 60000 65536"/>
+                <a:gd name="T21" fmla="*/ 0 60000 65536"/>
+                <a:gd name="T22" fmla="*/ 0 60000 65536"/>
+                <a:gd name="T23" fmla="*/ 0 60000 65536"/>
+                <a:gd name="T24" fmla="*/ 0 60000 65536"/>
+                <a:gd name="T25" fmla="*/ 0 60000 65536"/>
+                <a:gd name="T26" fmla="*/ 0 60000 65536"/>
+                <a:gd name="T27" fmla="*/ 0 w 316"/>
+                <a:gd name="T28" fmla="*/ 0 h 313"/>
+                <a:gd name="T29" fmla="*/ 316 w 316"/>
+                <a:gd name="T30" fmla="*/ 313 h 313"/>
+              </a:gdLst>
+              <a:ahLst/>
+              <a:cxnLst>
+                <a:cxn ang="T18">
+                  <a:pos x="T0" y="T1"/>
+                </a:cxn>
+                <a:cxn ang="T19">
+                  <a:pos x="T2" y="T3"/>
+                </a:cxn>
+                <a:cxn ang="T20">
+                  <a:pos x="T4" y="T5"/>
+                </a:cxn>
+                <a:cxn ang="T21">
+                  <a:pos x="T6" y="T7"/>
+                </a:cxn>
+                <a:cxn ang="T22">
+                  <a:pos x="T8" y="T9"/>
+                </a:cxn>
+                <a:cxn ang="T23">
+                  <a:pos x="T10" y="T11"/>
+                </a:cxn>
+                <a:cxn ang="T24">
+                  <a:pos x="T12" y="T13"/>
+                </a:cxn>
+                <a:cxn ang="T25">
+                  <a:pos x="T14" y="T15"/>
+                </a:cxn>
+                <a:cxn ang="T26">
+                  <a:pos x="T16" y="T17"/>
+                </a:cxn>
+              </a:cxnLst>
+              <a:rect l="T27" t="T28" r="T29" b="T30"/>
+              <a:pathLst>
+                <a:path w="316" h="313">
+                  <a:moveTo>
+                    <a:pt x="37" y="313"/>
+                  </a:moveTo>
+                  <a:lnTo>
+                    <a:pt x="37" y="313"/>
+                  </a:lnTo>
+                  <a:cubicBezTo>
+                    <a:pt x="28" y="313"/>
+                    <a:pt x="20" y="310"/>
+                    <a:pt x="13" y="303"/>
+                  </a:cubicBezTo>
+                  <a:cubicBezTo>
+                    <a:pt x="0" y="290"/>
+                    <a:pt x="0" y="269"/>
+                    <a:pt x="13" y="256"/>
+                  </a:cubicBezTo>
+                  <a:lnTo>
+                    <a:pt x="256" y="13"/>
+                  </a:lnTo>
+                  <a:cubicBezTo>
+                    <a:pt x="269" y="0"/>
+                    <a:pt x="290" y="0"/>
+                    <a:pt x="303" y="13"/>
+                  </a:cubicBezTo>
+                  <a:cubicBezTo>
+                    <a:pt x="316" y="26"/>
+                    <a:pt x="316" y="48"/>
+                    <a:pt x="303" y="61"/>
+                  </a:cubicBezTo>
+                  <a:lnTo>
+                    <a:pt x="60" y="303"/>
+                  </a:lnTo>
+                  <a:cubicBezTo>
+                    <a:pt x="54" y="310"/>
+                    <a:pt x="45" y="313"/>
+                    <a:pt x="37" y="313"/>
+                  </a:cubicBezTo>
+                  <a:close/>
+                </a:path>
+              </a:pathLst>
+            </a:custGeom>
+            <a:solidFill>
+              <a:srgbClr val="474747"/>
+            </a:solidFill>
+            <a:ln w="0">
+              <a:solidFill>
+                <a:srgbClr val="000000"/>
+              </a:solidFill>
+              <a:round/>
+              <a:headEnd/>
+              <a:tailEnd/>
+            </a:ln>
+          </p:spPr>
+          <p:txBody>
+            <a:bodyPr/>
+            <a:lstStyle/>
+            <a:p>
+              <a:endParaRPr lang="zh-CN" altLang="en-US" sz="1200">
+                <a:ln w="0"/>
+                <a:solidFill>
+                  <a:schemeClr val="accent1"/>
+                </a:solidFill>
+                <a:effectLst>
+                  <a:outerShdw blurRad="38100" dist="25400" dir="5400000" algn="ctr" rotWithShape="0">
+                    <a:srgbClr val="6E747A">
+                      <a:alpha val="43000"/>
+                    </a:srgbClr>
+                  </a:outerShdw>
+                </a:effectLst>
+              </a:endParaRPr>
+            </a:p>
+          </p:txBody>
+        </p:sp>
+        <p:sp>
+          <p:nvSpPr>
+            <p:cNvPr id="11" name="Freeform 233">
+              <a:extLst>
+                <a:ext uri="{FF2B5EF4-FFF2-40B4-BE49-F238E27FC236}">
+                  <a16:creationId xmlns:a16="http://schemas.microsoft.com/office/drawing/2014/main" id="{CA423E71-C3E1-892C-41BB-AC92CE26D870}"/>
+                </a:ext>
+              </a:extLst>
+            </p:cNvPr>
+            <p:cNvSpPr>
+              <a:spLocks/>
+            </p:cNvSpPr>
+            <p:nvPr/>
+          </p:nvSpPr>
+          <p:spPr bwMode="auto">
+            <a:xfrm>
+              <a:off x="3381375" y="2482850"/>
+              <a:ext cx="115888" cy="115888"/>
+            </a:xfrm>
+            <a:custGeom>
+              <a:avLst/>
+              <a:gdLst>
+                <a:gd name="T0" fmla="*/ 2147483646 w 277"/>
+                <a:gd name="T1" fmla="*/ 0 h 276"/>
+                <a:gd name="T2" fmla="*/ 2147483646 w 277"/>
+                <a:gd name="T3" fmla="*/ 0 h 276"/>
+                <a:gd name="T4" fmla="*/ 0 w 277"/>
+                <a:gd name="T5" fmla="*/ 2147483646 h 276"/>
+                <a:gd name="T6" fmla="*/ 2147483646 w 277"/>
+                <a:gd name="T7" fmla="*/ 2147483646 h 276"/>
+                <a:gd name="T8" fmla="*/ 2147483646 w 277"/>
+                <a:gd name="T9" fmla="*/ 0 h 276"/>
+                <a:gd name="T10" fmla="*/ 0 60000 65536"/>
+                <a:gd name="T11" fmla="*/ 0 60000 65536"/>
+                <a:gd name="T12" fmla="*/ 0 60000 65536"/>
+                <a:gd name="T13" fmla="*/ 0 60000 65536"/>
+                <a:gd name="T14" fmla="*/ 0 60000 65536"/>
+                <a:gd name="T15" fmla="*/ 0 w 277"/>
+                <a:gd name="T16" fmla="*/ 0 h 276"/>
+                <a:gd name="T17" fmla="*/ 277 w 277"/>
+                <a:gd name="T18" fmla="*/ 276 h 276"/>
+              </a:gdLst>
+              <a:ahLst/>
+              <a:cxnLst>
+                <a:cxn ang="T10">
+                  <a:pos x="T0" y="T1"/>
+                </a:cxn>
+                <a:cxn ang="T11">
+                  <a:pos x="T2" y="T3"/>
+                </a:cxn>
+                <a:cxn ang="T12">
+                  <a:pos x="T4" y="T5"/>
+                </a:cxn>
+                <a:cxn ang="T13">
+                  <a:pos x="T6" y="T7"/>
+                </a:cxn>
+                <a:cxn ang="T14">
+                  <a:pos x="T8" y="T9"/>
+                </a:cxn>
+              </a:cxnLst>
+              <a:rect l="T15" t="T16" r="T17" b="T18"/>
+              <a:pathLst>
+                <a:path w="277" h="276">
+                  <a:moveTo>
+                    <a:pt x="17" y="0"/>
+                  </a:moveTo>
+                  <a:lnTo>
+                    <a:pt x="17" y="0"/>
+                  </a:lnTo>
+                  <a:lnTo>
+                    <a:pt x="0" y="276"/>
+                  </a:lnTo>
+                  <a:lnTo>
+                    <a:pt x="277" y="259"/>
+                  </a:lnTo>
+                  <a:lnTo>
+                    <a:pt x="17" y="0"/>
+                  </a:lnTo>
+                  <a:close/>
+                </a:path>
+              </a:pathLst>
+            </a:custGeom>
+            <a:solidFill>
+              <a:srgbClr val="474747"/>
+            </a:solidFill>
+            <a:ln w="0">
+              <a:solidFill>
+                <a:srgbClr val="000000"/>
+              </a:solidFill>
+              <a:round/>
+              <a:headEnd/>
+              <a:tailEnd/>
+            </a:ln>
+          </p:spPr>
+          <p:txBody>
+            <a:bodyPr/>
+            <a:lstStyle/>
+            <a:p>
+              <a:endParaRPr lang="zh-CN" altLang="en-US" sz="1200">
+                <a:ln w="0"/>
+                <a:solidFill>
+                  <a:schemeClr val="accent1"/>
+                </a:solidFill>
+                <a:effectLst>
+                  <a:outerShdw blurRad="38100" dist="25400" dir="5400000" algn="ctr" rotWithShape="0">
+                    <a:srgbClr val="6E747A">
+                      <a:alpha val="43000"/>
+                    </a:srgbClr>
+                  </a:outerShdw>
+                </a:effectLst>
+              </a:endParaRPr>
+            </a:p>
+          </p:txBody>
+        </p:sp>
+        <p:sp>
+          <p:nvSpPr>
+            <p:cNvPr id="12" name="Freeform 234">
+              <a:extLst>
+                <a:ext uri="{FF2B5EF4-FFF2-40B4-BE49-F238E27FC236}">
+                  <a16:creationId xmlns:a16="http://schemas.microsoft.com/office/drawing/2014/main" id="{B67DED31-9BB5-99C3-A2C3-CB88BB78D4FD}"/>
+                </a:ext>
+              </a:extLst>
+            </p:cNvPr>
+            <p:cNvSpPr>
+              <a:spLocks/>
+            </p:cNvSpPr>
+            <p:nvPr/>
+          </p:nvSpPr>
+          <p:spPr bwMode="auto">
+            <a:xfrm>
+              <a:off x="3125788" y="2479675"/>
+              <a:ext cx="115888" cy="115888"/>
+            </a:xfrm>
+            <a:custGeom>
+              <a:avLst/>
+              <a:gdLst>
+                <a:gd name="T0" fmla="*/ 2147483646 w 277"/>
+                <a:gd name="T1" fmla="*/ 0 h 277"/>
+                <a:gd name="T2" fmla="*/ 2147483646 w 277"/>
+                <a:gd name="T3" fmla="*/ 0 h 277"/>
+                <a:gd name="T4" fmla="*/ 2147483646 w 277"/>
+                <a:gd name="T5" fmla="*/ 2147483646 h 277"/>
+                <a:gd name="T6" fmla="*/ 0 w 277"/>
+                <a:gd name="T7" fmla="*/ 2147483646 h 277"/>
+                <a:gd name="T8" fmla="*/ 2147483646 w 277"/>
+                <a:gd name="T9" fmla="*/ 0 h 277"/>
+                <a:gd name="T10" fmla="*/ 0 60000 65536"/>
+                <a:gd name="T11" fmla="*/ 0 60000 65536"/>
+                <a:gd name="T12" fmla="*/ 0 60000 65536"/>
+                <a:gd name="T13" fmla="*/ 0 60000 65536"/>
+                <a:gd name="T14" fmla="*/ 0 60000 65536"/>
+                <a:gd name="T15" fmla="*/ 0 w 277"/>
+                <a:gd name="T16" fmla="*/ 0 h 277"/>
+                <a:gd name="T17" fmla="*/ 277 w 277"/>
+                <a:gd name="T18" fmla="*/ 277 h 277"/>
+              </a:gdLst>
+              <a:ahLst/>
+              <a:cxnLst>
+                <a:cxn ang="T10">
+                  <a:pos x="T0" y="T1"/>
+                </a:cxn>
+                <a:cxn ang="T11">
+                  <a:pos x="T2" y="T3"/>
+                </a:cxn>
+                <a:cxn ang="T12">
+                  <a:pos x="T4" y="T5"/>
+                </a:cxn>
+                <a:cxn ang="T13">
+                  <a:pos x="T6" y="T7"/>
+                </a:cxn>
+                <a:cxn ang="T14">
+                  <a:pos x="T8" y="T9"/>
+                </a:cxn>
+              </a:cxnLst>
+              <a:rect l="T15" t="T16" r="T17" b="T18"/>
+              <a:pathLst>
+                <a:path w="277" h="277">
+                  <a:moveTo>
+                    <a:pt x="260" y="0"/>
+                  </a:moveTo>
+                  <a:lnTo>
+                    <a:pt x="260" y="0"/>
+                  </a:lnTo>
+                  <a:lnTo>
+                    <a:pt x="277" y="277"/>
+                  </a:lnTo>
+                  <a:lnTo>
+                    <a:pt x="0" y="260"/>
+                  </a:lnTo>
+                  <a:lnTo>
+                    <a:pt x="260" y="0"/>
+                  </a:lnTo>
+                  <a:close/>
+                </a:path>
+              </a:pathLst>
+            </a:custGeom>
+            <a:solidFill>
+              <a:srgbClr val="474747"/>
+            </a:solidFill>
+            <a:ln w="0">
+              <a:solidFill>
+                <a:srgbClr val="000000"/>
+              </a:solidFill>
+              <a:round/>
+              <a:headEnd/>
+              <a:tailEnd/>
+            </a:ln>
+          </p:spPr>
+          <p:txBody>
+            <a:bodyPr/>
+            <a:lstStyle/>
+            <a:p>
+              <a:endParaRPr lang="zh-CN" altLang="en-US" sz="1200">
+                <a:ln w="0"/>
+                <a:solidFill>
+                  <a:schemeClr val="accent1"/>
+                </a:solidFill>
+                <a:effectLst>
+                  <a:outerShdw blurRad="38100" dist="25400" dir="5400000" algn="ctr" rotWithShape="0">
+                    <a:srgbClr val="6E747A">
+                      <a:alpha val="43000"/>
+                    </a:srgbClr>
+                  </a:outerShdw>
+                </a:effectLst>
+              </a:endParaRPr>
+            </a:p>
+          </p:txBody>
+        </p:sp>
+        <p:sp>
+          <p:nvSpPr>
+            <p:cNvPr id="13" name="Freeform 235">
+              <a:extLst>
+                <a:ext uri="{FF2B5EF4-FFF2-40B4-BE49-F238E27FC236}">
+                  <a16:creationId xmlns:a16="http://schemas.microsoft.com/office/drawing/2014/main" id="{9A81BF36-AFFB-A1DB-1073-4C6B4930EB73}"/>
+                </a:ext>
+              </a:extLst>
+            </p:cNvPr>
+            <p:cNvSpPr>
+              <a:spLocks/>
+            </p:cNvSpPr>
+            <p:nvPr/>
+          </p:nvSpPr>
+          <p:spPr bwMode="auto">
+            <a:xfrm>
+              <a:off x="2998788" y="2351088"/>
+              <a:ext cx="630238" cy="630238"/>
+            </a:xfrm>
+            <a:custGeom>
+              <a:avLst/>
+              <a:gdLst>
+                <a:gd name="T0" fmla="*/ 2147483646 w 1503"/>
+                <a:gd name="T1" fmla="*/ 2147483646 h 1503"/>
+                <a:gd name="T2" fmla="*/ 2147483646 w 1503"/>
+                <a:gd name="T3" fmla="*/ 2147483646 h 1503"/>
+                <a:gd name="T4" fmla="*/ 2147483646 w 1503"/>
+                <a:gd name="T5" fmla="*/ 2147483646 h 1503"/>
+                <a:gd name="T6" fmla="*/ 2147483646 w 1503"/>
+                <a:gd name="T7" fmla="*/ 2147483646 h 1503"/>
+                <a:gd name="T8" fmla="*/ 2147483646 w 1503"/>
+                <a:gd name="T9" fmla="*/ 2147483646 h 1503"/>
+                <a:gd name="T10" fmla="*/ 2147483646 w 1503"/>
+                <a:gd name="T11" fmla="*/ 2147483646 h 1503"/>
+                <a:gd name="T12" fmla="*/ 2147483646 w 1503"/>
+                <a:gd name="T13" fmla="*/ 2147483646 h 1503"/>
+                <a:gd name="T14" fmla="*/ 2147483646 w 1503"/>
+                <a:gd name="T15" fmla="*/ 2147483646 h 1503"/>
+                <a:gd name="T16" fmla="*/ 2147483646 w 1503"/>
+                <a:gd name="T17" fmla="*/ 2147483646 h 1503"/>
+                <a:gd name="T18" fmla="*/ 2147483646 w 1503"/>
+                <a:gd name="T19" fmla="*/ 2147483646 h 1503"/>
+                <a:gd name="T20" fmla="*/ 2147483646 w 1503"/>
+                <a:gd name="T21" fmla="*/ 2147483646 h 1503"/>
+                <a:gd name="T22" fmla="*/ 2147483646 w 1503"/>
+                <a:gd name="T23" fmla="*/ 2147483646 h 1503"/>
+                <a:gd name="T24" fmla="*/ 2147483646 w 1503"/>
+                <a:gd name="T25" fmla="*/ 2147483646 h 1503"/>
+                <a:gd name="T26" fmla="*/ 2147483646 w 1503"/>
+                <a:gd name="T27" fmla="*/ 2147483646 h 1503"/>
+                <a:gd name="T28" fmla="*/ 2147483646 w 1503"/>
+                <a:gd name="T29" fmla="*/ 2147483646 h 1503"/>
+                <a:gd name="T30" fmla="*/ 0 w 1503"/>
+                <a:gd name="T31" fmla="*/ 2147483646 h 1503"/>
+                <a:gd name="T32" fmla="*/ 0 w 1503"/>
+                <a:gd name="T33" fmla="*/ 2147483646 h 1503"/>
+                <a:gd name="T34" fmla="*/ 2147483646 w 1503"/>
+                <a:gd name="T35" fmla="*/ 0 h 1503"/>
+                <a:gd name="T36" fmla="*/ 2147483646 w 1503"/>
+                <a:gd name="T37" fmla="*/ 0 h 1503"/>
+                <a:gd name="T38" fmla="*/ 2147483646 w 1503"/>
+                <a:gd name="T39" fmla="*/ 2147483646 h 1503"/>
+                <a:gd name="T40" fmla="*/ 2147483646 w 1503"/>
+                <a:gd name="T41" fmla="*/ 2147483646 h 1503"/>
+                <a:gd name="T42" fmla="*/ 2147483646 w 1503"/>
+                <a:gd name="T43" fmla="*/ 2147483646 h 1503"/>
+                <a:gd name="T44" fmla="*/ 0 60000 65536"/>
+                <a:gd name="T45" fmla="*/ 0 60000 65536"/>
+                <a:gd name="T46" fmla="*/ 0 60000 65536"/>
+                <a:gd name="T47" fmla="*/ 0 60000 65536"/>
+                <a:gd name="T48" fmla="*/ 0 60000 65536"/>
+                <a:gd name="T49" fmla="*/ 0 60000 65536"/>
+                <a:gd name="T50" fmla="*/ 0 60000 65536"/>
+                <a:gd name="T51" fmla="*/ 0 60000 65536"/>
+                <a:gd name="T52" fmla="*/ 0 60000 65536"/>
+                <a:gd name="T53" fmla="*/ 0 60000 65536"/>
+                <a:gd name="T54" fmla="*/ 0 60000 65536"/>
+                <a:gd name="T55" fmla="*/ 0 60000 65536"/>
+                <a:gd name="T56" fmla="*/ 0 60000 65536"/>
+                <a:gd name="T57" fmla="*/ 0 60000 65536"/>
+                <a:gd name="T58" fmla="*/ 0 60000 65536"/>
+                <a:gd name="T59" fmla="*/ 0 60000 65536"/>
+                <a:gd name="T60" fmla="*/ 0 60000 65536"/>
+                <a:gd name="T61" fmla="*/ 0 60000 65536"/>
+                <a:gd name="T62" fmla="*/ 0 60000 65536"/>
+                <a:gd name="T63" fmla="*/ 0 60000 65536"/>
+                <a:gd name="T64" fmla="*/ 0 60000 65536"/>
+                <a:gd name="T65" fmla="*/ 0 60000 65536"/>
+                <a:gd name="T66" fmla="*/ 0 w 1503"/>
+                <a:gd name="T67" fmla="*/ 0 h 1503"/>
+                <a:gd name="T68" fmla="*/ 1503 w 1503"/>
+                <a:gd name="T69" fmla="*/ 1503 h 1503"/>
+              </a:gdLst>
+              <a:ahLst/>
+              <a:cxnLst>
+                <a:cxn ang="T44">
+                  <a:pos x="T0" y="T1"/>
+                </a:cxn>
+                <a:cxn ang="T45">
+                  <a:pos x="T2" y="T3"/>
+                </a:cxn>
+                <a:cxn ang="T46">
+                  <a:pos x="T4" y="T5"/>
+                </a:cxn>
+                <a:cxn ang="T47">
+                  <a:pos x="T6" y="T7"/>
+                </a:cxn>
+                <a:cxn ang="T48">
+                  <a:pos x="T8" y="T9"/>
+                </a:cxn>
+                <a:cxn ang="T49">
+                  <a:pos x="T10" y="T11"/>
+                </a:cxn>
+                <a:cxn ang="T50">
+                  <a:pos x="T12" y="T13"/>
+                </a:cxn>
+                <a:cxn ang="T51">
+                  <a:pos x="T14" y="T15"/>
+                </a:cxn>
+                <a:cxn ang="T52">
+                  <a:pos x="T16" y="T17"/>
+                </a:cxn>
+                <a:cxn ang="T53">
+                  <a:pos x="T18" y="T19"/>
+                </a:cxn>
+                <a:cxn ang="T54">
+                  <a:pos x="T20" y="T21"/>
+                </a:cxn>
+                <a:cxn ang="T55">
+                  <a:pos x="T22" y="T23"/>
+                </a:cxn>
+                <a:cxn ang="T56">
+                  <a:pos x="T24" y="T25"/>
+                </a:cxn>
+                <a:cxn ang="T57">
+                  <a:pos x="T26" y="T27"/>
+                </a:cxn>
+                <a:cxn ang="T58">
+                  <a:pos x="T28" y="T29"/>
+                </a:cxn>
+                <a:cxn ang="T59">
+                  <a:pos x="T30" y="T31"/>
+                </a:cxn>
+                <a:cxn ang="T60">
+                  <a:pos x="T32" y="T33"/>
+                </a:cxn>
+                <a:cxn ang="T61">
+                  <a:pos x="T34" y="T35"/>
+                </a:cxn>
+                <a:cxn ang="T62">
+                  <a:pos x="T36" y="T37"/>
+                </a:cxn>
+                <a:cxn ang="T63">
+                  <a:pos x="T38" y="T39"/>
+                </a:cxn>
+                <a:cxn ang="T64">
+                  <a:pos x="T40" y="T41"/>
+                </a:cxn>
+                <a:cxn ang="T65">
+                  <a:pos x="T42" y="T43"/>
+                </a:cxn>
+              </a:cxnLst>
+              <a:rect l="T66" t="T67" r="T68" b="T69"/>
+              <a:pathLst>
+                <a:path w="1503" h="1503">
+                  <a:moveTo>
+                    <a:pt x="1385" y="1503"/>
+                  </a:moveTo>
+                  <a:lnTo>
+                    <a:pt x="1385" y="1503"/>
+                  </a:lnTo>
+                  <a:lnTo>
+                    <a:pt x="1212" y="1503"/>
+                  </a:lnTo>
+                  <a:lnTo>
+                    <a:pt x="1212" y="1437"/>
+                  </a:lnTo>
+                  <a:lnTo>
+                    <a:pt x="1385" y="1437"/>
+                  </a:lnTo>
+                  <a:cubicBezTo>
+                    <a:pt x="1413" y="1437"/>
+                    <a:pt x="1436" y="1414"/>
+                    <a:pt x="1436" y="1385"/>
+                  </a:cubicBezTo>
+                  <a:lnTo>
+                    <a:pt x="1436" y="118"/>
+                  </a:lnTo>
+                  <a:cubicBezTo>
+                    <a:pt x="1436" y="90"/>
+                    <a:pt x="1413" y="67"/>
+                    <a:pt x="1385" y="67"/>
+                  </a:cubicBezTo>
+                  <a:lnTo>
+                    <a:pt x="118" y="67"/>
+                  </a:lnTo>
+                  <a:cubicBezTo>
+                    <a:pt x="90" y="67"/>
+                    <a:pt x="67" y="90"/>
+                    <a:pt x="67" y="118"/>
+                  </a:cubicBezTo>
+                  <a:lnTo>
+                    <a:pt x="67" y="1385"/>
+                  </a:lnTo>
+                  <a:cubicBezTo>
+                    <a:pt x="67" y="1414"/>
+                    <a:pt x="90" y="1437"/>
+                    <a:pt x="118" y="1437"/>
+                  </a:cubicBezTo>
+                  <a:lnTo>
+                    <a:pt x="1046" y="1437"/>
+                  </a:lnTo>
+                  <a:lnTo>
+                    <a:pt x="1046" y="1503"/>
+                  </a:lnTo>
+                  <a:lnTo>
+                    <a:pt x="118" y="1503"/>
+                  </a:lnTo>
+                  <a:cubicBezTo>
+                    <a:pt x="53" y="1503"/>
+                    <a:pt x="0" y="1450"/>
+                    <a:pt x="0" y="1385"/>
+                  </a:cubicBezTo>
+                  <a:lnTo>
+                    <a:pt x="0" y="118"/>
+                  </a:lnTo>
+                  <a:cubicBezTo>
+                    <a:pt x="0" y="53"/>
+                    <a:pt x="53" y="0"/>
+                    <a:pt x="118" y="0"/>
+                  </a:cubicBezTo>
+                  <a:lnTo>
+                    <a:pt x="1385" y="0"/>
+                  </a:lnTo>
+                  <a:cubicBezTo>
+                    <a:pt x="1450" y="0"/>
+                    <a:pt x="1503" y="53"/>
+                    <a:pt x="1503" y="118"/>
+                  </a:cubicBezTo>
+                  <a:lnTo>
+                    <a:pt x="1503" y="1385"/>
+                  </a:lnTo>
+                  <a:cubicBezTo>
+                    <a:pt x="1503" y="1450"/>
+                    <a:pt x="1450" y="1503"/>
+                    <a:pt x="1385" y="1503"/>
+                  </a:cubicBezTo>
+                  <a:close/>
+                </a:path>
+              </a:pathLst>
+            </a:custGeom>
+            <a:solidFill>
+              <a:srgbClr val="474747"/>
+            </a:solidFill>
+            <a:ln w="0">
+              <a:solidFill>
+                <a:srgbClr val="000000"/>
+              </a:solidFill>
+              <a:round/>
+              <a:headEnd/>
+              <a:tailEnd/>
+            </a:ln>
+          </p:spPr>
+          <p:txBody>
+            <a:bodyPr/>
+            <a:lstStyle/>
+            <a:p>
+              <a:endParaRPr lang="zh-CN" altLang="en-US" sz="1200">
+                <a:ln w="0"/>
+                <a:solidFill>
+                  <a:schemeClr val="accent1"/>
+                </a:solidFill>
+                <a:effectLst>
+                  <a:outerShdw blurRad="38100" dist="25400" dir="5400000" algn="ctr" rotWithShape="0">
+                    <a:srgbClr val="6E747A">
+                      <a:alpha val="43000"/>
+                    </a:srgbClr>
+                  </a:outerShdw>
+                </a:effectLst>
+              </a:endParaRPr>
+            </a:p>
+          </p:txBody>
+        </p:sp>
+        <p:sp>
+          <p:nvSpPr>
+            <p:cNvPr id="14" name="Freeform 236">
+              <a:extLst>
+                <a:ext uri="{FF2B5EF4-FFF2-40B4-BE49-F238E27FC236}">
+                  <a16:creationId xmlns:a16="http://schemas.microsoft.com/office/drawing/2014/main" id="{A0494102-F34B-4AA1-247A-C848D29124BA}"/>
+                </a:ext>
+              </a:extLst>
+            </p:cNvPr>
+            <p:cNvSpPr>
+              <a:spLocks/>
+            </p:cNvSpPr>
+            <p:nvPr/>
+          </p:nvSpPr>
+          <p:spPr bwMode="auto">
+            <a:xfrm>
+              <a:off x="3397250" y="2938463"/>
+              <a:ext cx="58738" cy="58738"/>
+            </a:xfrm>
+            <a:custGeom>
+              <a:avLst/>
+              <a:gdLst>
+                <a:gd name="T0" fmla="*/ 2147483646 w 139"/>
+                <a:gd name="T1" fmla="*/ 2147483646 h 139"/>
+                <a:gd name="T2" fmla="*/ 2147483646 w 139"/>
+                <a:gd name="T3" fmla="*/ 2147483646 h 139"/>
+                <a:gd name="T4" fmla="*/ 0 w 139"/>
+                <a:gd name="T5" fmla="*/ 2147483646 h 139"/>
+                <a:gd name="T6" fmla="*/ 2147483646 w 139"/>
+                <a:gd name="T7" fmla="*/ 0 h 139"/>
+                <a:gd name="T8" fmla="*/ 2147483646 w 139"/>
+                <a:gd name="T9" fmla="*/ 2147483646 h 139"/>
+                <a:gd name="T10" fmla="*/ 2147483646 w 139"/>
+                <a:gd name="T11" fmla="*/ 2147483646 h 139"/>
+                <a:gd name="T12" fmla="*/ 0 60000 65536"/>
+                <a:gd name="T13" fmla="*/ 0 60000 65536"/>
+                <a:gd name="T14" fmla="*/ 0 60000 65536"/>
+                <a:gd name="T15" fmla="*/ 0 60000 65536"/>
+                <a:gd name="T16" fmla="*/ 0 60000 65536"/>
+                <a:gd name="T17" fmla="*/ 0 60000 65536"/>
+                <a:gd name="T18" fmla="*/ 0 w 139"/>
+                <a:gd name="T19" fmla="*/ 0 h 139"/>
+                <a:gd name="T20" fmla="*/ 139 w 139"/>
+                <a:gd name="T21" fmla="*/ 139 h 139"/>
+              </a:gdLst>
+              <a:ahLst/>
+              <a:cxnLst>
+                <a:cxn ang="T12">
+                  <a:pos x="T0" y="T1"/>
+                </a:cxn>
+                <a:cxn ang="T13">
+                  <a:pos x="T2" y="T3"/>
+                </a:cxn>
+                <a:cxn ang="T14">
+                  <a:pos x="T4" y="T5"/>
+                </a:cxn>
+                <a:cxn ang="T15">
+                  <a:pos x="T6" y="T7"/>
+                </a:cxn>
+                <a:cxn ang="T16">
+                  <a:pos x="T8" y="T9"/>
+                </a:cxn>
+                <a:cxn ang="T17">
+                  <a:pos x="T10" y="T11"/>
+                </a:cxn>
+              </a:cxnLst>
+              <a:rect l="T18" t="T19" r="T20" b="T21"/>
+              <a:pathLst>
+                <a:path w="139" h="139">
+                  <a:moveTo>
+                    <a:pt x="70" y="139"/>
+                  </a:moveTo>
+                  <a:lnTo>
+                    <a:pt x="70" y="139"/>
+                  </a:lnTo>
+                  <a:cubicBezTo>
+                    <a:pt x="31" y="139"/>
+                    <a:pt x="0" y="108"/>
+                    <a:pt x="0" y="70"/>
+                  </a:cubicBezTo>
+                  <a:cubicBezTo>
+                    <a:pt x="0" y="32"/>
+                    <a:pt x="31" y="0"/>
+                    <a:pt x="70" y="0"/>
+                  </a:cubicBezTo>
+                  <a:cubicBezTo>
+                    <a:pt x="108" y="0"/>
+                    <a:pt x="139" y="32"/>
+                    <a:pt x="139" y="70"/>
+                  </a:cubicBezTo>
+                  <a:cubicBezTo>
+                    <a:pt x="139" y="108"/>
+                    <a:pt x="108" y="139"/>
+                    <a:pt x="70" y="139"/>
+                  </a:cubicBezTo>
+                  <a:close/>
+                </a:path>
+              </a:pathLst>
+            </a:custGeom>
+            <a:solidFill>
+              <a:srgbClr val="474747"/>
+            </a:solidFill>
+            <a:ln w="0">
+              <a:solidFill>
+                <a:srgbClr val="000000"/>
+              </a:solidFill>
+              <a:round/>
+              <a:headEnd/>
+              <a:tailEnd/>
+            </a:ln>
+          </p:spPr>
+          <p:txBody>
+            <a:bodyPr/>
+            <a:lstStyle/>
+            <a:p>
+              <a:endParaRPr lang="zh-CN" altLang="en-US" sz="1200">
+                <a:ln w="0"/>
+                <a:solidFill>
+                  <a:schemeClr val="accent1"/>
+                </a:solidFill>
+                <a:effectLst>
+                  <a:outerShdw blurRad="38100" dist="25400" dir="5400000" algn="ctr" rotWithShape="0">
+                    <a:srgbClr val="6E747A">
+                      <a:alpha val="43000"/>
+                    </a:srgbClr>
+                  </a:outerShdw>
+                </a:effectLst>
+              </a:endParaRPr>
+            </a:p>
+          </p:txBody>
+        </p:sp>
+        <p:sp>
+          <p:nvSpPr>
+            <p:cNvPr id="15" name="Freeform 237">
+              <a:extLst>
+                <a:ext uri="{FF2B5EF4-FFF2-40B4-BE49-F238E27FC236}">
+                  <a16:creationId xmlns:a16="http://schemas.microsoft.com/office/drawing/2014/main" id="{F201924D-7AF9-7B8E-44C8-8691DC8C376D}"/>
+                </a:ext>
+              </a:extLst>
+            </p:cNvPr>
+            <p:cNvSpPr>
+              <a:spLocks/>
+            </p:cNvSpPr>
+            <p:nvPr/>
+          </p:nvSpPr>
+          <p:spPr bwMode="auto">
+            <a:xfrm>
+              <a:off x="3486150" y="2938463"/>
+              <a:ext cx="58738" cy="58738"/>
+            </a:xfrm>
+            <a:custGeom>
+              <a:avLst/>
+              <a:gdLst>
+                <a:gd name="T0" fmla="*/ 2147483646 w 139"/>
+                <a:gd name="T1" fmla="*/ 2147483646 h 139"/>
+                <a:gd name="T2" fmla="*/ 2147483646 w 139"/>
+                <a:gd name="T3" fmla="*/ 2147483646 h 139"/>
+                <a:gd name="T4" fmla="*/ 0 w 139"/>
+                <a:gd name="T5" fmla="*/ 2147483646 h 139"/>
+                <a:gd name="T6" fmla="*/ 2147483646 w 139"/>
+                <a:gd name="T7" fmla="*/ 0 h 139"/>
+                <a:gd name="T8" fmla="*/ 2147483646 w 139"/>
+                <a:gd name="T9" fmla="*/ 2147483646 h 139"/>
+                <a:gd name="T10" fmla="*/ 2147483646 w 139"/>
+                <a:gd name="T11" fmla="*/ 2147483646 h 139"/>
+                <a:gd name="T12" fmla="*/ 0 60000 65536"/>
+                <a:gd name="T13" fmla="*/ 0 60000 65536"/>
+                <a:gd name="T14" fmla="*/ 0 60000 65536"/>
+                <a:gd name="T15" fmla="*/ 0 60000 65536"/>
+                <a:gd name="T16" fmla="*/ 0 60000 65536"/>
+                <a:gd name="T17" fmla="*/ 0 60000 65536"/>
+                <a:gd name="T18" fmla="*/ 0 w 139"/>
+                <a:gd name="T19" fmla="*/ 0 h 139"/>
+                <a:gd name="T20" fmla="*/ 139 w 139"/>
+                <a:gd name="T21" fmla="*/ 139 h 139"/>
+              </a:gdLst>
+              <a:ahLst/>
+              <a:cxnLst>
+                <a:cxn ang="T12">
+                  <a:pos x="T0" y="T1"/>
+                </a:cxn>
+                <a:cxn ang="T13">
+                  <a:pos x="T2" y="T3"/>
+                </a:cxn>
+                <a:cxn ang="T14">
+                  <a:pos x="T4" y="T5"/>
+                </a:cxn>
+                <a:cxn ang="T15">
+                  <a:pos x="T6" y="T7"/>
+                </a:cxn>
+                <a:cxn ang="T16">
+                  <a:pos x="T8" y="T9"/>
+                </a:cxn>
+                <a:cxn ang="T17">
+                  <a:pos x="T10" y="T11"/>
+                </a:cxn>
+              </a:cxnLst>
+              <a:rect l="T18" t="T19" r="T20" b="T21"/>
+              <a:pathLst>
+                <a:path w="139" h="139">
+                  <a:moveTo>
+                    <a:pt x="70" y="139"/>
+                  </a:moveTo>
+                  <a:lnTo>
+                    <a:pt x="70" y="139"/>
+                  </a:lnTo>
+                  <a:cubicBezTo>
+                    <a:pt x="31" y="139"/>
+                    <a:pt x="0" y="108"/>
+                    <a:pt x="0" y="70"/>
+                  </a:cubicBezTo>
+                  <a:cubicBezTo>
+                    <a:pt x="0" y="32"/>
+                    <a:pt x="31" y="0"/>
+                    <a:pt x="70" y="0"/>
+                  </a:cubicBezTo>
+                  <a:cubicBezTo>
+                    <a:pt x="108" y="0"/>
+                    <a:pt x="139" y="32"/>
+                    <a:pt x="139" y="70"/>
+                  </a:cubicBezTo>
+                  <a:cubicBezTo>
+                    <a:pt x="139" y="108"/>
+                    <a:pt x="108" y="139"/>
+                    <a:pt x="70" y="139"/>
+                  </a:cubicBezTo>
+                  <a:close/>
+                </a:path>
+              </a:pathLst>
+            </a:custGeom>
+            <a:solidFill>
+              <a:srgbClr val="474747"/>
+            </a:solidFill>
+            <a:ln w="0">
+              <a:solidFill>
+                <a:srgbClr val="000000"/>
+              </a:solidFill>
+              <a:round/>
+              <a:headEnd/>
+              <a:tailEnd/>
+            </a:ln>
+          </p:spPr>
+          <p:txBody>
+            <a:bodyPr/>
+            <a:lstStyle/>
+            <a:p>
+              <a:endParaRPr lang="zh-CN" altLang="en-US" sz="1200">
+                <a:ln w="0"/>
+                <a:solidFill>
+                  <a:schemeClr val="accent1"/>
+                </a:solidFill>
+                <a:effectLst>
+                  <a:outerShdw blurRad="38100" dist="25400" dir="5400000" algn="ctr" rotWithShape="0">
+                    <a:srgbClr val="6E747A">
+                      <a:alpha val="43000"/>
+                    </a:srgbClr>
+                  </a:outerShdw>
+                </a:effectLst>
+              </a:endParaRPr>
+            </a:p>
+          </p:txBody>
+        </p:sp>
+        <p:sp>
+          <p:nvSpPr>
+            <p:cNvPr id="16" name="Freeform 238">
+              <a:extLst>
+                <a:ext uri="{FF2B5EF4-FFF2-40B4-BE49-F238E27FC236}">
+                  <a16:creationId xmlns:a16="http://schemas.microsoft.com/office/drawing/2014/main" id="{579562A6-8280-9BB2-74F4-6337C092C139}"/>
+                </a:ext>
+              </a:extLst>
+            </p:cNvPr>
+            <p:cNvSpPr>
+              <a:spLocks/>
+            </p:cNvSpPr>
+            <p:nvPr/>
+          </p:nvSpPr>
+          <p:spPr bwMode="auto">
+            <a:xfrm>
+              <a:off x="3405188" y="2759075"/>
+              <a:ext cx="131763" cy="130175"/>
+            </a:xfrm>
+            <a:custGeom>
+              <a:avLst/>
+              <a:gdLst>
+                <a:gd name="T0" fmla="*/ 2147483646 w 316"/>
+                <a:gd name="T1" fmla="*/ 2147483646 h 313"/>
+                <a:gd name="T2" fmla="*/ 2147483646 w 316"/>
+                <a:gd name="T3" fmla="*/ 2147483646 h 313"/>
+                <a:gd name="T4" fmla="*/ 2147483646 w 316"/>
+                <a:gd name="T5" fmla="*/ 2147483646 h 313"/>
+                <a:gd name="T6" fmla="*/ 2147483646 w 316"/>
+                <a:gd name="T7" fmla="*/ 2147483646 h 313"/>
+                <a:gd name="T8" fmla="*/ 2147483646 w 316"/>
+                <a:gd name="T9" fmla="*/ 2147483646 h 313"/>
+                <a:gd name="T10" fmla="*/ 2147483646 w 316"/>
+                <a:gd name="T11" fmla="*/ 2147483646 h 313"/>
+                <a:gd name="T12" fmla="*/ 2147483646 w 316"/>
+                <a:gd name="T13" fmla="*/ 2147483646 h 313"/>
+                <a:gd name="T14" fmla="*/ 2147483646 w 316"/>
+                <a:gd name="T15" fmla="*/ 2147483646 h 313"/>
+                <a:gd name="T16" fmla="*/ 2147483646 w 316"/>
+                <a:gd name="T17" fmla="*/ 2147483646 h 313"/>
+                <a:gd name="T18" fmla="*/ 0 60000 65536"/>
+                <a:gd name="T19" fmla="*/ 0 60000 65536"/>
+                <a:gd name="T20" fmla="*/ 0 60000 65536"/>
+                <a:gd name="T21" fmla="*/ 0 60000 65536"/>
+                <a:gd name="T22" fmla="*/ 0 60000 65536"/>
+                <a:gd name="T23" fmla="*/ 0 60000 65536"/>
+                <a:gd name="T24" fmla="*/ 0 60000 65536"/>
+                <a:gd name="T25" fmla="*/ 0 60000 65536"/>
+                <a:gd name="T26" fmla="*/ 0 60000 65536"/>
+                <a:gd name="T27" fmla="*/ 0 w 316"/>
+                <a:gd name="T28" fmla="*/ 0 h 313"/>
+                <a:gd name="T29" fmla="*/ 316 w 316"/>
+                <a:gd name="T30" fmla="*/ 313 h 313"/>
+              </a:gdLst>
+              <a:ahLst/>
+              <a:cxnLst>
+                <a:cxn ang="T18">
+                  <a:pos x="T0" y="T1"/>
+                </a:cxn>
+                <a:cxn ang="T19">
+                  <a:pos x="T2" y="T3"/>
+                </a:cxn>
+                <a:cxn ang="T20">
+                  <a:pos x="T4" y="T5"/>
+                </a:cxn>
+                <a:cxn ang="T21">
+                  <a:pos x="T6" y="T7"/>
+                </a:cxn>
+                <a:cxn ang="T22">
+                  <a:pos x="T8" y="T9"/>
+                </a:cxn>
+                <a:cxn ang="T23">
+                  <a:pos x="T10" y="T11"/>
+                </a:cxn>
+                <a:cxn ang="T24">
+                  <a:pos x="T12" y="T13"/>
+                </a:cxn>
+                <a:cxn ang="T25">
+                  <a:pos x="T14" y="T15"/>
+                </a:cxn>
+                <a:cxn ang="T26">
+                  <a:pos x="T16" y="T17"/>
+                </a:cxn>
+              </a:cxnLst>
+              <a:rect l="T27" t="T28" r="T29" b="T30"/>
+              <a:pathLst>
+                <a:path w="316" h="313">
+                  <a:moveTo>
+                    <a:pt x="280" y="313"/>
+                  </a:moveTo>
+                  <a:lnTo>
+                    <a:pt x="280" y="313"/>
+                  </a:lnTo>
+                  <a:cubicBezTo>
+                    <a:pt x="271" y="313"/>
+                    <a:pt x="263" y="309"/>
+                    <a:pt x="256" y="303"/>
+                  </a:cubicBezTo>
+                  <a:lnTo>
+                    <a:pt x="13" y="60"/>
+                  </a:lnTo>
+                  <a:cubicBezTo>
+                    <a:pt x="0" y="47"/>
+                    <a:pt x="0" y="26"/>
+                    <a:pt x="13" y="13"/>
+                  </a:cubicBezTo>
+                  <a:cubicBezTo>
+                    <a:pt x="26" y="0"/>
+                    <a:pt x="47" y="0"/>
+                    <a:pt x="60" y="13"/>
+                  </a:cubicBezTo>
+                  <a:lnTo>
+                    <a:pt x="303" y="256"/>
+                  </a:lnTo>
+                  <a:cubicBezTo>
+                    <a:pt x="316" y="269"/>
+                    <a:pt x="316" y="290"/>
+                    <a:pt x="303" y="303"/>
+                  </a:cubicBezTo>
+                  <a:cubicBezTo>
+                    <a:pt x="297" y="309"/>
+                    <a:pt x="288" y="313"/>
+                    <a:pt x="280" y="313"/>
+                  </a:cubicBezTo>
+                  <a:close/>
+                </a:path>
+              </a:pathLst>
+            </a:custGeom>
+            <a:solidFill>
+              <a:srgbClr val="474747"/>
+            </a:solidFill>
+            <a:ln w="0">
+              <a:solidFill>
+                <a:srgbClr val="000000"/>
+              </a:solidFill>
+              <a:round/>
+              <a:headEnd/>
+              <a:tailEnd/>
+            </a:ln>
+          </p:spPr>
+          <p:txBody>
+            <a:bodyPr/>
+            <a:lstStyle/>
+            <a:p>
+              <a:endParaRPr lang="zh-CN" altLang="en-US" sz="1200">
+                <a:ln w="0"/>
+                <a:solidFill>
+                  <a:schemeClr val="accent1"/>
+                </a:solidFill>
+                <a:effectLst>
+                  <a:outerShdw blurRad="38100" dist="25400" dir="5400000" algn="ctr" rotWithShape="0">
+                    <a:srgbClr val="6E747A">
+                      <a:alpha val="43000"/>
+                    </a:srgbClr>
+                  </a:outerShdw>
+                </a:effectLst>
+              </a:endParaRPr>
+            </a:p>
+          </p:txBody>
+        </p:sp>
+        <p:sp>
+          <p:nvSpPr>
+            <p:cNvPr id="17" name="Freeform 239">
+              <a:extLst>
+                <a:ext uri="{FF2B5EF4-FFF2-40B4-BE49-F238E27FC236}">
+                  <a16:creationId xmlns:a16="http://schemas.microsoft.com/office/drawing/2014/main" id="{49DFD3F5-B28E-157A-5F1D-FCE2FCAF27DF}"/>
+                </a:ext>
+              </a:extLst>
+            </p:cNvPr>
+            <p:cNvSpPr>
+              <a:spLocks/>
+            </p:cNvSpPr>
+            <p:nvPr/>
+          </p:nvSpPr>
+          <p:spPr bwMode="auto">
+            <a:xfrm>
+              <a:off x="3381375" y="2733675"/>
+              <a:ext cx="115888" cy="115888"/>
+            </a:xfrm>
+            <a:custGeom>
+              <a:avLst/>
+              <a:gdLst>
+                <a:gd name="T0" fmla="*/ 2147483646 w 277"/>
+                <a:gd name="T1" fmla="*/ 2147483646 h 276"/>
+                <a:gd name="T2" fmla="*/ 2147483646 w 277"/>
+                <a:gd name="T3" fmla="*/ 2147483646 h 276"/>
+                <a:gd name="T4" fmla="*/ 0 w 277"/>
+                <a:gd name="T5" fmla="*/ 0 h 276"/>
+                <a:gd name="T6" fmla="*/ 2147483646 w 277"/>
+                <a:gd name="T7" fmla="*/ 2147483646 h 276"/>
+                <a:gd name="T8" fmla="*/ 2147483646 w 277"/>
+                <a:gd name="T9" fmla="*/ 2147483646 h 276"/>
+                <a:gd name="T10" fmla="*/ 0 60000 65536"/>
+                <a:gd name="T11" fmla="*/ 0 60000 65536"/>
+                <a:gd name="T12" fmla="*/ 0 60000 65536"/>
+                <a:gd name="T13" fmla="*/ 0 60000 65536"/>
+                <a:gd name="T14" fmla="*/ 0 60000 65536"/>
+                <a:gd name="T15" fmla="*/ 0 w 277"/>
+                <a:gd name="T16" fmla="*/ 0 h 276"/>
+                <a:gd name="T17" fmla="*/ 277 w 277"/>
+                <a:gd name="T18" fmla="*/ 276 h 276"/>
+              </a:gdLst>
+              <a:ahLst/>
+              <a:cxnLst>
+                <a:cxn ang="T10">
+                  <a:pos x="T0" y="T1"/>
+                </a:cxn>
+                <a:cxn ang="T11">
+                  <a:pos x="T2" y="T3"/>
+                </a:cxn>
+                <a:cxn ang="T12">
+                  <a:pos x="T4" y="T5"/>
+                </a:cxn>
+                <a:cxn ang="T13">
+                  <a:pos x="T6" y="T7"/>
+                </a:cxn>
+                <a:cxn ang="T14">
+                  <a:pos x="T8" y="T9"/>
+                </a:cxn>
+              </a:cxnLst>
+              <a:rect l="T15" t="T16" r="T17" b="T18"/>
+              <a:pathLst>
+                <a:path w="277" h="276">
+                  <a:moveTo>
+                    <a:pt x="277" y="17"/>
+                  </a:moveTo>
+                  <a:lnTo>
+                    <a:pt x="277" y="17"/>
+                  </a:lnTo>
+                  <a:lnTo>
+                    <a:pt x="0" y="0"/>
+                  </a:lnTo>
+                  <a:lnTo>
+                    <a:pt x="17" y="276"/>
+                  </a:lnTo>
+                  <a:lnTo>
+                    <a:pt x="277" y="17"/>
+                  </a:lnTo>
+                  <a:close/>
+                </a:path>
+              </a:pathLst>
+            </a:custGeom>
+            <a:solidFill>
+              <a:srgbClr val="474747"/>
+            </a:solidFill>
+            <a:ln w="0">
+              <a:solidFill>
+                <a:srgbClr val="000000"/>
+              </a:solidFill>
+              <a:round/>
+              <a:headEnd/>
+              <a:tailEnd/>
+            </a:ln>
+          </p:spPr>
+          <p:txBody>
+            <a:bodyPr/>
+            <a:lstStyle/>
+            <a:p>
+              <a:endParaRPr lang="zh-CN" altLang="en-US" sz="1200">
+                <a:ln w="0"/>
+                <a:solidFill>
+                  <a:schemeClr val="accent1"/>
+                </a:solidFill>
+                <a:effectLst>
+                  <a:outerShdw blurRad="38100" dist="25400" dir="5400000" algn="ctr" rotWithShape="0">
+                    <a:srgbClr val="6E747A">
+                      <a:alpha val="43000"/>
+                    </a:srgbClr>
+                  </a:outerShdw>
+                </a:effectLst>
+              </a:endParaRPr>
+            </a:p>
+          </p:txBody>
+        </p:sp>
+      </p:grpSp>
+      <p:grpSp>
+        <p:nvGrpSpPr>
+          <p:cNvPr id="18" name="组合 322">
+            <a:extLst>
+              <a:ext uri="{FF2B5EF4-FFF2-40B4-BE49-F238E27FC236}">
+                <a16:creationId xmlns:a16="http://schemas.microsoft.com/office/drawing/2014/main" id="{D5DA6CC8-4888-71E0-8769-6A1C6EED4884}"/>
+              </a:ext>
+            </a:extLst>
+          </p:cNvPr>
+          <p:cNvGrpSpPr>
+            <a:grpSpLocks/>
+          </p:cNvGrpSpPr>
+          <p:nvPr/>
+        </p:nvGrpSpPr>
+        <p:grpSpPr bwMode="auto">
+          <a:xfrm>
+            <a:off x="8988928" y="3861530"/>
+            <a:ext cx="1341626" cy="657669"/>
+            <a:chOff x="2998788" y="2351088"/>
+            <a:chExt cx="630238" cy="646113"/>
+          </a:xfrm>
+        </p:grpSpPr>
+        <p:sp>
+          <p:nvSpPr>
+            <p:cNvPr id="19" name="Freeform 228">
+              <a:extLst>
+                <a:ext uri="{FF2B5EF4-FFF2-40B4-BE49-F238E27FC236}">
+                  <a16:creationId xmlns:a16="http://schemas.microsoft.com/office/drawing/2014/main" id="{633794D0-5F05-27B2-CEB5-6652C256DF10}"/>
+                </a:ext>
+              </a:extLst>
+            </p:cNvPr>
+            <p:cNvSpPr>
+              <a:spLocks/>
+            </p:cNvSpPr>
+            <p:nvPr/>
+          </p:nvSpPr>
+          <p:spPr bwMode="auto">
+            <a:xfrm>
+              <a:off x="3089275" y="2441575"/>
+              <a:ext cx="133350" cy="131763"/>
+            </a:xfrm>
+            <a:custGeom>
+              <a:avLst/>
+              <a:gdLst>
+                <a:gd name="T0" fmla="*/ 2147483646 w 316"/>
+                <a:gd name="T1" fmla="*/ 2147483646 h 313"/>
+                <a:gd name="T2" fmla="*/ 2147483646 w 316"/>
+                <a:gd name="T3" fmla="*/ 2147483646 h 313"/>
+                <a:gd name="T4" fmla="*/ 2147483646 w 316"/>
+                <a:gd name="T5" fmla="*/ 2147483646 h 313"/>
+                <a:gd name="T6" fmla="*/ 2147483646 w 316"/>
+                <a:gd name="T7" fmla="*/ 2147483646 h 313"/>
+                <a:gd name="T8" fmla="*/ 2147483646 w 316"/>
+                <a:gd name="T9" fmla="*/ 2147483646 h 313"/>
+                <a:gd name="T10" fmla="*/ 2147483646 w 316"/>
+                <a:gd name="T11" fmla="*/ 2147483646 h 313"/>
+                <a:gd name="T12" fmla="*/ 2147483646 w 316"/>
+                <a:gd name="T13" fmla="*/ 2147483646 h 313"/>
+                <a:gd name="T14" fmla="*/ 2147483646 w 316"/>
+                <a:gd name="T15" fmla="*/ 2147483646 h 313"/>
+                <a:gd name="T16" fmla="*/ 2147483646 w 316"/>
+                <a:gd name="T17" fmla="*/ 2147483646 h 313"/>
+                <a:gd name="T18" fmla="*/ 0 60000 65536"/>
+                <a:gd name="T19" fmla="*/ 0 60000 65536"/>
+                <a:gd name="T20" fmla="*/ 0 60000 65536"/>
+                <a:gd name="T21" fmla="*/ 0 60000 65536"/>
+                <a:gd name="T22" fmla="*/ 0 60000 65536"/>
+                <a:gd name="T23" fmla="*/ 0 60000 65536"/>
+                <a:gd name="T24" fmla="*/ 0 60000 65536"/>
+                <a:gd name="T25" fmla="*/ 0 60000 65536"/>
+                <a:gd name="T26" fmla="*/ 0 60000 65536"/>
+                <a:gd name="T27" fmla="*/ 0 w 316"/>
+                <a:gd name="T28" fmla="*/ 0 h 313"/>
+                <a:gd name="T29" fmla="*/ 316 w 316"/>
+                <a:gd name="T30" fmla="*/ 313 h 313"/>
+              </a:gdLst>
+              <a:ahLst/>
+              <a:cxnLst>
+                <a:cxn ang="T18">
+                  <a:pos x="T0" y="T1"/>
+                </a:cxn>
+                <a:cxn ang="T19">
+                  <a:pos x="T2" y="T3"/>
+                </a:cxn>
+                <a:cxn ang="T20">
+                  <a:pos x="T4" y="T5"/>
+                </a:cxn>
+                <a:cxn ang="T21">
+                  <a:pos x="T6" y="T7"/>
+                </a:cxn>
+                <a:cxn ang="T22">
+                  <a:pos x="T8" y="T9"/>
+                </a:cxn>
+                <a:cxn ang="T23">
+                  <a:pos x="T10" y="T11"/>
+                </a:cxn>
+                <a:cxn ang="T24">
+                  <a:pos x="T12" y="T13"/>
+                </a:cxn>
+                <a:cxn ang="T25">
+                  <a:pos x="T14" y="T15"/>
+                </a:cxn>
+                <a:cxn ang="T26">
+                  <a:pos x="T16" y="T17"/>
+                </a:cxn>
+              </a:cxnLst>
+              <a:rect l="T27" t="T28" r="T29" b="T30"/>
+              <a:pathLst>
+                <a:path w="316" h="313">
+                  <a:moveTo>
+                    <a:pt x="279" y="313"/>
+                  </a:moveTo>
+                  <a:lnTo>
+                    <a:pt x="279" y="313"/>
+                  </a:lnTo>
+                  <a:cubicBezTo>
+                    <a:pt x="271" y="313"/>
+                    <a:pt x="262" y="309"/>
+                    <a:pt x="256" y="303"/>
+                  </a:cubicBezTo>
+                  <a:lnTo>
+                    <a:pt x="13" y="60"/>
+                  </a:lnTo>
+                  <a:cubicBezTo>
+                    <a:pt x="0" y="47"/>
+                    <a:pt x="0" y="26"/>
+                    <a:pt x="13" y="13"/>
+                  </a:cubicBezTo>
+                  <a:cubicBezTo>
+                    <a:pt x="26" y="0"/>
+                    <a:pt x="47" y="0"/>
+                    <a:pt x="60" y="13"/>
+                  </a:cubicBezTo>
+                  <a:lnTo>
+                    <a:pt x="303" y="256"/>
+                  </a:lnTo>
+                  <a:cubicBezTo>
+                    <a:pt x="316" y="269"/>
+                    <a:pt x="316" y="290"/>
+                    <a:pt x="303" y="303"/>
+                  </a:cubicBezTo>
+                  <a:cubicBezTo>
+                    <a:pt x="296" y="309"/>
+                    <a:pt x="288" y="313"/>
+                    <a:pt x="279" y="313"/>
+                  </a:cubicBezTo>
+                  <a:close/>
+                </a:path>
+              </a:pathLst>
+            </a:custGeom>
+            <a:solidFill>
+              <a:srgbClr val="474747"/>
+            </a:solidFill>
+            <a:ln w="0">
+              <a:solidFill>
+                <a:srgbClr val="000000"/>
+              </a:solidFill>
+              <a:round/>
+              <a:headEnd/>
+              <a:tailEnd/>
+            </a:ln>
+          </p:spPr>
+          <p:txBody>
+            <a:bodyPr/>
+            <a:lstStyle/>
+            <a:p>
+              <a:endParaRPr lang="zh-CN" altLang="en-US" sz="1200">
+                <a:ln w="0"/>
+                <a:solidFill>
+                  <a:schemeClr val="accent1"/>
+                </a:solidFill>
+                <a:effectLst>
+                  <a:outerShdw blurRad="38100" dist="25400" dir="5400000" algn="ctr" rotWithShape="0">
+                    <a:srgbClr val="6E747A">
+                      <a:alpha val="43000"/>
+                    </a:srgbClr>
+                  </a:outerShdw>
+                </a:effectLst>
+              </a:endParaRPr>
+            </a:p>
+          </p:txBody>
+        </p:sp>
+        <p:sp>
+          <p:nvSpPr>
+            <p:cNvPr id="20" name="Freeform 229">
+              <a:extLst>
+                <a:ext uri="{FF2B5EF4-FFF2-40B4-BE49-F238E27FC236}">
+                  <a16:creationId xmlns:a16="http://schemas.microsoft.com/office/drawing/2014/main" id="{F634D01D-4902-90F7-C13F-4CFD1AF6F646}"/>
+                </a:ext>
+              </a:extLst>
+            </p:cNvPr>
+            <p:cNvSpPr>
+              <a:spLocks/>
+            </p:cNvSpPr>
+            <p:nvPr/>
+          </p:nvSpPr>
+          <p:spPr bwMode="auto">
+            <a:xfrm>
+              <a:off x="3089275" y="2759075"/>
+              <a:ext cx="131763" cy="130175"/>
+            </a:xfrm>
+            <a:custGeom>
+              <a:avLst/>
+              <a:gdLst>
+                <a:gd name="T0" fmla="*/ 2147483646 w 316"/>
+                <a:gd name="T1" fmla="*/ 2147483646 h 313"/>
+                <a:gd name="T2" fmla="*/ 2147483646 w 316"/>
+                <a:gd name="T3" fmla="*/ 2147483646 h 313"/>
+                <a:gd name="T4" fmla="*/ 2147483646 w 316"/>
+                <a:gd name="T5" fmla="*/ 2147483646 h 313"/>
+                <a:gd name="T6" fmla="*/ 2147483646 w 316"/>
+                <a:gd name="T7" fmla="*/ 2147483646 h 313"/>
+                <a:gd name="T8" fmla="*/ 2147483646 w 316"/>
+                <a:gd name="T9" fmla="*/ 2147483646 h 313"/>
+                <a:gd name="T10" fmla="*/ 2147483646 w 316"/>
+                <a:gd name="T11" fmla="*/ 2147483646 h 313"/>
+                <a:gd name="T12" fmla="*/ 2147483646 w 316"/>
+                <a:gd name="T13" fmla="*/ 2147483646 h 313"/>
+                <a:gd name="T14" fmla="*/ 2147483646 w 316"/>
+                <a:gd name="T15" fmla="*/ 2147483646 h 313"/>
+                <a:gd name="T16" fmla="*/ 2147483646 w 316"/>
+                <a:gd name="T17" fmla="*/ 2147483646 h 313"/>
+                <a:gd name="T18" fmla="*/ 0 60000 65536"/>
+                <a:gd name="T19" fmla="*/ 0 60000 65536"/>
+                <a:gd name="T20" fmla="*/ 0 60000 65536"/>
+                <a:gd name="T21" fmla="*/ 0 60000 65536"/>
+                <a:gd name="T22" fmla="*/ 0 60000 65536"/>
+                <a:gd name="T23" fmla="*/ 0 60000 65536"/>
+                <a:gd name="T24" fmla="*/ 0 60000 65536"/>
+                <a:gd name="T25" fmla="*/ 0 60000 65536"/>
+                <a:gd name="T26" fmla="*/ 0 60000 65536"/>
+                <a:gd name="T27" fmla="*/ 0 w 316"/>
+                <a:gd name="T28" fmla="*/ 0 h 313"/>
+                <a:gd name="T29" fmla="*/ 316 w 316"/>
+                <a:gd name="T30" fmla="*/ 313 h 313"/>
+              </a:gdLst>
+              <a:ahLst/>
+              <a:cxnLst>
+                <a:cxn ang="T18">
+                  <a:pos x="T0" y="T1"/>
+                </a:cxn>
+                <a:cxn ang="T19">
+                  <a:pos x="T2" y="T3"/>
+                </a:cxn>
+                <a:cxn ang="T20">
+                  <a:pos x="T4" y="T5"/>
+                </a:cxn>
+                <a:cxn ang="T21">
+                  <a:pos x="T6" y="T7"/>
+                </a:cxn>
+                <a:cxn ang="T22">
+                  <a:pos x="T8" y="T9"/>
+                </a:cxn>
+                <a:cxn ang="T23">
+                  <a:pos x="T10" y="T11"/>
+                </a:cxn>
+                <a:cxn ang="T24">
+                  <a:pos x="T12" y="T13"/>
+                </a:cxn>
+                <a:cxn ang="T25">
+                  <a:pos x="T14" y="T15"/>
+                </a:cxn>
+                <a:cxn ang="T26">
+                  <a:pos x="T16" y="T17"/>
+                </a:cxn>
+              </a:cxnLst>
+              <a:rect l="T27" t="T28" r="T29" b="T30"/>
+              <a:pathLst>
+                <a:path w="316" h="313">
+                  <a:moveTo>
+                    <a:pt x="36" y="313"/>
+                  </a:moveTo>
+                  <a:lnTo>
+                    <a:pt x="36" y="313"/>
+                  </a:lnTo>
+                  <a:cubicBezTo>
+                    <a:pt x="28" y="313"/>
+                    <a:pt x="19" y="309"/>
+                    <a:pt x="13" y="303"/>
+                  </a:cubicBezTo>
+                  <a:cubicBezTo>
+                    <a:pt x="0" y="290"/>
+                    <a:pt x="0" y="269"/>
+                    <a:pt x="13" y="256"/>
+                  </a:cubicBezTo>
+                  <a:lnTo>
+                    <a:pt x="256" y="13"/>
+                  </a:lnTo>
+                  <a:cubicBezTo>
+                    <a:pt x="269" y="0"/>
+                    <a:pt x="290" y="0"/>
+                    <a:pt x="303" y="13"/>
+                  </a:cubicBezTo>
+                  <a:cubicBezTo>
+                    <a:pt x="316" y="26"/>
+                    <a:pt x="316" y="47"/>
+                    <a:pt x="303" y="60"/>
+                  </a:cubicBezTo>
+                  <a:lnTo>
+                    <a:pt x="60" y="303"/>
+                  </a:lnTo>
+                  <a:cubicBezTo>
+                    <a:pt x="53" y="309"/>
+                    <a:pt x="45" y="313"/>
+                    <a:pt x="36" y="313"/>
+                  </a:cubicBezTo>
+                  <a:close/>
+                </a:path>
+              </a:pathLst>
+            </a:custGeom>
+            <a:solidFill>
+              <a:srgbClr val="474747"/>
+            </a:solidFill>
+            <a:ln w="0">
+              <a:solidFill>
+                <a:srgbClr val="000000"/>
+              </a:solidFill>
+              <a:round/>
+              <a:headEnd/>
+              <a:tailEnd/>
+            </a:ln>
+          </p:spPr>
+          <p:txBody>
+            <a:bodyPr/>
+            <a:lstStyle/>
+            <a:p>
+              <a:endParaRPr lang="zh-CN" altLang="en-US" sz="1200">
+                <a:ln w="0"/>
+                <a:solidFill>
+                  <a:schemeClr val="accent1"/>
+                </a:solidFill>
+                <a:effectLst>
+                  <a:outerShdw blurRad="38100" dist="25400" dir="5400000" algn="ctr" rotWithShape="0">
+                    <a:srgbClr val="6E747A">
+                      <a:alpha val="43000"/>
+                    </a:srgbClr>
+                  </a:outerShdw>
+                </a:effectLst>
+              </a:endParaRPr>
+            </a:p>
+          </p:txBody>
+        </p:sp>
+        <p:sp>
+          <p:nvSpPr>
+            <p:cNvPr id="21" name="Freeform 230">
+              <a:extLst>
+                <a:ext uri="{FF2B5EF4-FFF2-40B4-BE49-F238E27FC236}">
+                  <a16:creationId xmlns:a16="http://schemas.microsoft.com/office/drawing/2014/main" id="{DF5A78AF-8181-B72B-934C-5FB6609B9AD9}"/>
+                </a:ext>
+              </a:extLst>
+            </p:cNvPr>
+            <p:cNvSpPr>
+              <a:spLocks/>
+            </p:cNvSpPr>
+            <p:nvPr/>
+          </p:nvSpPr>
+          <p:spPr bwMode="auto">
+            <a:xfrm>
+              <a:off x="3233738" y="2587625"/>
+              <a:ext cx="158750" cy="158750"/>
+            </a:xfrm>
+            <a:custGeom>
+              <a:avLst/>
+              <a:gdLst>
+                <a:gd name="T0" fmla="*/ 2147483646 w 379"/>
+                <a:gd name="T1" fmla="*/ 2147483646 h 379"/>
+                <a:gd name="T2" fmla="*/ 2147483646 w 379"/>
+                <a:gd name="T3" fmla="*/ 2147483646 h 379"/>
+                <a:gd name="T4" fmla="*/ 2147483646 w 379"/>
+                <a:gd name="T5" fmla="*/ 2147483646 h 379"/>
+                <a:gd name="T6" fmla="*/ 2147483646 w 379"/>
+                <a:gd name="T7" fmla="*/ 2147483646 h 379"/>
+                <a:gd name="T8" fmla="*/ 2147483646 w 379"/>
+                <a:gd name="T9" fmla="*/ 2147483646 h 379"/>
+                <a:gd name="T10" fmla="*/ 2147483646 w 379"/>
+                <a:gd name="T11" fmla="*/ 2147483646 h 379"/>
+                <a:gd name="T12" fmla="*/ 0 60000 65536"/>
+                <a:gd name="T13" fmla="*/ 0 60000 65536"/>
+                <a:gd name="T14" fmla="*/ 0 60000 65536"/>
+                <a:gd name="T15" fmla="*/ 0 60000 65536"/>
+                <a:gd name="T16" fmla="*/ 0 60000 65536"/>
+                <a:gd name="T17" fmla="*/ 0 60000 65536"/>
+                <a:gd name="T18" fmla="*/ 0 w 379"/>
+                <a:gd name="T19" fmla="*/ 0 h 379"/>
+                <a:gd name="T20" fmla="*/ 379 w 379"/>
+                <a:gd name="T21" fmla="*/ 379 h 379"/>
+              </a:gdLst>
+              <a:ahLst/>
+              <a:cxnLst>
+                <a:cxn ang="T12">
+                  <a:pos x="T0" y="T1"/>
+                </a:cxn>
+                <a:cxn ang="T13">
+                  <a:pos x="T2" y="T3"/>
+                </a:cxn>
+                <a:cxn ang="T14">
+                  <a:pos x="T4" y="T5"/>
+                </a:cxn>
+                <a:cxn ang="T15">
+                  <a:pos x="T6" y="T7"/>
+                </a:cxn>
+                <a:cxn ang="T16">
+                  <a:pos x="T8" y="T9"/>
+                </a:cxn>
+                <a:cxn ang="T17">
+                  <a:pos x="T10" y="T11"/>
+                </a:cxn>
+              </a:cxnLst>
+              <a:rect l="T18" t="T19" r="T20" b="T21"/>
+              <a:pathLst>
+                <a:path w="379" h="379">
+                  <a:moveTo>
+                    <a:pt x="312" y="68"/>
+                  </a:moveTo>
+                  <a:lnTo>
+                    <a:pt x="312" y="68"/>
+                  </a:lnTo>
+                  <a:cubicBezTo>
+                    <a:pt x="379" y="135"/>
+                    <a:pt x="379" y="244"/>
+                    <a:pt x="312" y="312"/>
+                  </a:cubicBezTo>
+                  <a:cubicBezTo>
+                    <a:pt x="244" y="379"/>
+                    <a:pt x="135" y="379"/>
+                    <a:pt x="68" y="312"/>
+                  </a:cubicBezTo>
+                  <a:cubicBezTo>
+                    <a:pt x="0" y="244"/>
+                    <a:pt x="0" y="135"/>
+                    <a:pt x="68" y="68"/>
+                  </a:cubicBezTo>
+                  <a:cubicBezTo>
+                    <a:pt x="135" y="0"/>
+                    <a:pt x="244" y="0"/>
+                    <a:pt x="312" y="68"/>
+                  </a:cubicBezTo>
+                  <a:close/>
+                </a:path>
+              </a:pathLst>
+            </a:custGeom>
+            <a:solidFill>
+              <a:srgbClr val="474747"/>
+            </a:solidFill>
+            <a:ln w="0">
+              <a:solidFill>
+                <a:srgbClr val="000000"/>
+              </a:solidFill>
+              <a:round/>
+              <a:headEnd/>
+              <a:tailEnd/>
+            </a:ln>
+          </p:spPr>
+          <p:txBody>
+            <a:bodyPr/>
+            <a:lstStyle/>
+            <a:p>
+              <a:endParaRPr lang="zh-CN" altLang="en-US" sz="1200">
+                <a:ln w="0"/>
+                <a:solidFill>
+                  <a:schemeClr val="accent1"/>
+                </a:solidFill>
+                <a:effectLst>
+                  <a:outerShdw blurRad="38100" dist="25400" dir="5400000" algn="ctr" rotWithShape="0">
+                    <a:srgbClr val="6E747A">
+                      <a:alpha val="43000"/>
+                    </a:srgbClr>
+                  </a:outerShdw>
+                </a:effectLst>
+              </a:endParaRPr>
+            </a:p>
+          </p:txBody>
+        </p:sp>
+        <p:sp>
+          <p:nvSpPr>
+            <p:cNvPr id="22" name="Freeform 231">
+              <a:extLst>
+                <a:ext uri="{FF2B5EF4-FFF2-40B4-BE49-F238E27FC236}">
+                  <a16:creationId xmlns:a16="http://schemas.microsoft.com/office/drawing/2014/main" id="{7578E807-4419-D34F-60B6-04FCB2B99853}"/>
+                </a:ext>
+              </a:extLst>
+            </p:cNvPr>
+            <p:cNvSpPr>
+              <a:spLocks/>
+            </p:cNvSpPr>
+            <p:nvPr/>
+          </p:nvSpPr>
+          <p:spPr bwMode="auto">
+            <a:xfrm>
+              <a:off x="3128963" y="2733675"/>
+              <a:ext cx="115888" cy="115888"/>
+            </a:xfrm>
+            <a:custGeom>
+              <a:avLst/>
+              <a:gdLst>
+                <a:gd name="T0" fmla="*/ 0 w 277"/>
+                <a:gd name="T1" fmla="*/ 2147483646 h 276"/>
+                <a:gd name="T2" fmla="*/ 0 w 277"/>
+                <a:gd name="T3" fmla="*/ 2147483646 h 276"/>
+                <a:gd name="T4" fmla="*/ 2147483646 w 277"/>
+                <a:gd name="T5" fmla="*/ 0 h 276"/>
+                <a:gd name="T6" fmla="*/ 2147483646 w 277"/>
+                <a:gd name="T7" fmla="*/ 2147483646 h 276"/>
+                <a:gd name="T8" fmla="*/ 0 w 277"/>
+                <a:gd name="T9" fmla="*/ 2147483646 h 276"/>
+                <a:gd name="T10" fmla="*/ 0 60000 65536"/>
+                <a:gd name="T11" fmla="*/ 0 60000 65536"/>
+                <a:gd name="T12" fmla="*/ 0 60000 65536"/>
+                <a:gd name="T13" fmla="*/ 0 60000 65536"/>
+                <a:gd name="T14" fmla="*/ 0 60000 65536"/>
+                <a:gd name="T15" fmla="*/ 0 w 277"/>
+                <a:gd name="T16" fmla="*/ 0 h 276"/>
+                <a:gd name="T17" fmla="*/ 277 w 277"/>
+                <a:gd name="T18" fmla="*/ 276 h 276"/>
+              </a:gdLst>
+              <a:ahLst/>
+              <a:cxnLst>
+                <a:cxn ang="T10">
+                  <a:pos x="T0" y="T1"/>
+                </a:cxn>
+                <a:cxn ang="T11">
+                  <a:pos x="T2" y="T3"/>
+                </a:cxn>
+                <a:cxn ang="T12">
+                  <a:pos x="T4" y="T5"/>
+                </a:cxn>
+                <a:cxn ang="T13">
+                  <a:pos x="T6" y="T7"/>
+                </a:cxn>
+                <a:cxn ang="T14">
+                  <a:pos x="T8" y="T9"/>
+                </a:cxn>
+              </a:cxnLst>
+              <a:rect l="T15" t="T16" r="T17" b="T18"/>
+              <a:pathLst>
+                <a:path w="277" h="276">
+                  <a:moveTo>
+                    <a:pt x="0" y="17"/>
+                  </a:moveTo>
+                  <a:lnTo>
+                    <a:pt x="0" y="17"/>
+                  </a:lnTo>
+                  <a:lnTo>
+                    <a:pt x="277" y="0"/>
+                  </a:lnTo>
+                  <a:lnTo>
+                    <a:pt x="260" y="276"/>
+                  </a:lnTo>
+                  <a:lnTo>
+                    <a:pt x="0" y="17"/>
+                  </a:lnTo>
+                  <a:close/>
+                </a:path>
+              </a:pathLst>
+            </a:custGeom>
+            <a:solidFill>
+              <a:srgbClr val="474747"/>
+            </a:solidFill>
+            <a:ln w="0">
+              <a:solidFill>
+                <a:srgbClr val="000000"/>
+              </a:solidFill>
+              <a:round/>
+              <a:headEnd/>
+              <a:tailEnd/>
+            </a:ln>
+          </p:spPr>
+          <p:txBody>
+            <a:bodyPr/>
+            <a:lstStyle/>
+            <a:p>
+              <a:endParaRPr lang="zh-CN" altLang="en-US" sz="1200">
+                <a:ln w="0"/>
+                <a:solidFill>
+                  <a:schemeClr val="accent1"/>
+                </a:solidFill>
+                <a:effectLst>
+                  <a:outerShdw blurRad="38100" dist="25400" dir="5400000" algn="ctr" rotWithShape="0">
+                    <a:srgbClr val="6E747A">
+                      <a:alpha val="43000"/>
+                    </a:srgbClr>
+                  </a:outerShdw>
+                </a:effectLst>
+              </a:endParaRPr>
+            </a:p>
+          </p:txBody>
+        </p:sp>
+        <p:sp>
+          <p:nvSpPr>
+            <p:cNvPr id="23" name="Freeform 232">
+              <a:extLst>
+                <a:ext uri="{FF2B5EF4-FFF2-40B4-BE49-F238E27FC236}">
+                  <a16:creationId xmlns:a16="http://schemas.microsoft.com/office/drawing/2014/main" id="{7B6E0D86-7201-641A-ED0C-0E56E250B598}"/>
+                </a:ext>
+              </a:extLst>
+            </p:cNvPr>
+            <p:cNvSpPr>
+              <a:spLocks/>
+            </p:cNvSpPr>
+            <p:nvPr/>
+          </p:nvSpPr>
+          <p:spPr bwMode="auto">
+            <a:xfrm>
+              <a:off x="3405188" y="2441575"/>
+              <a:ext cx="131763" cy="131763"/>
+            </a:xfrm>
+            <a:custGeom>
+              <a:avLst/>
+              <a:gdLst>
+                <a:gd name="T0" fmla="*/ 2147483646 w 316"/>
+                <a:gd name="T1" fmla="*/ 2147483646 h 313"/>
+                <a:gd name="T2" fmla="*/ 2147483646 w 316"/>
+                <a:gd name="T3" fmla="*/ 2147483646 h 313"/>
+                <a:gd name="T4" fmla="*/ 2147483646 w 316"/>
+                <a:gd name="T5" fmla="*/ 2147483646 h 313"/>
+                <a:gd name="T6" fmla="*/ 2147483646 w 316"/>
+                <a:gd name="T7" fmla="*/ 2147483646 h 313"/>
+                <a:gd name="T8" fmla="*/ 2147483646 w 316"/>
+                <a:gd name="T9" fmla="*/ 2147483646 h 313"/>
+                <a:gd name="T10" fmla="*/ 2147483646 w 316"/>
+                <a:gd name="T11" fmla="*/ 2147483646 h 313"/>
+                <a:gd name="T12" fmla="*/ 2147483646 w 316"/>
+                <a:gd name="T13" fmla="*/ 2147483646 h 313"/>
+                <a:gd name="T14" fmla="*/ 2147483646 w 316"/>
+                <a:gd name="T15" fmla="*/ 2147483646 h 313"/>
+                <a:gd name="T16" fmla="*/ 2147483646 w 316"/>
+                <a:gd name="T17" fmla="*/ 2147483646 h 313"/>
+                <a:gd name="T18" fmla="*/ 0 60000 65536"/>
+                <a:gd name="T19" fmla="*/ 0 60000 65536"/>
+                <a:gd name="T20" fmla="*/ 0 60000 65536"/>
+                <a:gd name="T21" fmla="*/ 0 60000 65536"/>
+                <a:gd name="T22" fmla="*/ 0 60000 65536"/>
+                <a:gd name="T23" fmla="*/ 0 60000 65536"/>
+                <a:gd name="T24" fmla="*/ 0 60000 65536"/>
+                <a:gd name="T25" fmla="*/ 0 60000 65536"/>
+                <a:gd name="T26" fmla="*/ 0 60000 65536"/>
+                <a:gd name="T27" fmla="*/ 0 w 316"/>
+                <a:gd name="T28" fmla="*/ 0 h 313"/>
+                <a:gd name="T29" fmla="*/ 316 w 316"/>
+                <a:gd name="T30" fmla="*/ 313 h 313"/>
+              </a:gdLst>
+              <a:ahLst/>
+              <a:cxnLst>
+                <a:cxn ang="T18">
+                  <a:pos x="T0" y="T1"/>
+                </a:cxn>
+                <a:cxn ang="T19">
+                  <a:pos x="T2" y="T3"/>
+                </a:cxn>
+                <a:cxn ang="T20">
+                  <a:pos x="T4" y="T5"/>
+                </a:cxn>
+                <a:cxn ang="T21">
+                  <a:pos x="T6" y="T7"/>
+                </a:cxn>
+                <a:cxn ang="T22">
+                  <a:pos x="T8" y="T9"/>
+                </a:cxn>
+                <a:cxn ang="T23">
+                  <a:pos x="T10" y="T11"/>
+                </a:cxn>
+                <a:cxn ang="T24">
+                  <a:pos x="T12" y="T13"/>
+                </a:cxn>
+                <a:cxn ang="T25">
+                  <a:pos x="T14" y="T15"/>
+                </a:cxn>
+                <a:cxn ang="T26">
+                  <a:pos x="T16" y="T17"/>
+                </a:cxn>
+              </a:cxnLst>
+              <a:rect l="T27" t="T28" r="T29" b="T30"/>
+              <a:pathLst>
+                <a:path w="316" h="313">
+                  <a:moveTo>
+                    <a:pt x="37" y="313"/>
+                  </a:moveTo>
+                  <a:lnTo>
+                    <a:pt x="37" y="313"/>
+                  </a:lnTo>
+                  <a:cubicBezTo>
+                    <a:pt x="28" y="313"/>
+                    <a:pt x="20" y="310"/>
+                    <a:pt x="13" y="303"/>
+                  </a:cubicBezTo>
+                  <a:cubicBezTo>
+                    <a:pt x="0" y="290"/>
+                    <a:pt x="0" y="269"/>
+                    <a:pt x="13" y="256"/>
+                  </a:cubicBezTo>
+                  <a:lnTo>
+                    <a:pt x="256" y="13"/>
+                  </a:lnTo>
+                  <a:cubicBezTo>
+                    <a:pt x="269" y="0"/>
+                    <a:pt x="290" y="0"/>
+                    <a:pt x="303" y="13"/>
+                  </a:cubicBezTo>
+                  <a:cubicBezTo>
+                    <a:pt x="316" y="26"/>
+                    <a:pt x="316" y="48"/>
+                    <a:pt x="303" y="61"/>
+                  </a:cubicBezTo>
+                  <a:lnTo>
+                    <a:pt x="60" y="303"/>
+                  </a:lnTo>
+                  <a:cubicBezTo>
+                    <a:pt x="54" y="310"/>
+                    <a:pt x="45" y="313"/>
+                    <a:pt x="37" y="313"/>
+                  </a:cubicBezTo>
+                  <a:close/>
+                </a:path>
+              </a:pathLst>
+            </a:custGeom>
+            <a:solidFill>
+              <a:srgbClr val="474747"/>
+            </a:solidFill>
+            <a:ln w="0">
+              <a:solidFill>
+                <a:srgbClr val="000000"/>
+              </a:solidFill>
+              <a:round/>
+              <a:headEnd/>
+              <a:tailEnd/>
+            </a:ln>
+          </p:spPr>
+          <p:txBody>
+            <a:bodyPr/>
+            <a:lstStyle/>
+            <a:p>
+              <a:endParaRPr lang="zh-CN" altLang="en-US" sz="1200">
+                <a:ln w="0"/>
+                <a:solidFill>
+                  <a:schemeClr val="accent1"/>
+                </a:solidFill>
+                <a:effectLst>
+                  <a:outerShdw blurRad="38100" dist="25400" dir="5400000" algn="ctr" rotWithShape="0">
+                    <a:srgbClr val="6E747A">
+                      <a:alpha val="43000"/>
+                    </a:srgbClr>
+                  </a:outerShdw>
+                </a:effectLst>
+              </a:endParaRPr>
+            </a:p>
+          </p:txBody>
+        </p:sp>
+        <p:sp>
+          <p:nvSpPr>
+            <p:cNvPr id="24" name="Freeform 233">
+              <a:extLst>
+                <a:ext uri="{FF2B5EF4-FFF2-40B4-BE49-F238E27FC236}">
+                  <a16:creationId xmlns:a16="http://schemas.microsoft.com/office/drawing/2014/main" id="{5AAFCC9A-955F-0093-61B8-1F7E5D3F1A08}"/>
+                </a:ext>
+              </a:extLst>
+            </p:cNvPr>
+            <p:cNvSpPr>
+              <a:spLocks/>
+            </p:cNvSpPr>
+            <p:nvPr/>
+          </p:nvSpPr>
+          <p:spPr bwMode="auto">
+            <a:xfrm>
+              <a:off x="3381375" y="2482850"/>
+              <a:ext cx="115888" cy="115888"/>
+            </a:xfrm>
+            <a:custGeom>
+              <a:avLst/>
+              <a:gdLst>
+                <a:gd name="T0" fmla="*/ 2147483646 w 277"/>
+                <a:gd name="T1" fmla="*/ 0 h 276"/>
+                <a:gd name="T2" fmla="*/ 2147483646 w 277"/>
+                <a:gd name="T3" fmla="*/ 0 h 276"/>
+                <a:gd name="T4" fmla="*/ 0 w 277"/>
+                <a:gd name="T5" fmla="*/ 2147483646 h 276"/>
+                <a:gd name="T6" fmla="*/ 2147483646 w 277"/>
+                <a:gd name="T7" fmla="*/ 2147483646 h 276"/>
+                <a:gd name="T8" fmla="*/ 2147483646 w 277"/>
+                <a:gd name="T9" fmla="*/ 0 h 276"/>
+                <a:gd name="T10" fmla="*/ 0 60000 65536"/>
+                <a:gd name="T11" fmla="*/ 0 60000 65536"/>
+                <a:gd name="T12" fmla="*/ 0 60000 65536"/>
+                <a:gd name="T13" fmla="*/ 0 60000 65536"/>
+                <a:gd name="T14" fmla="*/ 0 60000 65536"/>
+                <a:gd name="T15" fmla="*/ 0 w 277"/>
+                <a:gd name="T16" fmla="*/ 0 h 276"/>
+                <a:gd name="T17" fmla="*/ 277 w 277"/>
+                <a:gd name="T18" fmla="*/ 276 h 276"/>
+              </a:gdLst>
+              <a:ahLst/>
+              <a:cxnLst>
+                <a:cxn ang="T10">
+                  <a:pos x="T0" y="T1"/>
+                </a:cxn>
+                <a:cxn ang="T11">
+                  <a:pos x="T2" y="T3"/>
+                </a:cxn>
+                <a:cxn ang="T12">
+                  <a:pos x="T4" y="T5"/>
+                </a:cxn>
+                <a:cxn ang="T13">
+                  <a:pos x="T6" y="T7"/>
+                </a:cxn>
+                <a:cxn ang="T14">
+                  <a:pos x="T8" y="T9"/>
+                </a:cxn>
+              </a:cxnLst>
+              <a:rect l="T15" t="T16" r="T17" b="T18"/>
+              <a:pathLst>
+                <a:path w="277" h="276">
+                  <a:moveTo>
+                    <a:pt x="17" y="0"/>
+                  </a:moveTo>
+                  <a:lnTo>
+                    <a:pt x="17" y="0"/>
+                  </a:lnTo>
+                  <a:lnTo>
+                    <a:pt x="0" y="276"/>
+                  </a:lnTo>
+                  <a:lnTo>
+                    <a:pt x="277" y="259"/>
+                  </a:lnTo>
+                  <a:lnTo>
+                    <a:pt x="17" y="0"/>
+                  </a:lnTo>
+                  <a:close/>
+                </a:path>
+              </a:pathLst>
+            </a:custGeom>
+            <a:solidFill>
+              <a:srgbClr val="474747"/>
+            </a:solidFill>
+            <a:ln w="0">
+              <a:solidFill>
+                <a:srgbClr val="000000"/>
+              </a:solidFill>
+              <a:round/>
+              <a:headEnd/>
+              <a:tailEnd/>
+            </a:ln>
+          </p:spPr>
+          <p:txBody>
+            <a:bodyPr/>
+            <a:lstStyle/>
+            <a:p>
+              <a:endParaRPr lang="zh-CN" altLang="en-US" sz="1200">
+                <a:ln w="0"/>
+                <a:solidFill>
+                  <a:schemeClr val="accent1"/>
+                </a:solidFill>
+                <a:effectLst>
+                  <a:outerShdw blurRad="38100" dist="25400" dir="5400000" algn="ctr" rotWithShape="0">
+                    <a:srgbClr val="6E747A">
+                      <a:alpha val="43000"/>
+                    </a:srgbClr>
+                  </a:outerShdw>
+                </a:effectLst>
+              </a:endParaRPr>
+            </a:p>
+          </p:txBody>
+        </p:sp>
+        <p:sp>
+          <p:nvSpPr>
+            <p:cNvPr id="25" name="Freeform 234">
+              <a:extLst>
+                <a:ext uri="{FF2B5EF4-FFF2-40B4-BE49-F238E27FC236}">
+                  <a16:creationId xmlns:a16="http://schemas.microsoft.com/office/drawing/2014/main" id="{DAD1D1DE-1D3F-1EC9-FE20-F010A1119530}"/>
+                </a:ext>
+              </a:extLst>
+            </p:cNvPr>
+            <p:cNvSpPr>
+              <a:spLocks/>
+            </p:cNvSpPr>
+            <p:nvPr/>
+          </p:nvSpPr>
+          <p:spPr bwMode="auto">
+            <a:xfrm>
+              <a:off x="3125788" y="2479675"/>
+              <a:ext cx="115888" cy="115888"/>
+            </a:xfrm>
+            <a:custGeom>
+              <a:avLst/>
+              <a:gdLst>
+                <a:gd name="T0" fmla="*/ 2147483646 w 277"/>
+                <a:gd name="T1" fmla="*/ 0 h 277"/>
+                <a:gd name="T2" fmla="*/ 2147483646 w 277"/>
+                <a:gd name="T3" fmla="*/ 0 h 277"/>
+                <a:gd name="T4" fmla="*/ 2147483646 w 277"/>
+                <a:gd name="T5" fmla="*/ 2147483646 h 277"/>
+                <a:gd name="T6" fmla="*/ 0 w 277"/>
+                <a:gd name="T7" fmla="*/ 2147483646 h 277"/>
+                <a:gd name="T8" fmla="*/ 2147483646 w 277"/>
+                <a:gd name="T9" fmla="*/ 0 h 277"/>
+                <a:gd name="T10" fmla="*/ 0 60000 65536"/>
+                <a:gd name="T11" fmla="*/ 0 60000 65536"/>
+                <a:gd name="T12" fmla="*/ 0 60000 65536"/>
+                <a:gd name="T13" fmla="*/ 0 60000 65536"/>
+                <a:gd name="T14" fmla="*/ 0 60000 65536"/>
+                <a:gd name="T15" fmla="*/ 0 w 277"/>
+                <a:gd name="T16" fmla="*/ 0 h 277"/>
+                <a:gd name="T17" fmla="*/ 277 w 277"/>
+                <a:gd name="T18" fmla="*/ 277 h 277"/>
+              </a:gdLst>
+              <a:ahLst/>
+              <a:cxnLst>
+                <a:cxn ang="T10">
+                  <a:pos x="T0" y="T1"/>
+                </a:cxn>
+                <a:cxn ang="T11">
+                  <a:pos x="T2" y="T3"/>
+                </a:cxn>
+                <a:cxn ang="T12">
+                  <a:pos x="T4" y="T5"/>
+                </a:cxn>
+                <a:cxn ang="T13">
+                  <a:pos x="T6" y="T7"/>
+                </a:cxn>
+                <a:cxn ang="T14">
+                  <a:pos x="T8" y="T9"/>
+                </a:cxn>
+              </a:cxnLst>
+              <a:rect l="T15" t="T16" r="T17" b="T18"/>
+              <a:pathLst>
+                <a:path w="277" h="277">
+                  <a:moveTo>
+                    <a:pt x="260" y="0"/>
+                  </a:moveTo>
+                  <a:lnTo>
+                    <a:pt x="260" y="0"/>
+                  </a:lnTo>
+                  <a:lnTo>
+                    <a:pt x="277" y="277"/>
+                  </a:lnTo>
+                  <a:lnTo>
+                    <a:pt x="0" y="260"/>
+                  </a:lnTo>
+                  <a:lnTo>
+                    <a:pt x="260" y="0"/>
+                  </a:lnTo>
+                  <a:close/>
+                </a:path>
+              </a:pathLst>
+            </a:custGeom>
+            <a:solidFill>
+              <a:srgbClr val="474747"/>
+            </a:solidFill>
+            <a:ln w="0">
+              <a:solidFill>
+                <a:srgbClr val="000000"/>
+              </a:solidFill>
+              <a:round/>
+              <a:headEnd/>
+              <a:tailEnd/>
+            </a:ln>
+          </p:spPr>
+          <p:txBody>
+            <a:bodyPr/>
+            <a:lstStyle/>
+            <a:p>
+              <a:endParaRPr lang="zh-CN" altLang="en-US" sz="1200">
+                <a:ln w="0"/>
+                <a:solidFill>
+                  <a:schemeClr val="accent1"/>
+                </a:solidFill>
+                <a:effectLst>
+                  <a:outerShdw blurRad="38100" dist="25400" dir="5400000" algn="ctr" rotWithShape="0">
+                    <a:srgbClr val="6E747A">
+                      <a:alpha val="43000"/>
+                    </a:srgbClr>
+                  </a:outerShdw>
+                </a:effectLst>
+              </a:endParaRPr>
+            </a:p>
+          </p:txBody>
+        </p:sp>
+        <p:sp>
+          <p:nvSpPr>
+            <p:cNvPr id="26" name="Freeform 235">
+              <a:extLst>
+                <a:ext uri="{FF2B5EF4-FFF2-40B4-BE49-F238E27FC236}">
+                  <a16:creationId xmlns:a16="http://schemas.microsoft.com/office/drawing/2014/main" id="{30FA055A-6D3A-DE9E-AA65-09B171023268}"/>
+                </a:ext>
+              </a:extLst>
+            </p:cNvPr>
+            <p:cNvSpPr>
+              <a:spLocks/>
+            </p:cNvSpPr>
+            <p:nvPr/>
+          </p:nvSpPr>
+          <p:spPr bwMode="auto">
+            <a:xfrm>
+              <a:off x="2998788" y="2351088"/>
+              <a:ext cx="630238" cy="630238"/>
+            </a:xfrm>
+            <a:custGeom>
+              <a:avLst/>
+              <a:gdLst>
+                <a:gd name="T0" fmla="*/ 2147483646 w 1503"/>
+                <a:gd name="T1" fmla="*/ 2147483646 h 1503"/>
+                <a:gd name="T2" fmla="*/ 2147483646 w 1503"/>
+                <a:gd name="T3" fmla="*/ 2147483646 h 1503"/>
+                <a:gd name="T4" fmla="*/ 2147483646 w 1503"/>
+                <a:gd name="T5" fmla="*/ 2147483646 h 1503"/>
+                <a:gd name="T6" fmla="*/ 2147483646 w 1503"/>
+                <a:gd name="T7" fmla="*/ 2147483646 h 1503"/>
+                <a:gd name="T8" fmla="*/ 2147483646 w 1503"/>
+                <a:gd name="T9" fmla="*/ 2147483646 h 1503"/>
+                <a:gd name="T10" fmla="*/ 2147483646 w 1503"/>
+                <a:gd name="T11" fmla="*/ 2147483646 h 1503"/>
+                <a:gd name="T12" fmla="*/ 2147483646 w 1503"/>
+                <a:gd name="T13" fmla="*/ 2147483646 h 1503"/>
+                <a:gd name="T14" fmla="*/ 2147483646 w 1503"/>
+                <a:gd name="T15" fmla="*/ 2147483646 h 1503"/>
+                <a:gd name="T16" fmla="*/ 2147483646 w 1503"/>
+                <a:gd name="T17" fmla="*/ 2147483646 h 1503"/>
+                <a:gd name="T18" fmla="*/ 2147483646 w 1503"/>
+                <a:gd name="T19" fmla="*/ 2147483646 h 1503"/>
+                <a:gd name="T20" fmla="*/ 2147483646 w 1503"/>
+                <a:gd name="T21" fmla="*/ 2147483646 h 1503"/>
+                <a:gd name="T22" fmla="*/ 2147483646 w 1503"/>
+                <a:gd name="T23" fmla="*/ 2147483646 h 1503"/>
+                <a:gd name="T24" fmla="*/ 2147483646 w 1503"/>
+                <a:gd name="T25" fmla="*/ 2147483646 h 1503"/>
+                <a:gd name="T26" fmla="*/ 2147483646 w 1503"/>
+                <a:gd name="T27" fmla="*/ 2147483646 h 1503"/>
+                <a:gd name="T28" fmla="*/ 2147483646 w 1503"/>
+                <a:gd name="T29" fmla="*/ 2147483646 h 1503"/>
+                <a:gd name="T30" fmla="*/ 0 w 1503"/>
+                <a:gd name="T31" fmla="*/ 2147483646 h 1503"/>
+                <a:gd name="T32" fmla="*/ 0 w 1503"/>
+                <a:gd name="T33" fmla="*/ 2147483646 h 1503"/>
+                <a:gd name="T34" fmla="*/ 2147483646 w 1503"/>
+                <a:gd name="T35" fmla="*/ 0 h 1503"/>
+                <a:gd name="T36" fmla="*/ 2147483646 w 1503"/>
+                <a:gd name="T37" fmla="*/ 0 h 1503"/>
+                <a:gd name="T38" fmla="*/ 2147483646 w 1503"/>
+                <a:gd name="T39" fmla="*/ 2147483646 h 1503"/>
+                <a:gd name="T40" fmla="*/ 2147483646 w 1503"/>
+                <a:gd name="T41" fmla="*/ 2147483646 h 1503"/>
+                <a:gd name="T42" fmla="*/ 2147483646 w 1503"/>
+                <a:gd name="T43" fmla="*/ 2147483646 h 1503"/>
+                <a:gd name="T44" fmla="*/ 0 60000 65536"/>
+                <a:gd name="T45" fmla="*/ 0 60000 65536"/>
+                <a:gd name="T46" fmla="*/ 0 60000 65536"/>
+                <a:gd name="T47" fmla="*/ 0 60000 65536"/>
+                <a:gd name="T48" fmla="*/ 0 60000 65536"/>
+                <a:gd name="T49" fmla="*/ 0 60000 65536"/>
+                <a:gd name="T50" fmla="*/ 0 60000 65536"/>
+                <a:gd name="T51" fmla="*/ 0 60000 65536"/>
+                <a:gd name="T52" fmla="*/ 0 60000 65536"/>
+                <a:gd name="T53" fmla="*/ 0 60000 65536"/>
+                <a:gd name="T54" fmla="*/ 0 60000 65536"/>
+                <a:gd name="T55" fmla="*/ 0 60000 65536"/>
+                <a:gd name="T56" fmla="*/ 0 60000 65536"/>
+                <a:gd name="T57" fmla="*/ 0 60000 65536"/>
+                <a:gd name="T58" fmla="*/ 0 60000 65536"/>
+                <a:gd name="T59" fmla="*/ 0 60000 65536"/>
+                <a:gd name="T60" fmla="*/ 0 60000 65536"/>
+                <a:gd name="T61" fmla="*/ 0 60000 65536"/>
+                <a:gd name="T62" fmla="*/ 0 60000 65536"/>
+                <a:gd name="T63" fmla="*/ 0 60000 65536"/>
+                <a:gd name="T64" fmla="*/ 0 60000 65536"/>
+                <a:gd name="T65" fmla="*/ 0 60000 65536"/>
+                <a:gd name="T66" fmla="*/ 0 w 1503"/>
+                <a:gd name="T67" fmla="*/ 0 h 1503"/>
+                <a:gd name="T68" fmla="*/ 1503 w 1503"/>
+                <a:gd name="T69" fmla="*/ 1503 h 1503"/>
+              </a:gdLst>
+              <a:ahLst/>
+              <a:cxnLst>
+                <a:cxn ang="T44">
+                  <a:pos x="T0" y="T1"/>
+                </a:cxn>
+                <a:cxn ang="T45">
+                  <a:pos x="T2" y="T3"/>
+                </a:cxn>
+                <a:cxn ang="T46">
+                  <a:pos x="T4" y="T5"/>
+                </a:cxn>
+                <a:cxn ang="T47">
+                  <a:pos x="T6" y="T7"/>
+                </a:cxn>
+                <a:cxn ang="T48">
+                  <a:pos x="T8" y="T9"/>
+                </a:cxn>
+                <a:cxn ang="T49">
+                  <a:pos x="T10" y="T11"/>
+                </a:cxn>
+                <a:cxn ang="T50">
+                  <a:pos x="T12" y="T13"/>
+                </a:cxn>
+                <a:cxn ang="T51">
+                  <a:pos x="T14" y="T15"/>
+                </a:cxn>
+                <a:cxn ang="T52">
+                  <a:pos x="T16" y="T17"/>
+                </a:cxn>
+                <a:cxn ang="T53">
+                  <a:pos x="T18" y="T19"/>
+                </a:cxn>
+                <a:cxn ang="T54">
+                  <a:pos x="T20" y="T21"/>
+                </a:cxn>
+                <a:cxn ang="T55">
+                  <a:pos x="T22" y="T23"/>
+                </a:cxn>
+                <a:cxn ang="T56">
+                  <a:pos x="T24" y="T25"/>
+                </a:cxn>
+                <a:cxn ang="T57">
+                  <a:pos x="T26" y="T27"/>
+                </a:cxn>
+                <a:cxn ang="T58">
+                  <a:pos x="T28" y="T29"/>
+                </a:cxn>
+                <a:cxn ang="T59">
+                  <a:pos x="T30" y="T31"/>
+                </a:cxn>
+                <a:cxn ang="T60">
+                  <a:pos x="T32" y="T33"/>
+                </a:cxn>
+                <a:cxn ang="T61">
+                  <a:pos x="T34" y="T35"/>
+                </a:cxn>
+                <a:cxn ang="T62">
+                  <a:pos x="T36" y="T37"/>
+                </a:cxn>
+                <a:cxn ang="T63">
+                  <a:pos x="T38" y="T39"/>
+                </a:cxn>
+                <a:cxn ang="T64">
+                  <a:pos x="T40" y="T41"/>
+                </a:cxn>
+                <a:cxn ang="T65">
+                  <a:pos x="T42" y="T43"/>
+                </a:cxn>
+              </a:cxnLst>
+              <a:rect l="T66" t="T67" r="T68" b="T69"/>
+              <a:pathLst>
+                <a:path w="1503" h="1503">
+                  <a:moveTo>
+                    <a:pt x="1385" y="1503"/>
+                  </a:moveTo>
+                  <a:lnTo>
+                    <a:pt x="1385" y="1503"/>
+                  </a:lnTo>
+                  <a:lnTo>
+                    <a:pt x="1212" y="1503"/>
+                  </a:lnTo>
+                  <a:lnTo>
+                    <a:pt x="1212" y="1437"/>
+                  </a:lnTo>
+                  <a:lnTo>
+                    <a:pt x="1385" y="1437"/>
+                  </a:lnTo>
+                  <a:cubicBezTo>
+                    <a:pt x="1413" y="1437"/>
+                    <a:pt x="1436" y="1414"/>
+                    <a:pt x="1436" y="1385"/>
+                  </a:cubicBezTo>
+                  <a:lnTo>
+                    <a:pt x="1436" y="118"/>
+                  </a:lnTo>
+                  <a:cubicBezTo>
+                    <a:pt x="1436" y="90"/>
+                    <a:pt x="1413" y="67"/>
+                    <a:pt x="1385" y="67"/>
+                  </a:cubicBezTo>
+                  <a:lnTo>
+                    <a:pt x="118" y="67"/>
+                  </a:lnTo>
+                  <a:cubicBezTo>
+                    <a:pt x="90" y="67"/>
+                    <a:pt x="67" y="90"/>
+                    <a:pt x="67" y="118"/>
+                  </a:cubicBezTo>
+                  <a:lnTo>
+                    <a:pt x="67" y="1385"/>
+                  </a:lnTo>
+                  <a:cubicBezTo>
+                    <a:pt x="67" y="1414"/>
+                    <a:pt x="90" y="1437"/>
+                    <a:pt x="118" y="1437"/>
+                  </a:cubicBezTo>
+                  <a:lnTo>
+                    <a:pt x="1046" y="1437"/>
+                  </a:lnTo>
+                  <a:lnTo>
+                    <a:pt x="1046" y="1503"/>
+                  </a:lnTo>
+                  <a:lnTo>
+                    <a:pt x="118" y="1503"/>
+                  </a:lnTo>
+                  <a:cubicBezTo>
+                    <a:pt x="53" y="1503"/>
+                    <a:pt x="0" y="1450"/>
+                    <a:pt x="0" y="1385"/>
+                  </a:cubicBezTo>
+                  <a:lnTo>
+                    <a:pt x="0" y="118"/>
+                  </a:lnTo>
+                  <a:cubicBezTo>
+                    <a:pt x="0" y="53"/>
+                    <a:pt x="53" y="0"/>
+                    <a:pt x="118" y="0"/>
+                  </a:cubicBezTo>
+                  <a:lnTo>
+                    <a:pt x="1385" y="0"/>
+                  </a:lnTo>
+                  <a:cubicBezTo>
+                    <a:pt x="1450" y="0"/>
+                    <a:pt x="1503" y="53"/>
+                    <a:pt x="1503" y="118"/>
+                  </a:cubicBezTo>
+                  <a:lnTo>
+                    <a:pt x="1503" y="1385"/>
+                  </a:lnTo>
+                  <a:cubicBezTo>
+                    <a:pt x="1503" y="1450"/>
+                    <a:pt x="1450" y="1503"/>
+                    <a:pt x="1385" y="1503"/>
+                  </a:cubicBezTo>
+                  <a:close/>
+                </a:path>
+              </a:pathLst>
+            </a:custGeom>
+            <a:solidFill>
+              <a:srgbClr val="474747"/>
+            </a:solidFill>
+            <a:ln w="0">
+              <a:solidFill>
+                <a:srgbClr val="000000"/>
+              </a:solidFill>
+              <a:round/>
+              <a:headEnd/>
+              <a:tailEnd/>
+            </a:ln>
+          </p:spPr>
+          <p:txBody>
+            <a:bodyPr/>
+            <a:lstStyle/>
+            <a:p>
+              <a:endParaRPr lang="zh-CN" altLang="en-US" sz="1200">
+                <a:ln w="0"/>
+                <a:solidFill>
+                  <a:schemeClr val="accent1"/>
+                </a:solidFill>
+                <a:effectLst>
+                  <a:outerShdw blurRad="38100" dist="25400" dir="5400000" algn="ctr" rotWithShape="0">
+                    <a:srgbClr val="6E747A">
+                      <a:alpha val="43000"/>
+                    </a:srgbClr>
+                  </a:outerShdw>
+                </a:effectLst>
+              </a:endParaRPr>
+            </a:p>
+          </p:txBody>
+        </p:sp>
+        <p:sp>
+          <p:nvSpPr>
+            <p:cNvPr id="27" name="Freeform 236">
+              <a:extLst>
+                <a:ext uri="{FF2B5EF4-FFF2-40B4-BE49-F238E27FC236}">
+                  <a16:creationId xmlns:a16="http://schemas.microsoft.com/office/drawing/2014/main" id="{3B7B5696-4F3F-223F-950A-B346F5F9C3C2}"/>
+                </a:ext>
+              </a:extLst>
+            </p:cNvPr>
+            <p:cNvSpPr>
+              <a:spLocks/>
+            </p:cNvSpPr>
+            <p:nvPr/>
+          </p:nvSpPr>
+          <p:spPr bwMode="auto">
+            <a:xfrm>
+              <a:off x="3397250" y="2938463"/>
+              <a:ext cx="58738" cy="58738"/>
+            </a:xfrm>
+            <a:custGeom>
+              <a:avLst/>
+              <a:gdLst>
+                <a:gd name="T0" fmla="*/ 2147483646 w 139"/>
+                <a:gd name="T1" fmla="*/ 2147483646 h 139"/>
+                <a:gd name="T2" fmla="*/ 2147483646 w 139"/>
+                <a:gd name="T3" fmla="*/ 2147483646 h 139"/>
+                <a:gd name="T4" fmla="*/ 0 w 139"/>
+                <a:gd name="T5" fmla="*/ 2147483646 h 139"/>
+                <a:gd name="T6" fmla="*/ 2147483646 w 139"/>
+                <a:gd name="T7" fmla="*/ 0 h 139"/>
+                <a:gd name="T8" fmla="*/ 2147483646 w 139"/>
+                <a:gd name="T9" fmla="*/ 2147483646 h 139"/>
+                <a:gd name="T10" fmla="*/ 2147483646 w 139"/>
+                <a:gd name="T11" fmla="*/ 2147483646 h 139"/>
+                <a:gd name="T12" fmla="*/ 0 60000 65536"/>
+                <a:gd name="T13" fmla="*/ 0 60000 65536"/>
+                <a:gd name="T14" fmla="*/ 0 60000 65536"/>
+                <a:gd name="T15" fmla="*/ 0 60000 65536"/>
+                <a:gd name="T16" fmla="*/ 0 60000 65536"/>
+                <a:gd name="T17" fmla="*/ 0 60000 65536"/>
+                <a:gd name="T18" fmla="*/ 0 w 139"/>
+                <a:gd name="T19" fmla="*/ 0 h 139"/>
+                <a:gd name="T20" fmla="*/ 139 w 139"/>
+                <a:gd name="T21" fmla="*/ 139 h 139"/>
+              </a:gdLst>
+              <a:ahLst/>
+              <a:cxnLst>
+                <a:cxn ang="T12">
+                  <a:pos x="T0" y="T1"/>
+                </a:cxn>
+                <a:cxn ang="T13">
+                  <a:pos x="T2" y="T3"/>
+                </a:cxn>
+                <a:cxn ang="T14">
+                  <a:pos x="T4" y="T5"/>
+                </a:cxn>
+                <a:cxn ang="T15">
+                  <a:pos x="T6" y="T7"/>
+                </a:cxn>
+                <a:cxn ang="T16">
+                  <a:pos x="T8" y="T9"/>
+                </a:cxn>
+                <a:cxn ang="T17">
+                  <a:pos x="T10" y="T11"/>
+                </a:cxn>
+              </a:cxnLst>
+              <a:rect l="T18" t="T19" r="T20" b="T21"/>
+              <a:pathLst>
+                <a:path w="139" h="139">
+                  <a:moveTo>
+                    <a:pt x="70" y="139"/>
+                  </a:moveTo>
+                  <a:lnTo>
+                    <a:pt x="70" y="139"/>
+                  </a:lnTo>
+                  <a:cubicBezTo>
+                    <a:pt x="31" y="139"/>
+                    <a:pt x="0" y="108"/>
+                    <a:pt x="0" y="70"/>
+                  </a:cubicBezTo>
+                  <a:cubicBezTo>
+                    <a:pt x="0" y="32"/>
+                    <a:pt x="31" y="0"/>
+                    <a:pt x="70" y="0"/>
+                  </a:cubicBezTo>
+                  <a:cubicBezTo>
+                    <a:pt x="108" y="0"/>
+                    <a:pt x="139" y="32"/>
+                    <a:pt x="139" y="70"/>
+                  </a:cubicBezTo>
+                  <a:cubicBezTo>
+                    <a:pt x="139" y="108"/>
+                    <a:pt x="108" y="139"/>
+                    <a:pt x="70" y="139"/>
+                  </a:cubicBezTo>
+                  <a:close/>
+                </a:path>
+              </a:pathLst>
+            </a:custGeom>
+            <a:solidFill>
+              <a:srgbClr val="474747"/>
+            </a:solidFill>
+            <a:ln w="0">
+              <a:solidFill>
+                <a:srgbClr val="000000"/>
+              </a:solidFill>
+              <a:round/>
+              <a:headEnd/>
+              <a:tailEnd/>
+            </a:ln>
+          </p:spPr>
+          <p:txBody>
+            <a:bodyPr/>
+            <a:lstStyle/>
+            <a:p>
+              <a:endParaRPr lang="zh-CN" altLang="en-US" sz="1200">
+                <a:ln w="0"/>
+                <a:solidFill>
+                  <a:schemeClr val="accent1"/>
+                </a:solidFill>
+                <a:effectLst>
+                  <a:outerShdw blurRad="38100" dist="25400" dir="5400000" algn="ctr" rotWithShape="0">
+                    <a:srgbClr val="6E747A">
+                      <a:alpha val="43000"/>
+                    </a:srgbClr>
+                  </a:outerShdw>
+                </a:effectLst>
+              </a:endParaRPr>
+            </a:p>
+          </p:txBody>
+        </p:sp>
+        <p:sp>
+          <p:nvSpPr>
+            <p:cNvPr id="28" name="Freeform 237">
+              <a:extLst>
+                <a:ext uri="{FF2B5EF4-FFF2-40B4-BE49-F238E27FC236}">
+                  <a16:creationId xmlns:a16="http://schemas.microsoft.com/office/drawing/2014/main" id="{8365962A-9011-B885-640C-9BA1B058EA49}"/>
+                </a:ext>
+              </a:extLst>
+            </p:cNvPr>
+            <p:cNvSpPr>
+              <a:spLocks/>
+            </p:cNvSpPr>
+            <p:nvPr/>
+          </p:nvSpPr>
+          <p:spPr bwMode="auto">
+            <a:xfrm>
+              <a:off x="3486150" y="2938463"/>
+              <a:ext cx="58738" cy="58738"/>
+            </a:xfrm>
+            <a:custGeom>
+              <a:avLst/>
+              <a:gdLst>
+                <a:gd name="T0" fmla="*/ 2147483646 w 139"/>
+                <a:gd name="T1" fmla="*/ 2147483646 h 139"/>
+                <a:gd name="T2" fmla="*/ 2147483646 w 139"/>
+                <a:gd name="T3" fmla="*/ 2147483646 h 139"/>
+                <a:gd name="T4" fmla="*/ 0 w 139"/>
+                <a:gd name="T5" fmla="*/ 2147483646 h 139"/>
+                <a:gd name="T6" fmla="*/ 2147483646 w 139"/>
+                <a:gd name="T7" fmla="*/ 0 h 139"/>
+                <a:gd name="T8" fmla="*/ 2147483646 w 139"/>
+                <a:gd name="T9" fmla="*/ 2147483646 h 139"/>
+                <a:gd name="T10" fmla="*/ 2147483646 w 139"/>
+                <a:gd name="T11" fmla="*/ 2147483646 h 139"/>
+                <a:gd name="T12" fmla="*/ 0 60000 65536"/>
+                <a:gd name="T13" fmla="*/ 0 60000 65536"/>
+                <a:gd name="T14" fmla="*/ 0 60000 65536"/>
+                <a:gd name="T15" fmla="*/ 0 60000 65536"/>
+                <a:gd name="T16" fmla="*/ 0 60000 65536"/>
+                <a:gd name="T17" fmla="*/ 0 60000 65536"/>
+                <a:gd name="T18" fmla="*/ 0 w 139"/>
+                <a:gd name="T19" fmla="*/ 0 h 139"/>
+                <a:gd name="T20" fmla="*/ 139 w 139"/>
+                <a:gd name="T21" fmla="*/ 139 h 139"/>
+              </a:gdLst>
+              <a:ahLst/>
+              <a:cxnLst>
+                <a:cxn ang="T12">
+                  <a:pos x="T0" y="T1"/>
+                </a:cxn>
+                <a:cxn ang="T13">
+                  <a:pos x="T2" y="T3"/>
+                </a:cxn>
+                <a:cxn ang="T14">
+                  <a:pos x="T4" y="T5"/>
+                </a:cxn>
+                <a:cxn ang="T15">
+                  <a:pos x="T6" y="T7"/>
+                </a:cxn>
+                <a:cxn ang="T16">
+                  <a:pos x="T8" y="T9"/>
+                </a:cxn>
+                <a:cxn ang="T17">
+                  <a:pos x="T10" y="T11"/>
+                </a:cxn>
+              </a:cxnLst>
+              <a:rect l="T18" t="T19" r="T20" b="T21"/>
+              <a:pathLst>
+                <a:path w="139" h="139">
+                  <a:moveTo>
+                    <a:pt x="70" y="139"/>
+                  </a:moveTo>
+                  <a:lnTo>
+                    <a:pt x="70" y="139"/>
+                  </a:lnTo>
+                  <a:cubicBezTo>
+                    <a:pt x="31" y="139"/>
+                    <a:pt x="0" y="108"/>
+                    <a:pt x="0" y="70"/>
+                  </a:cubicBezTo>
+                  <a:cubicBezTo>
+                    <a:pt x="0" y="32"/>
+                    <a:pt x="31" y="0"/>
+                    <a:pt x="70" y="0"/>
+                  </a:cubicBezTo>
+                  <a:cubicBezTo>
+                    <a:pt x="108" y="0"/>
+                    <a:pt x="139" y="32"/>
+                    <a:pt x="139" y="70"/>
+                  </a:cubicBezTo>
+                  <a:cubicBezTo>
+                    <a:pt x="139" y="108"/>
+                    <a:pt x="108" y="139"/>
+                    <a:pt x="70" y="139"/>
+                  </a:cubicBezTo>
+                  <a:close/>
+                </a:path>
+              </a:pathLst>
+            </a:custGeom>
+            <a:solidFill>
+              <a:srgbClr val="474747"/>
+            </a:solidFill>
+            <a:ln w="0">
+              <a:solidFill>
+                <a:srgbClr val="000000"/>
+              </a:solidFill>
+              <a:round/>
+              <a:headEnd/>
+              <a:tailEnd/>
+            </a:ln>
+          </p:spPr>
+          <p:txBody>
+            <a:bodyPr/>
+            <a:lstStyle/>
+            <a:p>
+              <a:endParaRPr lang="zh-CN" altLang="en-US" sz="1200">
+                <a:ln w="0"/>
+                <a:solidFill>
+                  <a:schemeClr val="accent1"/>
+                </a:solidFill>
+                <a:effectLst>
+                  <a:outerShdw blurRad="38100" dist="25400" dir="5400000" algn="ctr" rotWithShape="0">
+                    <a:srgbClr val="6E747A">
+                      <a:alpha val="43000"/>
+                    </a:srgbClr>
+                  </a:outerShdw>
+                </a:effectLst>
+              </a:endParaRPr>
+            </a:p>
+          </p:txBody>
+        </p:sp>
+        <p:sp>
+          <p:nvSpPr>
+            <p:cNvPr id="29" name="Freeform 238">
+              <a:extLst>
+                <a:ext uri="{FF2B5EF4-FFF2-40B4-BE49-F238E27FC236}">
+                  <a16:creationId xmlns:a16="http://schemas.microsoft.com/office/drawing/2014/main" id="{2F9405DC-A6AE-B5A3-9E70-B282FE7A932B}"/>
+                </a:ext>
+              </a:extLst>
+            </p:cNvPr>
+            <p:cNvSpPr>
+              <a:spLocks/>
+            </p:cNvSpPr>
+            <p:nvPr/>
+          </p:nvSpPr>
+          <p:spPr bwMode="auto">
+            <a:xfrm>
+              <a:off x="3405188" y="2759075"/>
+              <a:ext cx="131763" cy="130175"/>
+            </a:xfrm>
+            <a:custGeom>
+              <a:avLst/>
+              <a:gdLst>
+                <a:gd name="T0" fmla="*/ 2147483646 w 316"/>
+                <a:gd name="T1" fmla="*/ 2147483646 h 313"/>
+                <a:gd name="T2" fmla="*/ 2147483646 w 316"/>
+                <a:gd name="T3" fmla="*/ 2147483646 h 313"/>
+                <a:gd name="T4" fmla="*/ 2147483646 w 316"/>
+                <a:gd name="T5" fmla="*/ 2147483646 h 313"/>
+                <a:gd name="T6" fmla="*/ 2147483646 w 316"/>
+                <a:gd name="T7" fmla="*/ 2147483646 h 313"/>
+                <a:gd name="T8" fmla="*/ 2147483646 w 316"/>
+                <a:gd name="T9" fmla="*/ 2147483646 h 313"/>
+                <a:gd name="T10" fmla="*/ 2147483646 w 316"/>
+                <a:gd name="T11" fmla="*/ 2147483646 h 313"/>
+                <a:gd name="T12" fmla="*/ 2147483646 w 316"/>
+                <a:gd name="T13" fmla="*/ 2147483646 h 313"/>
+                <a:gd name="T14" fmla="*/ 2147483646 w 316"/>
+                <a:gd name="T15" fmla="*/ 2147483646 h 313"/>
+                <a:gd name="T16" fmla="*/ 2147483646 w 316"/>
+                <a:gd name="T17" fmla="*/ 2147483646 h 313"/>
+                <a:gd name="T18" fmla="*/ 0 60000 65536"/>
+                <a:gd name="T19" fmla="*/ 0 60000 65536"/>
+                <a:gd name="T20" fmla="*/ 0 60000 65536"/>
+                <a:gd name="T21" fmla="*/ 0 60000 65536"/>
+                <a:gd name="T22" fmla="*/ 0 60000 65536"/>
+                <a:gd name="T23" fmla="*/ 0 60000 65536"/>
+                <a:gd name="T24" fmla="*/ 0 60000 65536"/>
+                <a:gd name="T25" fmla="*/ 0 60000 65536"/>
+                <a:gd name="T26" fmla="*/ 0 60000 65536"/>
+                <a:gd name="T27" fmla="*/ 0 w 316"/>
+                <a:gd name="T28" fmla="*/ 0 h 313"/>
+                <a:gd name="T29" fmla="*/ 316 w 316"/>
+                <a:gd name="T30" fmla="*/ 313 h 313"/>
+              </a:gdLst>
+              <a:ahLst/>
+              <a:cxnLst>
+                <a:cxn ang="T18">
+                  <a:pos x="T0" y="T1"/>
+                </a:cxn>
+                <a:cxn ang="T19">
+                  <a:pos x="T2" y="T3"/>
+                </a:cxn>
+                <a:cxn ang="T20">
+                  <a:pos x="T4" y="T5"/>
+                </a:cxn>
+                <a:cxn ang="T21">
+                  <a:pos x="T6" y="T7"/>
+                </a:cxn>
+                <a:cxn ang="T22">
+                  <a:pos x="T8" y="T9"/>
+                </a:cxn>
+                <a:cxn ang="T23">
+                  <a:pos x="T10" y="T11"/>
+                </a:cxn>
+                <a:cxn ang="T24">
+                  <a:pos x="T12" y="T13"/>
+                </a:cxn>
+                <a:cxn ang="T25">
+                  <a:pos x="T14" y="T15"/>
+                </a:cxn>
+                <a:cxn ang="T26">
+                  <a:pos x="T16" y="T17"/>
+                </a:cxn>
+              </a:cxnLst>
+              <a:rect l="T27" t="T28" r="T29" b="T30"/>
+              <a:pathLst>
+                <a:path w="316" h="313">
+                  <a:moveTo>
+                    <a:pt x="280" y="313"/>
+                  </a:moveTo>
+                  <a:lnTo>
+                    <a:pt x="280" y="313"/>
+                  </a:lnTo>
+                  <a:cubicBezTo>
+                    <a:pt x="271" y="313"/>
+                    <a:pt x="263" y="309"/>
+                    <a:pt x="256" y="303"/>
+                  </a:cubicBezTo>
+                  <a:lnTo>
+                    <a:pt x="13" y="60"/>
+                  </a:lnTo>
+                  <a:cubicBezTo>
+                    <a:pt x="0" y="47"/>
+                    <a:pt x="0" y="26"/>
+                    <a:pt x="13" y="13"/>
+                  </a:cubicBezTo>
+                  <a:cubicBezTo>
+                    <a:pt x="26" y="0"/>
+                    <a:pt x="47" y="0"/>
+                    <a:pt x="60" y="13"/>
+                  </a:cubicBezTo>
+                  <a:lnTo>
+                    <a:pt x="303" y="256"/>
+                  </a:lnTo>
+                  <a:cubicBezTo>
+                    <a:pt x="316" y="269"/>
+                    <a:pt x="316" y="290"/>
+                    <a:pt x="303" y="303"/>
+                  </a:cubicBezTo>
+                  <a:cubicBezTo>
+                    <a:pt x="297" y="309"/>
+                    <a:pt x="288" y="313"/>
+                    <a:pt x="280" y="313"/>
+                  </a:cubicBezTo>
+                  <a:close/>
+                </a:path>
+              </a:pathLst>
+            </a:custGeom>
+            <a:solidFill>
+              <a:srgbClr val="474747"/>
+            </a:solidFill>
+            <a:ln w="0">
+              <a:solidFill>
+                <a:srgbClr val="000000"/>
+              </a:solidFill>
+              <a:round/>
+              <a:headEnd/>
+              <a:tailEnd/>
+            </a:ln>
+          </p:spPr>
+          <p:txBody>
+            <a:bodyPr/>
+            <a:lstStyle/>
+            <a:p>
+              <a:endParaRPr lang="zh-CN" altLang="en-US" sz="1200">
+                <a:ln w="0"/>
+                <a:solidFill>
+                  <a:schemeClr val="accent1"/>
+                </a:solidFill>
+                <a:effectLst>
+                  <a:outerShdw blurRad="38100" dist="25400" dir="5400000" algn="ctr" rotWithShape="0">
+                    <a:srgbClr val="6E747A">
+                      <a:alpha val="43000"/>
+                    </a:srgbClr>
+                  </a:outerShdw>
+                </a:effectLst>
+              </a:endParaRPr>
+            </a:p>
+          </p:txBody>
+        </p:sp>
+        <p:sp>
+          <p:nvSpPr>
+            <p:cNvPr id="30" name="Freeform 239">
+              <a:extLst>
+                <a:ext uri="{FF2B5EF4-FFF2-40B4-BE49-F238E27FC236}">
+                  <a16:creationId xmlns:a16="http://schemas.microsoft.com/office/drawing/2014/main" id="{0F7B2CEA-E753-0598-4261-FA6EFA770B46}"/>
+                </a:ext>
+              </a:extLst>
+            </p:cNvPr>
+            <p:cNvSpPr>
+              <a:spLocks/>
+            </p:cNvSpPr>
+            <p:nvPr/>
+          </p:nvSpPr>
+          <p:spPr bwMode="auto">
+            <a:xfrm>
+              <a:off x="3381375" y="2733675"/>
+              <a:ext cx="115888" cy="115888"/>
+            </a:xfrm>
+            <a:custGeom>
+              <a:avLst/>
+              <a:gdLst>
+                <a:gd name="T0" fmla="*/ 2147483646 w 277"/>
+                <a:gd name="T1" fmla="*/ 2147483646 h 276"/>
+                <a:gd name="T2" fmla="*/ 2147483646 w 277"/>
+                <a:gd name="T3" fmla="*/ 2147483646 h 276"/>
+                <a:gd name="T4" fmla="*/ 0 w 277"/>
+                <a:gd name="T5" fmla="*/ 0 h 276"/>
+                <a:gd name="T6" fmla="*/ 2147483646 w 277"/>
+                <a:gd name="T7" fmla="*/ 2147483646 h 276"/>
+                <a:gd name="T8" fmla="*/ 2147483646 w 277"/>
+                <a:gd name="T9" fmla="*/ 2147483646 h 276"/>
+                <a:gd name="T10" fmla="*/ 0 60000 65536"/>
+                <a:gd name="T11" fmla="*/ 0 60000 65536"/>
+                <a:gd name="T12" fmla="*/ 0 60000 65536"/>
+                <a:gd name="T13" fmla="*/ 0 60000 65536"/>
+                <a:gd name="T14" fmla="*/ 0 60000 65536"/>
+                <a:gd name="T15" fmla="*/ 0 w 277"/>
+                <a:gd name="T16" fmla="*/ 0 h 276"/>
+                <a:gd name="T17" fmla="*/ 277 w 277"/>
+                <a:gd name="T18" fmla="*/ 276 h 276"/>
+              </a:gdLst>
+              <a:ahLst/>
+              <a:cxnLst>
+                <a:cxn ang="T10">
+                  <a:pos x="T0" y="T1"/>
+                </a:cxn>
+                <a:cxn ang="T11">
+                  <a:pos x="T2" y="T3"/>
+                </a:cxn>
+                <a:cxn ang="T12">
+                  <a:pos x="T4" y="T5"/>
+                </a:cxn>
+                <a:cxn ang="T13">
+                  <a:pos x="T6" y="T7"/>
+                </a:cxn>
+                <a:cxn ang="T14">
+                  <a:pos x="T8" y="T9"/>
+                </a:cxn>
+              </a:cxnLst>
+              <a:rect l="T15" t="T16" r="T17" b="T18"/>
+              <a:pathLst>
+                <a:path w="277" h="276">
+                  <a:moveTo>
+                    <a:pt x="277" y="17"/>
+                  </a:moveTo>
+                  <a:lnTo>
+                    <a:pt x="277" y="17"/>
+                  </a:lnTo>
+                  <a:lnTo>
+                    <a:pt x="0" y="0"/>
+                  </a:lnTo>
+                  <a:lnTo>
+                    <a:pt x="17" y="276"/>
+                  </a:lnTo>
+                  <a:lnTo>
+                    <a:pt x="277" y="17"/>
+                  </a:lnTo>
+                  <a:close/>
+                </a:path>
+              </a:pathLst>
+            </a:custGeom>
+            <a:solidFill>
+              <a:srgbClr val="474747"/>
+            </a:solidFill>
+            <a:ln w="0">
+              <a:solidFill>
+                <a:srgbClr val="000000"/>
+              </a:solidFill>
+              <a:round/>
+              <a:headEnd/>
+              <a:tailEnd/>
+            </a:ln>
+          </p:spPr>
+          <p:txBody>
+            <a:bodyPr/>
+            <a:lstStyle/>
+            <a:p>
+              <a:endParaRPr lang="zh-CN" altLang="en-US" sz="1200">
+                <a:ln w="0"/>
+                <a:solidFill>
+                  <a:schemeClr val="accent1"/>
+                </a:solidFill>
+                <a:effectLst>
+                  <a:outerShdw blurRad="38100" dist="25400" dir="5400000" algn="ctr" rotWithShape="0">
+                    <a:srgbClr val="6E747A">
+                      <a:alpha val="43000"/>
+                    </a:srgbClr>
+                  </a:outerShdw>
+                </a:effectLst>
+              </a:endParaRPr>
+            </a:p>
+          </p:txBody>
+        </p:sp>
+      </p:grpSp>
+      <p:cxnSp>
+        <p:nvCxnSpPr>
+          <p:cNvPr id="32" name="Straight Connector 31">
+            <a:extLst>
+              <a:ext uri="{FF2B5EF4-FFF2-40B4-BE49-F238E27FC236}">
+                <a16:creationId xmlns:a16="http://schemas.microsoft.com/office/drawing/2014/main" id="{22DF0355-7933-FAC6-6CBC-94D9A4BEDACB}"/>
+              </a:ext>
+            </a:extLst>
+          </p:cNvPr>
+          <p:cNvCxnSpPr/>
+          <p:nvPr/>
+        </p:nvCxnSpPr>
+        <p:spPr>
+          <a:xfrm>
+            <a:off x="9656359" y="2675188"/>
+            <a:ext cx="0" cy="1198265"/>
+          </a:xfrm>
+          <a:prstGeom prst="line">
+            <a:avLst/>
+          </a:prstGeom>
+          <a:ln w="76200">
+            <a:solidFill>
+              <a:schemeClr val="tx1"/>
+            </a:solidFill>
+          </a:ln>
+        </p:spPr>
+        <p:style>
+          <a:lnRef idx="1">
+            <a:schemeClr val="accent1"/>
+          </a:lnRef>
+          <a:fillRef idx="0">
+            <a:schemeClr val="accent1"/>
+          </a:fillRef>
+          <a:effectRef idx="0">
+            <a:schemeClr val="accent1"/>
+          </a:effectRef>
+          <a:fontRef idx="minor">
+            <a:schemeClr val="tx1"/>
+          </a:fontRef>
+        </p:style>
+      </p:cxnSp>
+      <p:cxnSp>
+        <p:nvCxnSpPr>
+          <p:cNvPr id="33" name="Straight Connector 32">
+            <a:extLst>
+              <a:ext uri="{FF2B5EF4-FFF2-40B4-BE49-F238E27FC236}">
+                <a16:creationId xmlns:a16="http://schemas.microsoft.com/office/drawing/2014/main" id="{E21D4EE8-3EA7-B771-C525-CBADB3B0C4DA}"/>
+              </a:ext>
+            </a:extLst>
+          </p:cNvPr>
+          <p:cNvCxnSpPr>
+            <a:cxnSpLocks/>
+          </p:cNvCxnSpPr>
+          <p:nvPr/>
+        </p:nvCxnSpPr>
+        <p:spPr>
+          <a:xfrm>
+            <a:off x="10328863" y="2645294"/>
+            <a:ext cx="1119988" cy="656132"/>
+          </a:xfrm>
+          <a:prstGeom prst="line">
+            <a:avLst/>
+          </a:prstGeom>
+          <a:ln w="76200">
+            <a:solidFill>
+              <a:schemeClr val="tx1"/>
+            </a:solidFill>
+          </a:ln>
+        </p:spPr>
+        <p:style>
+          <a:lnRef idx="1">
+            <a:schemeClr val="accent1"/>
+          </a:lnRef>
+          <a:fillRef idx="0">
+            <a:schemeClr val="accent1"/>
+          </a:fillRef>
+          <a:effectRef idx="0">
+            <a:schemeClr val="accent1"/>
+          </a:effectRef>
+          <a:fontRef idx="minor">
+            <a:schemeClr val="tx1"/>
+          </a:fontRef>
+        </p:style>
+      </p:cxnSp>
+      <p:cxnSp>
+        <p:nvCxnSpPr>
+          <p:cNvPr id="36" name="Straight Connector 35">
+            <a:extLst>
+              <a:ext uri="{FF2B5EF4-FFF2-40B4-BE49-F238E27FC236}">
+                <a16:creationId xmlns:a16="http://schemas.microsoft.com/office/drawing/2014/main" id="{ECE5AA58-8A78-D26E-CA9B-34104E7985C2}"/>
+              </a:ext>
+            </a:extLst>
+          </p:cNvPr>
+          <p:cNvCxnSpPr>
+            <a:cxnSpLocks/>
+          </p:cNvCxnSpPr>
+          <p:nvPr/>
+        </p:nvCxnSpPr>
+        <p:spPr>
+          <a:xfrm flipV="1">
+            <a:off x="10327173" y="3941224"/>
+            <a:ext cx="1270374" cy="241061"/>
+          </a:xfrm>
+          <a:prstGeom prst="line">
+            <a:avLst/>
+          </a:prstGeom>
+          <a:ln w="76200">
+            <a:solidFill>
+              <a:schemeClr val="tx1"/>
+            </a:solidFill>
+          </a:ln>
+        </p:spPr>
+        <p:style>
+          <a:lnRef idx="1">
+            <a:schemeClr val="accent1"/>
+          </a:lnRef>
+          <a:fillRef idx="0">
+            <a:schemeClr val="accent1"/>
+          </a:fillRef>
+          <a:effectRef idx="0">
+            <a:schemeClr val="accent1"/>
+          </a:effectRef>
+          <a:fontRef idx="minor">
+            <a:schemeClr val="tx1"/>
+          </a:fontRef>
+        </p:style>
+      </p:cxnSp>
+    </p:spTree>
+    <p:extLst>
+      <p:ext uri="{BB962C8B-B14F-4D97-AF65-F5344CB8AC3E}">
+        <p14:creationId xmlns:p14="http://schemas.microsoft.com/office/powerpoint/2010/main" val="1016871217"/>
+      </p:ext>
+    </p:extLst>
+  </p:cSld>
+  <p:clrMapOvr>
+    <a:masterClrMapping/>
+  </p:clrMapOvr>
+  <p:timing>
+    <p:tnLst>
+      <p:par>
+        <p:cTn id="1" dur="indefinite" restart="never" nodeType="tmRoot">
+          <p:childTnLst>
+            <p:seq concurrent="1" nextAc="seek">
+              <p:cTn id="2" dur="indefinite" nodeType="mainSeq">
+                <p:childTnLst>
+                  <p:par>
+                    <p:cTn id="3" fill="hold">
+                      <p:stCondLst>
+                        <p:cond delay="indefinite"/>
+                      </p:stCondLst>
+                      <p:childTnLst>
+                        <p:par>
+                          <p:cTn id="4" fill="hold">
+                            <p:stCondLst>
+                              <p:cond delay="0"/>
+                            </p:stCondLst>
+                            <p:childTnLst>
+                              <p:par>
+                                <p:cTn id="5" presetID="1" presetClass="entr" presetSubtype="0" fill="hold" grpId="0" nodeType="clickEffect">
+                                  <p:stCondLst>
+                                    <p:cond delay="0"/>
+                                  </p:stCondLst>
+                                  <p:childTnLst>
+                                    <p:set>
+                                      <p:cBhvr>
+                                        <p:cTn id="6" dur="1" fill="hold">
+                                          <p:stCondLst>
+                                            <p:cond delay="0"/>
+                                          </p:stCondLst>
+                                        </p:cTn>
+                                        <p:tgtEl>
+                                          <p:spTgt spid="2">
+                                            <p:txEl>
+                                              <p:pRg st="0" end="0"/>
+                                            </p:txEl>
+                                          </p:spTgt>
+                                        </p:tgtEl>
+                                        <p:attrNameLst>
+                                          <p:attrName>style.visibility</p:attrName>
+                                        </p:attrNameLst>
+                                      </p:cBhvr>
+                                      <p:to>
+                                        <p:strVal val="visible"/>
+                                      </p:to>
+                                    </p:set>
+                                  </p:childTnLst>
+                                </p:cTn>
+                              </p:par>
+                            </p:childTnLst>
+                          </p:cTn>
+                        </p:par>
+                      </p:childTnLst>
+                    </p:cTn>
+                  </p:par>
+                  <p:par>
+                    <p:cTn id="7" fill="hold">
+                      <p:stCondLst>
+                        <p:cond delay="indefinite"/>
+                      </p:stCondLst>
+                      <p:childTnLst>
+                        <p:par>
+                          <p:cTn id="8" fill="hold">
+                            <p:stCondLst>
+                              <p:cond delay="0"/>
+                            </p:stCondLst>
+                            <p:childTnLst>
+                              <p:par>
+                                <p:cTn id="9" presetID="1" presetClass="entr" presetSubtype="0" fill="hold" grpId="0" nodeType="clickEffect">
+                                  <p:stCondLst>
+                                    <p:cond delay="0"/>
+                                  </p:stCondLst>
+                                  <p:childTnLst>
+                                    <p:set>
+                                      <p:cBhvr>
+                                        <p:cTn id="10" dur="1" fill="hold">
+                                          <p:stCondLst>
+                                            <p:cond delay="0"/>
+                                          </p:stCondLst>
+                                        </p:cTn>
+                                        <p:tgtEl>
+                                          <p:spTgt spid="2">
+                                            <p:txEl>
+                                              <p:pRg st="1" end="1"/>
+                                            </p:txEl>
+                                          </p:spTgt>
+                                        </p:tgtEl>
+                                        <p:attrNameLst>
+                                          <p:attrName>style.visibility</p:attrName>
+                                        </p:attrNameLst>
+                                      </p:cBhvr>
+                                      <p:to>
+                                        <p:strVal val="visible"/>
+                                      </p:to>
+                                    </p:set>
+                                  </p:childTnLst>
+                                </p:cTn>
+                              </p:par>
+                            </p:childTnLst>
+                          </p:cTn>
+                        </p:par>
+                      </p:childTnLst>
+                    </p:cTn>
+                  </p:par>
+                  <p:par>
+                    <p:cTn id="11" fill="hold">
+                      <p:stCondLst>
+                        <p:cond delay="indefinite"/>
+                      </p:stCondLst>
+                      <p:childTnLst>
+                        <p:par>
+                          <p:cTn id="12" fill="hold">
+                            <p:stCondLst>
+                              <p:cond delay="0"/>
+                            </p:stCondLst>
+                            <p:childTnLst>
+                              <p:par>
+                                <p:cTn id="13" presetID="1" presetClass="entr" presetSubtype="0" fill="hold" grpId="0" nodeType="clickEffect">
+                                  <p:stCondLst>
+                                    <p:cond delay="0"/>
+                                  </p:stCondLst>
+                                  <p:childTnLst>
+                                    <p:set>
+                                      <p:cBhvr>
+                                        <p:cTn id="14" dur="1" fill="hold">
+                                          <p:stCondLst>
+                                            <p:cond delay="0"/>
+                                          </p:stCondLst>
+                                        </p:cTn>
+                                        <p:tgtEl>
+                                          <p:spTgt spid="2">
+                                            <p:txEl>
+                                              <p:pRg st="2" end="2"/>
+                                            </p:txEl>
+                                          </p:spTgt>
+                                        </p:tgtEl>
+                                        <p:attrNameLst>
+                                          <p:attrName>style.visibility</p:attrName>
+                                        </p:attrNameLst>
+                                      </p:cBhvr>
+                                      <p:to>
+                                        <p:strVal val="visible"/>
+                                      </p:to>
+                                    </p:set>
+                                  </p:childTnLst>
+                                </p:cTn>
+                              </p:par>
+                            </p:childTnLst>
+                          </p:cTn>
+                        </p:par>
+                      </p:childTnLst>
+                    </p:cTn>
+                  </p:par>
+                  <p:par>
+                    <p:cTn id="15" fill="hold">
+                      <p:stCondLst>
+                        <p:cond delay="indefinite"/>
+                      </p:stCondLst>
+                      <p:childTnLst>
+                        <p:par>
+                          <p:cTn id="16" fill="hold">
+                            <p:stCondLst>
+                              <p:cond delay="0"/>
+                            </p:stCondLst>
+                            <p:childTnLst>
+                              <p:par>
+                                <p:cTn id="17" presetID="1" presetClass="entr" presetSubtype="0" fill="hold" grpId="0" nodeType="clickEffect">
+                                  <p:stCondLst>
+                                    <p:cond delay="0"/>
+                                  </p:stCondLst>
+                                  <p:childTnLst>
+                                    <p:set>
+                                      <p:cBhvr>
+                                        <p:cTn id="18" dur="1" fill="hold">
+                                          <p:stCondLst>
+                                            <p:cond delay="0"/>
+                                          </p:stCondLst>
+                                        </p:cTn>
+                                        <p:tgtEl>
+                                          <p:spTgt spid="2">
+                                            <p:txEl>
+                                              <p:pRg st="3" end="3"/>
+                                            </p:txEl>
+                                          </p:spTgt>
+                                        </p:tgtEl>
+                                        <p:attrNameLst>
+                                          <p:attrName>style.visibility</p:attrName>
+                                        </p:attrNameLst>
+                                      </p:cBhvr>
+                                      <p:to>
+                                        <p:strVal val="visible"/>
+                                      </p:to>
+                                    </p:set>
+                                  </p:childTnLst>
+                                </p:cTn>
+                              </p:par>
+                            </p:childTnLst>
+                          </p:cTn>
+                        </p:par>
+                      </p:childTnLst>
+                    </p:cTn>
+                  </p:par>
+                  <p:par>
+                    <p:cTn id="19" fill="hold">
+                      <p:stCondLst>
+                        <p:cond delay="indefinite"/>
+                      </p:stCondLst>
+                      <p:childTnLst>
+                        <p:par>
+                          <p:cTn id="20" fill="hold">
+                            <p:stCondLst>
+                              <p:cond delay="0"/>
+                            </p:stCondLst>
+                            <p:childTnLst>
+                              <p:par>
+                                <p:cTn id="21" presetID="1" presetClass="entr" presetSubtype="0" fill="hold" grpId="0" nodeType="clickEffect">
+                                  <p:stCondLst>
+                                    <p:cond delay="0"/>
+                                  </p:stCondLst>
+                                  <p:childTnLst>
+                                    <p:set>
+                                      <p:cBhvr>
+                                        <p:cTn id="22" dur="1" fill="hold">
+                                          <p:stCondLst>
+                                            <p:cond delay="0"/>
+                                          </p:stCondLst>
+                                        </p:cTn>
+                                        <p:tgtEl>
+                                          <p:spTgt spid="2">
+                                            <p:txEl>
+                                              <p:pRg st="4" end="4"/>
+                                            </p:txEl>
+                                          </p:spTgt>
+                                        </p:tgtEl>
+                                        <p:attrNameLst>
+                                          <p:attrName>style.visibility</p:attrName>
+                                        </p:attrNameLst>
+                                      </p:cBhvr>
+                                      <p:to>
+                                        <p:strVal val="visible"/>
+                                      </p:to>
+                                    </p:set>
+                                  </p:childTnLst>
+                                </p:cTn>
+                              </p:par>
+                            </p:childTnLst>
+                          </p:cTn>
+                        </p:par>
+                      </p:childTnLst>
+                    </p:cTn>
+                  </p:par>
+                  <p:par>
+                    <p:cTn id="23" fill="hold">
+                      <p:stCondLst>
+                        <p:cond delay="indefinite"/>
+                      </p:stCondLst>
+                      <p:childTnLst>
+                        <p:par>
+                          <p:cTn id="24" fill="hold">
+                            <p:stCondLst>
+                              <p:cond delay="0"/>
+                            </p:stCondLst>
+                            <p:childTnLst>
+                              <p:par>
+                                <p:cTn id="25" presetID="1" presetClass="entr" presetSubtype="0" fill="hold" grpId="0" nodeType="clickEffect">
+                                  <p:stCondLst>
+                                    <p:cond delay="0"/>
+                                  </p:stCondLst>
+                                  <p:childTnLst>
+                                    <p:set>
+                                      <p:cBhvr>
+                                        <p:cTn id="26" dur="1" fill="hold">
+                                          <p:stCondLst>
+                                            <p:cond delay="0"/>
+                                          </p:stCondLst>
+                                        </p:cTn>
+                                        <p:tgtEl>
+                                          <p:spTgt spid="2">
+                                            <p:txEl>
+                                              <p:pRg st="6" end="6"/>
+                                            </p:txEl>
+                                          </p:spTgt>
+                                        </p:tgtEl>
+                                        <p:attrNameLst>
+                                          <p:attrName>style.visibility</p:attrName>
+                                        </p:attrNameLst>
+                                      </p:cBhvr>
+                                      <p:to>
+                                        <p:strVal val="visible"/>
+                                      </p:to>
+                                    </p:set>
+                                  </p:childTnLst>
+                                </p:cTn>
+                              </p:par>
+                            </p:childTnLst>
+                          </p:cTn>
+                        </p:par>
+                      </p:childTnLst>
+                    </p:cTn>
+                  </p:par>
+                </p:childTnLst>
+              </p:cTn>
+              <p:prevCondLst>
+                <p:cond evt="onPrev" delay="0">
+                  <p:tgtEl>
+                    <p:sldTgt/>
+                  </p:tgtEl>
+                </p:cond>
+              </p:prevCondLst>
+              <p:nextCondLst>
+                <p:cond evt="onNext" delay="0">
+                  <p:tgtEl>
+                    <p:sldTgt/>
+                  </p:tgtEl>
+                </p:cond>
+              </p:nextCondLst>
+            </p:seq>
+          </p:childTnLst>
+        </p:cTn>
+      </p:par>
+    </p:tnLst>
+    <p:bldLst>
+      <p:bldP spid="2" grpId="0" build="p"/>
+    </p:bldLst>
+  </p:timing>
+</p:sld>
+</file>
+
+<file path=ppt/slides/slide5.xml><?xml version="1.0" encoding="utf-8"?>
+<p:sld xmlns:a="http://schemas.openxmlformats.org/drawingml/2006/main" xmlns:r="http://schemas.openxmlformats.org/officeDocument/2006/relationships" xmlns:p="http://schemas.openxmlformats.org/presentationml/2006/main">
+  <p:cSld>
+    <p:spTree>
+      <p:nvGrpSpPr>
+        <p:cNvPr id="1" name=""/>
+        <p:cNvGrpSpPr/>
+        <p:nvPr/>
+      </p:nvGrpSpPr>
+      <p:grpSpPr>
+        <a:xfrm>
+          <a:off x="0" y="0"/>
+          <a:ext cx="0" cy="0"/>
+          <a:chOff x="0" y="0"/>
+          <a:chExt cx="0" cy="0"/>
+        </a:xfrm>
+      </p:grpSpPr>
+      <p:sp>
+        <p:nvSpPr>
+          <p:cNvPr id="3" name="Subtitle 2"/>
+          <p:cNvSpPr>
+            <a:spLocks noGrp="1"/>
+          </p:cNvSpPr>
+          <p:nvPr>
+            <p:ph type="subTitle" idx="1"/>
+          </p:nvPr>
+        </p:nvSpPr>
+        <p:spPr/>
+        <p:txBody>
+          <a:bodyPr/>
+          <a:lstStyle/>
+          <a:p>
             <a:r>
               <a:rPr lang="en-US" altLang="zh-CN" dirty="0"/>
               <a:t>Desired Capabilities and Their Challenges</a:t>
